--- a/Courses/Applied-Programmer/Programming-Basics/03-Условни-конструкции/07.Сложни-проверки.pptx
+++ b/Courses/Applied-Programmer/Programming-Basics/03-Условни-конструкции/07.Сложни-проверки.pptx
@@ -323,7 +323,7 @@
             <a:fld id="{FE5B4EDC-59C0-49C7-8ADA-5A781B329E02}" type="datetimeFigureOut">
               <a:rPr lang="en-US"/>
               <a:pPr/>
-              <a:t>16-Dec-19</a:t>
+              <a:t>09-Nov-20</a:t>
             </a:fld>
             <a:endParaRPr dirty="0"/>
           </a:p>
@@ -621,7 +621,7 @@
             <a:fld id="{F2D8D46A-B586-417D-BFBD-8C8FE0AAF762}" type="datetimeFigureOut">
               <a:rPr lang="en-US" smtClean="0"/>
               <a:pPr/>
-              <a:t>16-Dec-19</a:t>
+              <a:t>09-Nov-20</a:t>
             </a:fld>
             <a:endParaRPr lang="en-US" dirty="0"/>
           </a:p>
@@ -5915,6 +5915,85 @@
           </a:p>
         </p:txBody>
       </p:sp>
+      <p:sp>
+        <p:nvSpPr>
+          <p:cNvPr id="2" name="Текстово поле 1">
+            <a:extLst>
+              <a:ext uri="{FF2B5EF4-FFF2-40B4-BE49-F238E27FC236}">
+                <a16:creationId xmlns:a16="http://schemas.microsoft.com/office/drawing/2014/main" id="{0FD13A67-66D4-4E84-9F85-8CE299F56AC9}"/>
+              </a:ext>
+            </a:extLst>
+          </p:cNvPr>
+          <p:cNvSpPr txBox="1"/>
+          <p:nvPr/>
+        </p:nvSpPr>
+        <p:spPr>
+          <a:xfrm>
+            <a:off x="1100126" y="6153240"/>
+            <a:ext cx="9982200" cy="470000"/>
+          </a:xfrm>
+          <a:prstGeom prst="rect">
+            <a:avLst/>
+          </a:prstGeom>
+          <a:noFill/>
+        </p:spPr>
+        <p:txBody>
+          <a:bodyPr wrap="square">
+            <a:spAutoFit/>
+          </a:bodyPr>
+          <a:lstStyle/>
+          <a:p>
+            <a:pPr marL="0" marR="0">
+              <a:lnSpc>
+                <a:spcPct val="107000"/>
+              </a:lnSpc>
+              <a:spcBef>
+                <a:spcPts val="0"/>
+              </a:spcBef>
+              <a:spcAft>
+                <a:spcPts val="0"/>
+              </a:spcAft>
+            </a:pPr>
+            <a:r>
+              <a:rPr lang="bg-BG" sz="2400" dirty="0">
+                <a:effectLst/>
+                <a:latin typeface="Calibri" panose="020F0502020204030204" pitchFamily="34" charset="0"/>
+                <a:ea typeface="Calibri" panose="020F0502020204030204" pitchFamily="34" charset="0"/>
+                <a:cs typeface="Times New Roman" panose="02020603050405020304" pitchFamily="18" charset="0"/>
+              </a:rPr>
+              <a:t>Тествайте в </a:t>
+            </a:r>
+            <a:r>
+              <a:rPr lang="en-US" sz="2400" dirty="0">
+                <a:effectLst/>
+                <a:latin typeface="Calibri" panose="020F0502020204030204" pitchFamily="34" charset="0"/>
+                <a:ea typeface="Calibri" panose="020F0502020204030204" pitchFamily="34" charset="0"/>
+                <a:cs typeface="Times New Roman" panose="02020603050405020304" pitchFamily="18" charset="0"/>
+              </a:rPr>
+              <a:t>Judge: </a:t>
+            </a:r>
+            <a:r>
+              <a:rPr lang="bg-BG" sz="2400" u="sng" dirty="0">
+                <a:solidFill>
+                  <a:srgbClr val="0563C1"/>
+                </a:solidFill>
+                <a:effectLst/>
+                <a:latin typeface="Calibri" panose="020F0502020204030204" pitchFamily="34" charset="0"/>
+                <a:ea typeface="Calibri" panose="020F0502020204030204" pitchFamily="34" charset="0"/>
+                <a:cs typeface="Times New Roman" panose="02020603050405020304" pitchFamily="18" charset="0"/>
+                <a:hlinkClick r:id="rId3"/>
+              </a:rPr>
+              <a:t>https://judge.softuni.bg/Contests/2634/Сложни-проверки</a:t>
+            </a:r>
+            <a:endParaRPr lang="en-US" sz="2400" dirty="0">
+              <a:effectLst/>
+              <a:latin typeface="Calibri" panose="020F0502020204030204" pitchFamily="34" charset="0"/>
+              <a:ea typeface="Calibri" panose="020F0502020204030204" pitchFamily="34" charset="0"/>
+              <a:cs typeface="Times New Roman" panose="02020603050405020304" pitchFamily="18" charset="0"/>
+            </a:endParaRPr>
+          </a:p>
+        </p:txBody>
+      </p:sp>
     </p:spTree>
     <p:extLst>
       <p:ext uri="{BB962C8B-B14F-4D97-AF65-F5344CB8AC3E}">
@@ -7695,6 +7774,85 @@
           </a:p>
         </p:txBody>
       </p:sp>
+      <p:sp>
+        <p:nvSpPr>
+          <p:cNvPr id="2" name="Текстово поле 1">
+            <a:extLst>
+              <a:ext uri="{FF2B5EF4-FFF2-40B4-BE49-F238E27FC236}">
+                <a16:creationId xmlns:a16="http://schemas.microsoft.com/office/drawing/2014/main" id="{8EC2EB6D-2676-4A06-940F-C5644458D1AA}"/>
+              </a:ext>
+            </a:extLst>
+          </p:cNvPr>
+          <p:cNvSpPr txBox="1"/>
+          <p:nvPr/>
+        </p:nvSpPr>
+        <p:spPr>
+          <a:xfrm>
+            <a:off x="1100126" y="6153240"/>
+            <a:ext cx="9982200" cy="470000"/>
+          </a:xfrm>
+          <a:prstGeom prst="rect">
+            <a:avLst/>
+          </a:prstGeom>
+          <a:noFill/>
+        </p:spPr>
+        <p:txBody>
+          <a:bodyPr wrap="square">
+            <a:spAutoFit/>
+          </a:bodyPr>
+          <a:lstStyle/>
+          <a:p>
+            <a:pPr marL="0" marR="0">
+              <a:lnSpc>
+                <a:spcPct val="107000"/>
+              </a:lnSpc>
+              <a:spcBef>
+                <a:spcPts val="0"/>
+              </a:spcBef>
+              <a:spcAft>
+                <a:spcPts val="0"/>
+              </a:spcAft>
+            </a:pPr>
+            <a:r>
+              <a:rPr lang="bg-BG" sz="2400" dirty="0">
+                <a:effectLst/>
+                <a:latin typeface="Calibri" panose="020F0502020204030204" pitchFamily="34" charset="0"/>
+                <a:ea typeface="Calibri" panose="020F0502020204030204" pitchFamily="34" charset="0"/>
+                <a:cs typeface="Times New Roman" panose="02020603050405020304" pitchFamily="18" charset="0"/>
+              </a:rPr>
+              <a:t>Тествайте в </a:t>
+            </a:r>
+            <a:r>
+              <a:rPr lang="en-US" sz="2400" dirty="0">
+                <a:effectLst/>
+                <a:latin typeface="Calibri" panose="020F0502020204030204" pitchFamily="34" charset="0"/>
+                <a:ea typeface="Calibri" panose="020F0502020204030204" pitchFamily="34" charset="0"/>
+                <a:cs typeface="Times New Roman" panose="02020603050405020304" pitchFamily="18" charset="0"/>
+              </a:rPr>
+              <a:t>Judge: </a:t>
+            </a:r>
+            <a:r>
+              <a:rPr lang="bg-BG" sz="2400" u="sng" dirty="0">
+                <a:solidFill>
+                  <a:srgbClr val="0563C1"/>
+                </a:solidFill>
+                <a:effectLst/>
+                <a:latin typeface="Calibri" panose="020F0502020204030204" pitchFamily="34" charset="0"/>
+                <a:ea typeface="Calibri" panose="020F0502020204030204" pitchFamily="34" charset="0"/>
+                <a:cs typeface="Times New Roman" panose="02020603050405020304" pitchFamily="18" charset="0"/>
+                <a:hlinkClick r:id="rId2"/>
+              </a:rPr>
+              <a:t>https://judge.softuni.bg/Contests/2634/Сложни-проверки</a:t>
+            </a:r>
+            <a:endParaRPr lang="en-US" sz="2400" dirty="0">
+              <a:effectLst/>
+              <a:latin typeface="Calibri" panose="020F0502020204030204" pitchFamily="34" charset="0"/>
+              <a:ea typeface="Calibri" panose="020F0502020204030204" pitchFamily="34" charset="0"/>
+              <a:cs typeface="Times New Roman" panose="02020603050405020304" pitchFamily="18" charset="0"/>
+            </a:endParaRPr>
+          </a:p>
+        </p:txBody>
+      </p:sp>
     </p:spTree>
     <p:extLst>
       <p:ext uri="{BB962C8B-B14F-4D97-AF65-F5344CB8AC3E}">
@@ -8252,6 +8410,85 @@
                   <a:tint val="75000"/>
                 </a:prstClr>
               </a:solidFill>
+            </a:endParaRPr>
+          </a:p>
+        </p:txBody>
+      </p:sp>
+      <p:sp>
+        <p:nvSpPr>
+          <p:cNvPr id="2" name="Текстово поле 1">
+            <a:extLst>
+              <a:ext uri="{FF2B5EF4-FFF2-40B4-BE49-F238E27FC236}">
+                <a16:creationId xmlns:a16="http://schemas.microsoft.com/office/drawing/2014/main" id="{AB46F531-4610-44A1-B395-3979E6BC8503}"/>
+              </a:ext>
+            </a:extLst>
+          </p:cNvPr>
+          <p:cNvSpPr txBox="1"/>
+          <p:nvPr/>
+        </p:nvSpPr>
+        <p:spPr>
+          <a:xfrm>
+            <a:off x="1088503" y="6092668"/>
+            <a:ext cx="9982200" cy="470000"/>
+          </a:xfrm>
+          <a:prstGeom prst="rect">
+            <a:avLst/>
+          </a:prstGeom>
+          <a:noFill/>
+        </p:spPr>
+        <p:txBody>
+          <a:bodyPr wrap="square">
+            <a:spAutoFit/>
+          </a:bodyPr>
+          <a:lstStyle/>
+          <a:p>
+            <a:pPr marL="0" marR="0">
+              <a:lnSpc>
+                <a:spcPct val="107000"/>
+              </a:lnSpc>
+              <a:spcBef>
+                <a:spcPts val="0"/>
+              </a:spcBef>
+              <a:spcAft>
+                <a:spcPts val="0"/>
+              </a:spcAft>
+            </a:pPr>
+            <a:r>
+              <a:rPr lang="bg-BG" sz="2400" dirty="0">
+                <a:effectLst/>
+                <a:latin typeface="Calibri" panose="020F0502020204030204" pitchFamily="34" charset="0"/>
+                <a:ea typeface="Calibri" panose="020F0502020204030204" pitchFamily="34" charset="0"/>
+                <a:cs typeface="Times New Roman" panose="02020603050405020304" pitchFamily="18" charset="0"/>
+              </a:rPr>
+              <a:t>Тествайте в </a:t>
+            </a:r>
+            <a:r>
+              <a:rPr lang="en-US" sz="2400" dirty="0">
+                <a:effectLst/>
+                <a:latin typeface="Calibri" panose="020F0502020204030204" pitchFamily="34" charset="0"/>
+                <a:ea typeface="Calibri" panose="020F0502020204030204" pitchFamily="34" charset="0"/>
+                <a:cs typeface="Times New Roman" panose="02020603050405020304" pitchFamily="18" charset="0"/>
+              </a:rPr>
+              <a:t>Judge: </a:t>
+            </a:r>
+            <a:r>
+              <a:rPr lang="bg-BG" sz="2400" u="sng" dirty="0">
+                <a:solidFill>
+                  <a:srgbClr val="0563C1"/>
+                </a:solidFill>
+                <a:effectLst/>
+                <a:latin typeface="Calibri" panose="020F0502020204030204" pitchFamily="34" charset="0"/>
+                <a:ea typeface="Calibri" panose="020F0502020204030204" pitchFamily="34" charset="0"/>
+                <a:cs typeface="Times New Roman" panose="02020603050405020304" pitchFamily="18" charset="0"/>
+                <a:hlinkClick r:id="rId2"/>
+              </a:rPr>
+              <a:t>https://judge.softuni.bg/Contests/2634/Сложни-проверки</a:t>
+            </a:r>
+            <a:endParaRPr lang="en-US" sz="2400" dirty="0">
+              <a:effectLst/>
+              <a:latin typeface="Calibri" panose="020F0502020204030204" pitchFamily="34" charset="0"/>
+              <a:ea typeface="Calibri" panose="020F0502020204030204" pitchFamily="34" charset="0"/>
+              <a:cs typeface="Times New Roman" panose="02020603050405020304" pitchFamily="18" charset="0"/>
             </a:endParaRPr>
           </a:p>
         </p:txBody>
@@ -8541,7 +8778,7 @@
         </p:nvSpPr>
         <p:spPr bwMode="auto">
           <a:xfrm>
-            <a:off x="836612" y="3733800"/>
+            <a:off x="836612" y="3610689"/>
             <a:ext cx="786988" cy="2677656"/>
           </a:xfrm>
           <a:prstGeom prst="rect">
@@ -8655,7 +8892,7 @@
         </p:nvSpPr>
         <p:spPr bwMode="auto">
           <a:xfrm>
-            <a:off x="2208212" y="3733800"/>
+            <a:off x="2228258" y="3610689"/>
             <a:ext cx="1676400" cy="2677656"/>
           </a:xfrm>
           <a:prstGeom prst="rect">
@@ -8734,7 +8971,7 @@
         </p:nvSpPr>
         <p:spPr>
           <a:xfrm>
-            <a:off x="1763506" y="4949517"/>
+            <a:off x="1773529" y="4826406"/>
             <a:ext cx="304800" cy="246222"/>
           </a:xfrm>
           <a:prstGeom prst="rightArrow">
@@ -8782,7 +9019,7 @@
         </p:blipFill>
         <p:spPr>
           <a:xfrm>
-            <a:off x="4251712" y="3733800"/>
+            <a:off x="4271758" y="3610689"/>
             <a:ext cx="3447842" cy="2677656"/>
           </a:xfrm>
           <a:prstGeom prst="roundRect">
@@ -8802,7 +9039,7 @@
         </p:nvSpPr>
         <p:spPr bwMode="auto">
           <a:xfrm>
-            <a:off x="8304212" y="3733800"/>
+            <a:off x="8284168" y="3610689"/>
             <a:ext cx="786988" cy="2677656"/>
           </a:xfrm>
           <a:prstGeom prst="rect">
@@ -8907,7 +9144,7 @@
         </p:nvSpPr>
         <p:spPr bwMode="auto">
           <a:xfrm>
-            <a:off x="9675812" y="3733800"/>
+            <a:off x="9640832" y="3610689"/>
             <a:ext cx="1676400" cy="2677656"/>
           </a:xfrm>
           <a:prstGeom prst="rect">
@@ -8986,7 +9223,7 @@
         </p:nvSpPr>
         <p:spPr>
           <a:xfrm>
-            <a:off x="9231106" y="4949517"/>
+            <a:off x="9230054" y="4826406"/>
             <a:ext cx="304800" cy="246222"/>
           </a:xfrm>
           <a:prstGeom prst="rightArrow">
@@ -9074,6 +9311,85 @@
                   <a:tint val="75000"/>
                 </a:prstClr>
               </a:solidFill>
+            </a:endParaRPr>
+          </a:p>
+        </p:txBody>
+      </p:sp>
+      <p:sp>
+        <p:nvSpPr>
+          <p:cNvPr id="2" name="Текстово поле 1">
+            <a:extLst>
+              <a:ext uri="{FF2B5EF4-FFF2-40B4-BE49-F238E27FC236}">
+                <a16:creationId xmlns:a16="http://schemas.microsoft.com/office/drawing/2014/main" id="{980CEE7D-671A-48F4-932A-D8441D288AA8}"/>
+              </a:ext>
+            </a:extLst>
+          </p:cNvPr>
+          <p:cNvSpPr txBox="1"/>
+          <p:nvPr/>
+        </p:nvSpPr>
+        <p:spPr>
+          <a:xfrm>
+            <a:off x="1004579" y="6347659"/>
+            <a:ext cx="9982200" cy="470000"/>
+          </a:xfrm>
+          <a:prstGeom prst="rect">
+            <a:avLst/>
+          </a:prstGeom>
+          <a:noFill/>
+        </p:spPr>
+        <p:txBody>
+          <a:bodyPr wrap="square">
+            <a:spAutoFit/>
+          </a:bodyPr>
+          <a:lstStyle/>
+          <a:p>
+            <a:pPr marL="0" marR="0">
+              <a:lnSpc>
+                <a:spcPct val="107000"/>
+              </a:lnSpc>
+              <a:spcBef>
+                <a:spcPts val="0"/>
+              </a:spcBef>
+              <a:spcAft>
+                <a:spcPts val="0"/>
+              </a:spcAft>
+            </a:pPr>
+            <a:r>
+              <a:rPr lang="bg-BG" sz="2400" dirty="0">
+                <a:effectLst/>
+                <a:latin typeface="Calibri" panose="020F0502020204030204" pitchFamily="34" charset="0"/>
+                <a:ea typeface="Calibri" panose="020F0502020204030204" pitchFamily="34" charset="0"/>
+                <a:cs typeface="Times New Roman" panose="02020603050405020304" pitchFamily="18" charset="0"/>
+              </a:rPr>
+              <a:t>Тествайте в </a:t>
+            </a:r>
+            <a:r>
+              <a:rPr lang="en-US" sz="2400" dirty="0">
+                <a:effectLst/>
+                <a:latin typeface="Calibri" panose="020F0502020204030204" pitchFamily="34" charset="0"/>
+                <a:ea typeface="Calibri" panose="020F0502020204030204" pitchFamily="34" charset="0"/>
+                <a:cs typeface="Times New Roman" panose="02020603050405020304" pitchFamily="18" charset="0"/>
+              </a:rPr>
+              <a:t>Judge: </a:t>
+            </a:r>
+            <a:r>
+              <a:rPr lang="bg-BG" sz="2400" u="sng" dirty="0">
+                <a:solidFill>
+                  <a:srgbClr val="0563C1"/>
+                </a:solidFill>
+                <a:effectLst/>
+                <a:latin typeface="Calibri" panose="020F0502020204030204" pitchFamily="34" charset="0"/>
+                <a:ea typeface="Calibri" panose="020F0502020204030204" pitchFamily="34" charset="0"/>
+                <a:cs typeface="Times New Roman" panose="02020603050405020304" pitchFamily="18" charset="0"/>
+                <a:hlinkClick r:id="rId3"/>
+              </a:rPr>
+              <a:t>https://judge.softuni.bg/Contests/2634/Сложни-проверки</a:t>
+            </a:r>
+            <a:endParaRPr lang="en-US" sz="2400" dirty="0">
+              <a:effectLst/>
+              <a:latin typeface="Calibri" panose="020F0502020204030204" pitchFamily="34" charset="0"/>
+              <a:ea typeface="Calibri" panose="020F0502020204030204" pitchFamily="34" charset="0"/>
+              <a:cs typeface="Times New Roman" panose="02020603050405020304" pitchFamily="18" charset="0"/>
             </a:endParaRPr>
           </a:p>
         </p:txBody>
@@ -9120,7 +9436,7 @@
         </p:nvSpPr>
         <p:spPr>
           <a:xfrm>
-            <a:off x="190413" y="1097333"/>
+            <a:off x="188815" y="996059"/>
             <a:ext cx="11804822" cy="5570355"/>
           </a:xfrm>
         </p:spPr>
@@ -9441,7 +9757,7 @@
         </p:nvSpPr>
         <p:spPr bwMode="auto">
           <a:xfrm>
-            <a:off x="836614" y="3146612"/>
+            <a:off x="833427" y="2901489"/>
             <a:ext cx="10515598" cy="3410164"/>
           </a:xfrm>
           <a:prstGeom prst="rect">
@@ -10440,6 +10756,85 @@
                   <a:tint val="75000"/>
                 </a:prstClr>
               </a:solidFill>
+            </a:endParaRPr>
+          </a:p>
+        </p:txBody>
+      </p:sp>
+      <p:sp>
+        <p:nvSpPr>
+          <p:cNvPr id="8" name="Текстово поле 7">
+            <a:extLst>
+              <a:ext uri="{FF2B5EF4-FFF2-40B4-BE49-F238E27FC236}">
+                <a16:creationId xmlns:a16="http://schemas.microsoft.com/office/drawing/2014/main" id="{DD6AC5A6-4E6D-452B-8D89-D7F94BF0FD7B}"/>
+              </a:ext>
+            </a:extLst>
+          </p:cNvPr>
+          <p:cNvSpPr txBox="1"/>
+          <p:nvPr/>
+        </p:nvSpPr>
+        <p:spPr>
+          <a:xfrm>
+            <a:off x="1100126" y="6096501"/>
+            <a:ext cx="9982200" cy="470000"/>
+          </a:xfrm>
+          <a:prstGeom prst="rect">
+            <a:avLst/>
+          </a:prstGeom>
+          <a:noFill/>
+        </p:spPr>
+        <p:txBody>
+          <a:bodyPr wrap="square">
+            <a:spAutoFit/>
+          </a:bodyPr>
+          <a:lstStyle/>
+          <a:p>
+            <a:pPr marL="0" marR="0">
+              <a:lnSpc>
+                <a:spcPct val="107000"/>
+              </a:lnSpc>
+              <a:spcBef>
+                <a:spcPts val="0"/>
+              </a:spcBef>
+              <a:spcAft>
+                <a:spcPts val="0"/>
+              </a:spcAft>
+            </a:pPr>
+            <a:r>
+              <a:rPr lang="bg-BG" sz="2400" dirty="0">
+                <a:effectLst/>
+                <a:latin typeface="Calibri" panose="020F0502020204030204" pitchFamily="34" charset="0"/>
+                <a:ea typeface="Calibri" panose="020F0502020204030204" pitchFamily="34" charset="0"/>
+                <a:cs typeface="Times New Roman" panose="02020603050405020304" pitchFamily="18" charset="0"/>
+              </a:rPr>
+              <a:t>Тествайте в </a:t>
+            </a:r>
+            <a:r>
+              <a:rPr lang="en-US" sz="2400" dirty="0">
+                <a:effectLst/>
+                <a:latin typeface="Calibri" panose="020F0502020204030204" pitchFamily="34" charset="0"/>
+                <a:ea typeface="Calibri" panose="020F0502020204030204" pitchFamily="34" charset="0"/>
+                <a:cs typeface="Times New Roman" panose="02020603050405020304" pitchFamily="18" charset="0"/>
+              </a:rPr>
+              <a:t>Judge: </a:t>
+            </a:r>
+            <a:r>
+              <a:rPr lang="bg-BG" sz="2400" u="sng" dirty="0">
+                <a:solidFill>
+                  <a:srgbClr val="0563C1"/>
+                </a:solidFill>
+                <a:effectLst/>
+                <a:latin typeface="Calibri" panose="020F0502020204030204" pitchFamily="34" charset="0"/>
+                <a:ea typeface="Calibri" panose="020F0502020204030204" pitchFamily="34" charset="0"/>
+                <a:cs typeface="Times New Roman" panose="02020603050405020304" pitchFamily="18" charset="0"/>
+                <a:hlinkClick r:id="rId3"/>
+              </a:rPr>
+              <a:t>https://judge.softuni.bg/Contests/2634/Сложни-проверки</a:t>
+            </a:r>
+            <a:endParaRPr lang="en-US" sz="2400" dirty="0">
+              <a:effectLst/>
+              <a:latin typeface="Calibri" panose="020F0502020204030204" pitchFamily="34" charset="0"/>
+              <a:ea typeface="Calibri" panose="020F0502020204030204" pitchFamily="34" charset="0"/>
+              <a:cs typeface="Times New Roman" panose="02020603050405020304" pitchFamily="18" charset="0"/>
             </a:endParaRPr>
           </a:p>
         </p:txBody>
@@ -12746,6 +13141,85 @@
                   <a:tint val="75000"/>
                 </a:prstClr>
               </a:solidFill>
+            </a:endParaRPr>
+          </a:p>
+        </p:txBody>
+      </p:sp>
+      <p:sp>
+        <p:nvSpPr>
+          <p:cNvPr id="2" name="Текстово поле 1">
+            <a:extLst>
+              <a:ext uri="{FF2B5EF4-FFF2-40B4-BE49-F238E27FC236}">
+                <a16:creationId xmlns:a16="http://schemas.microsoft.com/office/drawing/2014/main" id="{8EADC509-CE32-4FA6-93FF-B04038A63251}"/>
+              </a:ext>
+            </a:extLst>
+          </p:cNvPr>
+          <p:cNvSpPr txBox="1"/>
+          <p:nvPr/>
+        </p:nvSpPr>
+        <p:spPr>
+          <a:xfrm>
+            <a:off x="985659" y="6290002"/>
+            <a:ext cx="9982200" cy="470000"/>
+          </a:xfrm>
+          <a:prstGeom prst="rect">
+            <a:avLst/>
+          </a:prstGeom>
+          <a:noFill/>
+        </p:spPr>
+        <p:txBody>
+          <a:bodyPr wrap="square">
+            <a:spAutoFit/>
+          </a:bodyPr>
+          <a:lstStyle/>
+          <a:p>
+            <a:pPr marL="0" marR="0">
+              <a:lnSpc>
+                <a:spcPct val="107000"/>
+              </a:lnSpc>
+              <a:spcBef>
+                <a:spcPts val="0"/>
+              </a:spcBef>
+              <a:spcAft>
+                <a:spcPts val="0"/>
+              </a:spcAft>
+            </a:pPr>
+            <a:r>
+              <a:rPr lang="bg-BG" sz="2400" dirty="0">
+                <a:effectLst/>
+                <a:latin typeface="Calibri" panose="020F0502020204030204" pitchFamily="34" charset="0"/>
+                <a:ea typeface="Calibri" panose="020F0502020204030204" pitchFamily="34" charset="0"/>
+                <a:cs typeface="Times New Roman" panose="02020603050405020304" pitchFamily="18" charset="0"/>
+              </a:rPr>
+              <a:t>Тествайте в </a:t>
+            </a:r>
+            <a:r>
+              <a:rPr lang="en-US" sz="2400" dirty="0">
+                <a:effectLst/>
+                <a:latin typeface="Calibri" panose="020F0502020204030204" pitchFamily="34" charset="0"/>
+                <a:ea typeface="Calibri" panose="020F0502020204030204" pitchFamily="34" charset="0"/>
+                <a:cs typeface="Times New Roman" panose="02020603050405020304" pitchFamily="18" charset="0"/>
+              </a:rPr>
+              <a:t>Judge: </a:t>
+            </a:r>
+            <a:r>
+              <a:rPr lang="bg-BG" sz="2400" u="sng" dirty="0">
+                <a:solidFill>
+                  <a:srgbClr val="0563C1"/>
+                </a:solidFill>
+                <a:effectLst/>
+                <a:latin typeface="Calibri" panose="020F0502020204030204" pitchFamily="34" charset="0"/>
+                <a:ea typeface="Calibri" panose="020F0502020204030204" pitchFamily="34" charset="0"/>
+                <a:cs typeface="Times New Roman" panose="02020603050405020304" pitchFamily="18" charset="0"/>
+                <a:hlinkClick r:id="rId2"/>
+              </a:rPr>
+              <a:t>https://judge.softuni.bg/Contests/2634/Сложни-проверки</a:t>
+            </a:r>
+            <a:endParaRPr lang="en-US" sz="2400" dirty="0">
+              <a:effectLst/>
+              <a:latin typeface="Calibri" panose="020F0502020204030204" pitchFamily="34" charset="0"/>
+              <a:ea typeface="Calibri" panose="020F0502020204030204" pitchFamily="34" charset="0"/>
+              <a:cs typeface="Times New Roman" panose="02020603050405020304" pitchFamily="18" charset="0"/>
             </a:endParaRPr>
           </a:p>
         </p:txBody>
@@ -17295,6 +17769,85 @@
                   <a:tint val="75000"/>
                 </a:prstClr>
               </a:solidFill>
+            </a:endParaRPr>
+          </a:p>
+        </p:txBody>
+      </p:sp>
+      <p:sp>
+        <p:nvSpPr>
+          <p:cNvPr id="7" name="Текстово поле 6">
+            <a:extLst>
+              <a:ext uri="{FF2B5EF4-FFF2-40B4-BE49-F238E27FC236}">
+                <a16:creationId xmlns:a16="http://schemas.microsoft.com/office/drawing/2014/main" id="{199251D0-9B0B-46D4-9597-D66E0899545D}"/>
+              </a:ext>
+            </a:extLst>
+          </p:cNvPr>
+          <p:cNvSpPr txBox="1"/>
+          <p:nvPr/>
+        </p:nvSpPr>
+        <p:spPr>
+          <a:xfrm>
+            <a:off x="1100126" y="6083077"/>
+            <a:ext cx="9982200" cy="470000"/>
+          </a:xfrm>
+          <a:prstGeom prst="rect">
+            <a:avLst/>
+          </a:prstGeom>
+          <a:noFill/>
+        </p:spPr>
+        <p:txBody>
+          <a:bodyPr wrap="square">
+            <a:spAutoFit/>
+          </a:bodyPr>
+          <a:lstStyle/>
+          <a:p>
+            <a:pPr marL="0" marR="0">
+              <a:lnSpc>
+                <a:spcPct val="107000"/>
+              </a:lnSpc>
+              <a:spcBef>
+                <a:spcPts val="0"/>
+              </a:spcBef>
+              <a:spcAft>
+                <a:spcPts val="0"/>
+              </a:spcAft>
+            </a:pPr>
+            <a:r>
+              <a:rPr lang="bg-BG" sz="2400" dirty="0">
+                <a:effectLst/>
+                <a:latin typeface="Calibri" panose="020F0502020204030204" pitchFamily="34" charset="0"/>
+                <a:ea typeface="Calibri" panose="020F0502020204030204" pitchFamily="34" charset="0"/>
+                <a:cs typeface="Times New Roman" panose="02020603050405020304" pitchFamily="18" charset="0"/>
+              </a:rPr>
+              <a:t>Тествайте в </a:t>
+            </a:r>
+            <a:r>
+              <a:rPr lang="en-US" sz="2400" dirty="0">
+                <a:effectLst/>
+                <a:latin typeface="Calibri" panose="020F0502020204030204" pitchFamily="34" charset="0"/>
+                <a:ea typeface="Calibri" panose="020F0502020204030204" pitchFamily="34" charset="0"/>
+                <a:cs typeface="Times New Roman" panose="02020603050405020304" pitchFamily="18" charset="0"/>
+              </a:rPr>
+              <a:t>Judge: </a:t>
+            </a:r>
+            <a:r>
+              <a:rPr lang="bg-BG" sz="2400" u="sng" dirty="0">
+                <a:solidFill>
+                  <a:srgbClr val="0563C1"/>
+                </a:solidFill>
+                <a:effectLst/>
+                <a:latin typeface="Calibri" panose="020F0502020204030204" pitchFamily="34" charset="0"/>
+                <a:ea typeface="Calibri" panose="020F0502020204030204" pitchFamily="34" charset="0"/>
+                <a:cs typeface="Times New Roman" panose="02020603050405020304" pitchFamily="18" charset="0"/>
+                <a:hlinkClick r:id="rId2"/>
+              </a:rPr>
+              <a:t>https://judge.softuni.bg/Contests/2634/Сложни-проверки</a:t>
+            </a:r>
+            <a:endParaRPr lang="en-US" sz="2400" dirty="0">
+              <a:effectLst/>
+              <a:latin typeface="Calibri" panose="020F0502020204030204" pitchFamily="34" charset="0"/>
+              <a:ea typeface="Calibri" panose="020F0502020204030204" pitchFamily="34" charset="0"/>
+              <a:cs typeface="Times New Roman" panose="02020603050405020304" pitchFamily="18" charset="0"/>
             </a:endParaRPr>
           </a:p>
         </p:txBody>
@@ -19967,6 +20520,85 @@
           </a:p>
         </p:txBody>
       </p:sp>
+      <p:sp>
+        <p:nvSpPr>
+          <p:cNvPr id="2" name="Текстово поле 1">
+            <a:extLst>
+              <a:ext uri="{FF2B5EF4-FFF2-40B4-BE49-F238E27FC236}">
+                <a16:creationId xmlns:a16="http://schemas.microsoft.com/office/drawing/2014/main" id="{CF81685A-5977-44BF-A6F1-50E02162DC87}"/>
+              </a:ext>
+            </a:extLst>
+          </p:cNvPr>
+          <p:cNvSpPr txBox="1"/>
+          <p:nvPr/>
+        </p:nvSpPr>
+        <p:spPr>
+          <a:xfrm>
+            <a:off x="1100126" y="6087553"/>
+            <a:ext cx="9982200" cy="470000"/>
+          </a:xfrm>
+          <a:prstGeom prst="rect">
+            <a:avLst/>
+          </a:prstGeom>
+          <a:noFill/>
+        </p:spPr>
+        <p:txBody>
+          <a:bodyPr wrap="square">
+            <a:spAutoFit/>
+          </a:bodyPr>
+          <a:lstStyle/>
+          <a:p>
+            <a:pPr marL="0" marR="0">
+              <a:lnSpc>
+                <a:spcPct val="107000"/>
+              </a:lnSpc>
+              <a:spcBef>
+                <a:spcPts val="0"/>
+              </a:spcBef>
+              <a:spcAft>
+                <a:spcPts val="0"/>
+              </a:spcAft>
+            </a:pPr>
+            <a:r>
+              <a:rPr lang="bg-BG" sz="2400" dirty="0">
+                <a:effectLst/>
+                <a:latin typeface="Calibri" panose="020F0502020204030204" pitchFamily="34" charset="0"/>
+                <a:ea typeface="Calibri" panose="020F0502020204030204" pitchFamily="34" charset="0"/>
+                <a:cs typeface="Times New Roman" panose="02020603050405020304" pitchFamily="18" charset="0"/>
+              </a:rPr>
+              <a:t>Тествайте в </a:t>
+            </a:r>
+            <a:r>
+              <a:rPr lang="en-US" sz="2400" dirty="0">
+                <a:effectLst/>
+                <a:latin typeface="Calibri" panose="020F0502020204030204" pitchFamily="34" charset="0"/>
+                <a:ea typeface="Calibri" panose="020F0502020204030204" pitchFamily="34" charset="0"/>
+                <a:cs typeface="Times New Roman" panose="02020603050405020304" pitchFamily="18" charset="0"/>
+              </a:rPr>
+              <a:t>Judge: </a:t>
+            </a:r>
+            <a:r>
+              <a:rPr lang="bg-BG" sz="2400" u="sng" dirty="0">
+                <a:solidFill>
+                  <a:srgbClr val="0563C1"/>
+                </a:solidFill>
+                <a:effectLst/>
+                <a:latin typeface="Calibri" panose="020F0502020204030204" pitchFamily="34" charset="0"/>
+                <a:ea typeface="Calibri" panose="020F0502020204030204" pitchFamily="34" charset="0"/>
+                <a:cs typeface="Times New Roman" panose="02020603050405020304" pitchFamily="18" charset="0"/>
+                <a:hlinkClick r:id="rId2"/>
+              </a:rPr>
+              <a:t>https://judge.softuni.bg/Contests/2634/Сложни-проверки</a:t>
+            </a:r>
+            <a:endParaRPr lang="en-US" sz="2400" dirty="0">
+              <a:effectLst/>
+              <a:latin typeface="Calibri" panose="020F0502020204030204" pitchFamily="34" charset="0"/>
+              <a:ea typeface="Calibri" panose="020F0502020204030204" pitchFamily="34" charset="0"/>
+              <a:cs typeface="Times New Roman" panose="02020603050405020304" pitchFamily="18" charset="0"/>
+            </a:endParaRPr>
+          </a:p>
+        </p:txBody>
+      </p:sp>
     </p:spTree>
     <p:extLst>
       <p:ext uri="{BB962C8B-B14F-4D97-AF65-F5344CB8AC3E}">

--- a/Courses/Applied-Programmer/Programming-Basics/03-Условни-конструкции/07.Сложни-проверки.pptx
+++ b/Courses/Applied-Programmer/Programming-Basics/03-Условни-конструкции/07.Сложни-проверки.pptx
@@ -323,7 +323,7 @@
             <a:fld id="{FE5B4EDC-59C0-49C7-8ADA-5A781B329E02}" type="datetimeFigureOut">
               <a:rPr lang="en-US"/>
               <a:pPr/>
-              <a:t>09-Nov-20</a:t>
+              <a:t>10-Nov-20</a:t>
             </a:fld>
             <a:endParaRPr dirty="0"/>
           </a:p>
@@ -621,7 +621,7 @@
             <a:fld id="{F2D8D46A-B586-417D-BFBD-8C8FE0AAF762}" type="datetimeFigureOut">
               <a:rPr lang="en-US" smtClean="0"/>
               <a:pPr/>
-              <a:t>09-Nov-20</a:t>
+              <a:t>10-Nov-20</a:t>
             </a:fld>
             <a:endParaRPr lang="en-US" dirty="0"/>
           </a:p>
@@ -9757,7 +9757,7 @@
         </p:nvSpPr>
         <p:spPr bwMode="auto">
           <a:xfrm>
-            <a:off x="833427" y="2901489"/>
+            <a:off x="833427" y="3066836"/>
             <a:ext cx="10515598" cy="3410164"/>
           </a:xfrm>
           <a:prstGeom prst="rect">
@@ -10163,8 +10163,8 @@
         </p:blipFill>
         <p:spPr>
           <a:xfrm>
-            <a:off x="7618412" y="3291954"/>
-            <a:ext cx="3372137" cy="2629234"/>
+            <a:off x="7999412" y="3365747"/>
+            <a:ext cx="3067337" cy="2391583"/>
           </a:xfrm>
           <a:prstGeom prst="roundRect">
             <a:avLst>
@@ -10690,7 +10690,7 @@
         </p:blipFill>
         <p:spPr>
           <a:xfrm>
-            <a:off x="8685212" y="3745350"/>
+            <a:off x="8657219" y="3754681"/>
             <a:ext cx="2668353" cy="2080497"/>
           </a:xfrm>
           <a:prstGeom prst="roundRect">

--- a/Courses/Applied-Programmer/Programming-Basics/03-Условни-конструкции/07.Сложни-проверки.pptx
+++ b/Courses/Applied-Programmer/Programming-Basics/03-Условни-конструкции/07.Сложни-проверки.pptx
@@ -323,7 +323,7 @@
             <a:fld id="{FE5B4EDC-59C0-49C7-8ADA-5A781B329E02}" type="datetimeFigureOut">
               <a:rPr lang="en-US"/>
               <a:pPr/>
-              <a:t>10-Nov-20</a:t>
+              <a:t>11-Nov-20</a:t>
             </a:fld>
             <a:endParaRPr dirty="0"/>
           </a:p>
@@ -621,7 +621,7 @@
             <a:fld id="{F2D8D46A-B586-417D-BFBD-8C8FE0AAF762}" type="datetimeFigureOut">
               <a:rPr lang="en-US" smtClean="0"/>
               <a:pPr/>
-              <a:t>10-Nov-20</a:t>
+              <a:t>11-Nov-20</a:t>
             </a:fld>
             <a:endParaRPr lang="en-US" dirty="0"/>
           </a:p>
@@ -3762,7 +3762,7 @@
         </p:blipFill>
         <p:spPr bwMode="auto">
           <a:xfrm>
-            <a:off x="745783" y="4076772"/>
+            <a:off x="775267" y="4498650"/>
             <a:ext cx="2175525" cy="761165"/>
           </a:xfrm>
           <a:prstGeom prst="roundRect">
@@ -3801,7 +3801,7 @@
         </p:nvSpPr>
         <p:spPr bwMode="auto">
           <a:xfrm>
-            <a:off x="760413" y="4998598"/>
+            <a:off x="745783" y="5308600"/>
             <a:ext cx="3187614" cy="444343"/>
           </a:xfrm>
           <a:prstGeom prst="rect">
@@ -4036,7 +4036,7 @@
               <a:t>Учителски</a:t>
             </a:r>
             <a:r>
-              <a:rPr lang="bg-BG"/>
+              <a:rPr lang="bg-BG" dirty="0"/>
               <a:t> екип</a:t>
             </a:r>
           </a:p>
@@ -4058,7 +4058,7 @@
         </p:nvSpPr>
         <p:spPr bwMode="auto">
           <a:xfrm>
-            <a:off x="760412" y="5403725"/>
+            <a:off x="736797" y="5662070"/>
             <a:ext cx="3187613" cy="382788"/>
           </a:xfrm>
           <a:prstGeom prst="rect">
@@ -4292,7 +4292,7 @@
           </a:lstStyle>
           <a:p>
             <a:r>
-              <a:rPr lang="bg-BG"/>
+              <a:rPr lang="bg-BG" dirty="0"/>
               <a:t>Обучение за ИТ кариера</a:t>
             </a:r>
           </a:p>
@@ -4314,7 +4314,7 @@
         </p:nvSpPr>
         <p:spPr bwMode="auto">
           <a:xfrm>
-            <a:off x="760412" y="5690893"/>
+            <a:off x="745783" y="5955728"/>
             <a:ext cx="3810000" cy="458462"/>
           </a:xfrm>
           <a:prstGeom prst="rect">
@@ -4545,12 +4545,12 @@
           </a:lstStyle>
           <a:p>
             <a:r>
-              <a:rPr lang="en-GB">
+              <a:rPr lang="en-GB" dirty="0">
                 <a:hlinkClick r:id="rId6"/>
               </a:rPr>
               <a:t>https://it-kariera.mon.bg/e-learning/</a:t>
             </a:r>
-            <a:endParaRPr lang="en-GB"/>
+            <a:endParaRPr lang="en-GB" dirty="0"/>
           </a:p>
         </p:txBody>
       </p:sp>
@@ -4694,6 +4694,138 @@
           </a:prstGeom>
         </p:spPr>
       </p:pic>
+      <p:sp>
+        <p:nvSpPr>
+          <p:cNvPr id="11" name="Текстово поле 1">
+            <a:extLst>
+              <a:ext uri="{FF2B5EF4-FFF2-40B4-BE49-F238E27FC236}">
+                <a16:creationId xmlns:a16="http://schemas.microsoft.com/office/drawing/2014/main" id="{B398007E-9BC4-479A-87BF-1B270134F51F}"/>
+              </a:ext>
+            </a:extLst>
+          </p:cNvPr>
+          <p:cNvSpPr txBox="1"/>
+          <p:nvPr/>
+        </p:nvSpPr>
+        <p:spPr>
+          <a:xfrm>
+            <a:off x="684212" y="6361298"/>
+            <a:ext cx="11216029" cy="369332"/>
+          </a:xfrm>
+          <a:prstGeom prst="rect">
+            <a:avLst/>
+          </a:prstGeom>
+          <a:noFill/>
+        </p:spPr>
+        <p:txBody>
+          <a:bodyPr wrap="square" rtlCol="0">
+            <a:spAutoFit/>
+          </a:bodyPr>
+          <a:lstStyle>
+            <a:defPPr>
+              <a:defRPr lang="en-US"/>
+            </a:defPPr>
+            <a:lvl1pPr marL="0" algn="l" defTabSz="1218987" rtl="0" eaLnBrk="1" latinLnBrk="0" hangingPunct="1">
+              <a:defRPr sz="2400" kern="1200">
+                <a:solidFill>
+                  <a:schemeClr val="tx1"/>
+                </a:solidFill>
+                <a:latin typeface="+mn-lt"/>
+                <a:ea typeface="+mn-ea"/>
+                <a:cs typeface="+mn-cs"/>
+              </a:defRPr>
+            </a:lvl1pPr>
+            <a:lvl2pPr marL="609493" algn="l" defTabSz="1218987" rtl="0" eaLnBrk="1" latinLnBrk="0" hangingPunct="1">
+              <a:defRPr sz="2400" kern="1200">
+                <a:solidFill>
+                  <a:schemeClr val="tx1"/>
+                </a:solidFill>
+                <a:latin typeface="+mn-lt"/>
+                <a:ea typeface="+mn-ea"/>
+                <a:cs typeface="+mn-cs"/>
+              </a:defRPr>
+            </a:lvl2pPr>
+            <a:lvl3pPr marL="1218987" algn="l" defTabSz="1218987" rtl="0" eaLnBrk="1" latinLnBrk="0" hangingPunct="1">
+              <a:defRPr sz="2400" kern="1200">
+                <a:solidFill>
+                  <a:schemeClr val="tx1"/>
+                </a:solidFill>
+                <a:latin typeface="+mn-lt"/>
+                <a:ea typeface="+mn-ea"/>
+                <a:cs typeface="+mn-cs"/>
+              </a:defRPr>
+            </a:lvl3pPr>
+            <a:lvl4pPr marL="1828480" algn="l" defTabSz="1218987" rtl="0" eaLnBrk="1" latinLnBrk="0" hangingPunct="1">
+              <a:defRPr sz="2400" kern="1200">
+                <a:solidFill>
+                  <a:schemeClr val="tx1"/>
+                </a:solidFill>
+                <a:latin typeface="+mn-lt"/>
+                <a:ea typeface="+mn-ea"/>
+                <a:cs typeface="+mn-cs"/>
+              </a:defRPr>
+            </a:lvl4pPr>
+            <a:lvl5pPr marL="2437973" algn="l" defTabSz="1218987" rtl="0" eaLnBrk="1" latinLnBrk="0" hangingPunct="1">
+              <a:defRPr sz="2400" kern="1200">
+                <a:solidFill>
+                  <a:schemeClr val="tx1"/>
+                </a:solidFill>
+                <a:latin typeface="+mn-lt"/>
+                <a:ea typeface="+mn-ea"/>
+                <a:cs typeface="+mn-cs"/>
+              </a:defRPr>
+            </a:lvl5pPr>
+            <a:lvl6pPr marL="3047467" algn="l" defTabSz="1218987" rtl="0" eaLnBrk="1" latinLnBrk="0" hangingPunct="1">
+              <a:defRPr sz="2400" kern="1200">
+                <a:solidFill>
+                  <a:schemeClr val="tx1"/>
+                </a:solidFill>
+                <a:latin typeface="+mn-lt"/>
+                <a:ea typeface="+mn-ea"/>
+                <a:cs typeface="+mn-cs"/>
+              </a:defRPr>
+            </a:lvl6pPr>
+            <a:lvl7pPr marL="3656960" algn="l" defTabSz="1218987" rtl="0" eaLnBrk="1" latinLnBrk="0" hangingPunct="1">
+              <a:defRPr sz="2400" kern="1200">
+                <a:solidFill>
+                  <a:schemeClr val="tx1"/>
+                </a:solidFill>
+                <a:latin typeface="+mn-lt"/>
+                <a:ea typeface="+mn-ea"/>
+                <a:cs typeface="+mn-cs"/>
+              </a:defRPr>
+            </a:lvl7pPr>
+            <a:lvl8pPr marL="4266453" algn="l" defTabSz="1218987" rtl="0" eaLnBrk="1" latinLnBrk="0" hangingPunct="1">
+              <a:defRPr sz="2400" kern="1200">
+                <a:solidFill>
+                  <a:schemeClr val="tx1"/>
+                </a:solidFill>
+                <a:latin typeface="+mn-lt"/>
+                <a:ea typeface="+mn-ea"/>
+                <a:cs typeface="+mn-cs"/>
+              </a:defRPr>
+            </a:lvl8pPr>
+            <a:lvl9pPr marL="4875947" algn="l" defTabSz="1218987" rtl="0" eaLnBrk="1" latinLnBrk="0" hangingPunct="1">
+              <a:defRPr sz="2400" kern="1200">
+                <a:solidFill>
+                  <a:schemeClr val="tx1"/>
+                </a:solidFill>
+                <a:latin typeface="+mn-lt"/>
+                <a:ea typeface="+mn-ea"/>
+                <a:cs typeface="+mn-cs"/>
+              </a:defRPr>
+            </a:lvl9pPr>
+          </a:lstStyle>
+          <a:p>
+            <a:r>
+              <a:rPr lang="en-US" sz="1800" b="1" dirty="0">
+                <a:hlinkClick r:id="rId8"/>
+              </a:rPr>
+              <a:t>https://github.com/BG-IT-Edu/School-Programming/tree/main/Courses/Applied-Programmer/Programming-Basics</a:t>
+            </a:r>
+            <a:endParaRPr lang="bg-BG" sz="1800" b="1" dirty="0"/>
+          </a:p>
+        </p:txBody>
+      </p:sp>
     </p:spTree>
     <p:extLst>
       <p:ext uri="{BB962C8B-B14F-4D97-AF65-F5344CB8AC3E}">
@@ -5351,6 +5483,192 @@
   <p:clrMapOvr>
     <a:masterClrMapping/>
   </p:clrMapOvr>
+  <p:timing>
+    <p:tnLst>
+      <p:par>
+        <p:cTn id="1" dur="indefinite" restart="never" nodeType="tmRoot">
+          <p:childTnLst>
+            <p:seq concurrent="1" nextAc="seek">
+              <p:cTn id="2" dur="indefinite" nodeType="mainSeq">
+                <p:childTnLst>
+                  <p:par>
+                    <p:cTn id="3" fill="hold">
+                      <p:stCondLst>
+                        <p:cond delay="indefinite"/>
+                      </p:stCondLst>
+                      <p:childTnLst>
+                        <p:par>
+                          <p:cTn id="4" fill="hold">
+                            <p:stCondLst>
+                              <p:cond delay="0"/>
+                            </p:stCondLst>
+                            <p:childTnLst>
+                              <p:par>
+                                <p:cTn id="5" presetID="1" presetClass="entr" presetSubtype="0" fill="hold" nodeType="clickEffect">
+                                  <p:stCondLst>
+                                    <p:cond delay="0"/>
+                                  </p:stCondLst>
+                                  <p:childTnLst>
+                                    <p:set>
+                                      <p:cBhvr>
+                                        <p:cTn id="6" dur="1" fill="hold">
+                                          <p:stCondLst>
+                                            <p:cond delay="0"/>
+                                          </p:stCondLst>
+                                        </p:cTn>
+                                        <p:tgtEl>
+                                          <p:spTgt spid="3">
+                                            <p:txEl>
+                                              <p:pRg st="2" end="2"/>
+                                            </p:txEl>
+                                          </p:spTgt>
+                                        </p:tgtEl>
+                                        <p:attrNameLst>
+                                          <p:attrName>style.visibility</p:attrName>
+                                        </p:attrNameLst>
+                                      </p:cBhvr>
+                                      <p:to>
+                                        <p:strVal val="visible"/>
+                                      </p:to>
+                                    </p:set>
+                                  </p:childTnLst>
+                                </p:cTn>
+                              </p:par>
+                              <p:par>
+                                <p:cTn id="7" presetID="1" presetClass="entr" presetSubtype="0" fill="hold" nodeType="withEffect">
+                                  <p:stCondLst>
+                                    <p:cond delay="0"/>
+                                  </p:stCondLst>
+                                  <p:childTnLst>
+                                    <p:set>
+                                      <p:cBhvr>
+                                        <p:cTn id="8" dur="1" fill="hold">
+                                          <p:stCondLst>
+                                            <p:cond delay="0"/>
+                                          </p:stCondLst>
+                                        </p:cTn>
+                                        <p:tgtEl>
+                                          <p:spTgt spid="43"/>
+                                        </p:tgtEl>
+                                        <p:attrNameLst>
+                                          <p:attrName>style.visibility</p:attrName>
+                                        </p:attrNameLst>
+                                      </p:cBhvr>
+                                      <p:to>
+                                        <p:strVal val="visible"/>
+                                      </p:to>
+                                    </p:set>
+                                  </p:childTnLst>
+                                </p:cTn>
+                              </p:par>
+                            </p:childTnLst>
+                          </p:cTn>
+                        </p:par>
+                      </p:childTnLst>
+                    </p:cTn>
+                  </p:par>
+                  <p:par>
+                    <p:cTn id="9" fill="hold">
+                      <p:stCondLst>
+                        <p:cond delay="indefinite"/>
+                      </p:stCondLst>
+                      <p:childTnLst>
+                        <p:par>
+                          <p:cTn id="10" fill="hold">
+                            <p:stCondLst>
+                              <p:cond delay="0"/>
+                            </p:stCondLst>
+                            <p:childTnLst>
+                              <p:par>
+                                <p:cTn id="11" presetID="1" presetClass="entr" presetSubtype="0" fill="hold" nodeType="clickEffect">
+                                  <p:stCondLst>
+                                    <p:cond delay="0"/>
+                                  </p:stCondLst>
+                                  <p:childTnLst>
+                                    <p:set>
+                                      <p:cBhvr>
+                                        <p:cTn id="12" dur="1" fill="hold">
+                                          <p:stCondLst>
+                                            <p:cond delay="0"/>
+                                          </p:stCondLst>
+                                        </p:cTn>
+                                        <p:tgtEl>
+                                          <p:spTgt spid="3">
+                                            <p:txEl>
+                                              <p:pRg st="3" end="3"/>
+                                            </p:txEl>
+                                          </p:spTgt>
+                                        </p:tgtEl>
+                                        <p:attrNameLst>
+                                          <p:attrName>style.visibility</p:attrName>
+                                        </p:attrNameLst>
+                                      </p:cBhvr>
+                                      <p:to>
+                                        <p:strVal val="visible"/>
+                                      </p:to>
+                                    </p:set>
+                                  </p:childTnLst>
+                                </p:cTn>
+                              </p:par>
+                              <p:par>
+                                <p:cTn id="13" presetID="1" presetClass="entr" presetSubtype="0" fill="hold" nodeType="withEffect">
+                                  <p:stCondLst>
+                                    <p:cond delay="0"/>
+                                  </p:stCondLst>
+                                  <p:childTnLst>
+                                    <p:set>
+                                      <p:cBhvr>
+                                        <p:cTn id="14" dur="1" fill="hold">
+                                          <p:stCondLst>
+                                            <p:cond delay="0"/>
+                                          </p:stCondLst>
+                                        </p:cTn>
+                                        <p:tgtEl>
+                                          <p:spTgt spid="3">
+                                            <p:txEl>
+                                              <p:pRg st="4" end="4"/>
+                                            </p:txEl>
+                                          </p:spTgt>
+                                        </p:tgtEl>
+                                        <p:attrNameLst>
+                                          <p:attrName>style.visibility</p:attrName>
+                                        </p:attrNameLst>
+                                      </p:cBhvr>
+                                      <p:to>
+                                        <p:strVal val="visible"/>
+                                      </p:to>
+                                    </p:set>
+                                  </p:childTnLst>
+                                </p:cTn>
+                              </p:par>
+                            </p:childTnLst>
+                          </p:cTn>
+                        </p:par>
+                      </p:childTnLst>
+                    </p:cTn>
+                  </p:par>
+                </p:childTnLst>
+              </p:cTn>
+              <p:prevCondLst>
+                <p:cond evt="onPrev" delay="0">
+                  <p:tgtEl>
+                    <p:sldTgt/>
+                  </p:tgtEl>
+                </p:cond>
+              </p:prevCondLst>
+              <p:nextCondLst>
+                <p:cond evt="onNext" delay="0">
+                  <p:tgtEl>
+                    <p:sldTgt/>
+                  </p:tgtEl>
+                </p:cond>
+              </p:nextCondLst>
+            </p:seq>
+          </p:childTnLst>
+        </p:cTn>
+      </p:par>
+    </p:tnLst>
+  </p:timing>
 </p:sld>
 </file>
 
@@ -5418,7 +5736,18 @@
             </a:pPr>
             <a:r>
               <a:rPr lang="bg-BG" dirty="0"/>
-              <a:t>надясно от лявата му страна, наляво то дясната му страна, надолу от горната му страна и нагоре от долната му страна</a:t>
+              <a:t>надясно от лявата му страна, наляво то дясната му страна</a:t>
+            </a:r>
+          </a:p>
+          <a:p>
+            <a:pPr lvl="1">
+              <a:lnSpc>
+                <a:spcPct val="100000"/>
+              </a:lnSpc>
+            </a:pPr>
+            <a:r>
+              <a:rPr lang="bg-BG" dirty="0"/>
+              <a:t>надолу от горната му страна и нагоре от долната му страна</a:t>
             </a:r>
             <a:endParaRPr lang="en-US" dirty="0"/>
           </a:p>
@@ -6004,6 +6333,508 @@
   <p:clrMapOvr>
     <a:masterClrMapping/>
   </p:clrMapOvr>
+  <p:timing>
+    <p:tnLst>
+      <p:par>
+        <p:cTn id="1" dur="indefinite" restart="never" nodeType="tmRoot">
+          <p:childTnLst>
+            <p:seq concurrent="1" nextAc="seek">
+              <p:cTn id="2" dur="indefinite" nodeType="mainSeq">
+                <p:childTnLst>
+                  <p:par>
+                    <p:cTn id="3" fill="hold">
+                      <p:stCondLst>
+                        <p:cond delay="indefinite"/>
+                      </p:stCondLst>
+                      <p:childTnLst>
+                        <p:par>
+                          <p:cTn id="4" fill="hold">
+                            <p:stCondLst>
+                              <p:cond delay="0"/>
+                            </p:stCondLst>
+                            <p:childTnLst>
+                              <p:par>
+                                <p:cTn id="5" presetID="1" presetClass="entr" presetSubtype="0" fill="hold" nodeType="clickEffect">
+                                  <p:stCondLst>
+                                    <p:cond delay="0"/>
+                                  </p:stCondLst>
+                                  <p:childTnLst>
+                                    <p:set>
+                                      <p:cBhvr>
+                                        <p:cTn id="6" dur="1" fill="hold">
+                                          <p:stCondLst>
+                                            <p:cond delay="0"/>
+                                          </p:stCondLst>
+                                        </p:cTn>
+                                        <p:tgtEl>
+                                          <p:spTgt spid="3">
+                                            <p:txEl>
+                                              <p:pRg st="1" end="1"/>
+                                            </p:txEl>
+                                          </p:spTgt>
+                                        </p:tgtEl>
+                                        <p:attrNameLst>
+                                          <p:attrName>style.visibility</p:attrName>
+                                        </p:attrNameLst>
+                                      </p:cBhvr>
+                                      <p:to>
+                                        <p:strVal val="visible"/>
+                                      </p:to>
+                                    </p:set>
+                                  </p:childTnLst>
+                                </p:cTn>
+                              </p:par>
+                            </p:childTnLst>
+                          </p:cTn>
+                        </p:par>
+                      </p:childTnLst>
+                    </p:cTn>
+                  </p:par>
+                  <p:par>
+                    <p:cTn id="7" fill="hold">
+                      <p:stCondLst>
+                        <p:cond delay="indefinite"/>
+                      </p:stCondLst>
+                      <p:childTnLst>
+                        <p:par>
+                          <p:cTn id="8" fill="hold">
+                            <p:stCondLst>
+                              <p:cond delay="0"/>
+                            </p:stCondLst>
+                            <p:childTnLst>
+                              <p:par>
+                                <p:cTn id="9" presetID="1" presetClass="entr" presetSubtype="0" fill="hold" nodeType="clickEffect">
+                                  <p:stCondLst>
+                                    <p:cond delay="0"/>
+                                  </p:stCondLst>
+                                  <p:childTnLst>
+                                    <p:set>
+                                      <p:cBhvr>
+                                        <p:cTn id="10" dur="1" fill="hold">
+                                          <p:stCondLst>
+                                            <p:cond delay="0"/>
+                                          </p:stCondLst>
+                                        </p:cTn>
+                                        <p:tgtEl>
+                                          <p:spTgt spid="3">
+                                            <p:txEl>
+                                              <p:pRg st="2" end="2"/>
+                                            </p:txEl>
+                                          </p:spTgt>
+                                        </p:tgtEl>
+                                        <p:attrNameLst>
+                                          <p:attrName>style.visibility</p:attrName>
+                                        </p:attrNameLst>
+                                      </p:cBhvr>
+                                      <p:to>
+                                        <p:strVal val="visible"/>
+                                      </p:to>
+                                    </p:set>
+                                  </p:childTnLst>
+                                </p:cTn>
+                              </p:par>
+                            </p:childTnLst>
+                          </p:cTn>
+                        </p:par>
+                      </p:childTnLst>
+                    </p:cTn>
+                  </p:par>
+                  <p:par>
+                    <p:cTn id="11" fill="hold">
+                      <p:stCondLst>
+                        <p:cond delay="indefinite"/>
+                      </p:stCondLst>
+                      <p:childTnLst>
+                        <p:par>
+                          <p:cTn id="12" fill="hold">
+                            <p:stCondLst>
+                              <p:cond delay="0"/>
+                            </p:stCondLst>
+                            <p:childTnLst>
+                              <p:par>
+                                <p:cTn id="13" presetID="1" presetClass="entr" presetSubtype="0" fill="hold" grpId="0" nodeType="clickEffect">
+                                  <p:stCondLst>
+                                    <p:cond delay="0"/>
+                                  </p:stCondLst>
+                                  <p:childTnLst>
+                                    <p:set>
+                                      <p:cBhvr>
+                                        <p:cTn id="14" dur="1" fill="hold">
+                                          <p:stCondLst>
+                                            <p:cond delay="0"/>
+                                          </p:stCondLst>
+                                        </p:cTn>
+                                        <p:tgtEl>
+                                          <p:spTgt spid="5"/>
+                                        </p:tgtEl>
+                                        <p:attrNameLst>
+                                          <p:attrName>style.visibility</p:attrName>
+                                        </p:attrNameLst>
+                                      </p:cBhvr>
+                                      <p:to>
+                                        <p:strVal val="visible"/>
+                                      </p:to>
+                                    </p:set>
+                                  </p:childTnLst>
+                                </p:cTn>
+                              </p:par>
+                              <p:par>
+                                <p:cTn id="15" presetID="1" presetClass="entr" presetSubtype="0" fill="hold" nodeType="withEffect">
+                                  <p:stCondLst>
+                                    <p:cond delay="0"/>
+                                  </p:stCondLst>
+                                  <p:childTnLst>
+                                    <p:set>
+                                      <p:cBhvr>
+                                        <p:cTn id="16" dur="1" fill="hold">
+                                          <p:stCondLst>
+                                            <p:cond delay="0"/>
+                                          </p:stCondLst>
+                                        </p:cTn>
+                                        <p:tgtEl>
+                                          <p:spTgt spid="5">
+                                            <p:txEl>
+                                              <p:pRg st="0" end="0"/>
+                                            </p:txEl>
+                                          </p:spTgt>
+                                        </p:tgtEl>
+                                        <p:attrNameLst>
+                                          <p:attrName>style.visibility</p:attrName>
+                                        </p:attrNameLst>
+                                      </p:cBhvr>
+                                      <p:to>
+                                        <p:strVal val="visible"/>
+                                      </p:to>
+                                    </p:set>
+                                  </p:childTnLst>
+                                </p:cTn>
+                              </p:par>
+                              <p:par>
+                                <p:cTn id="17" presetID="1" presetClass="entr" presetSubtype="0" fill="hold" nodeType="withEffect">
+                                  <p:stCondLst>
+                                    <p:cond delay="0"/>
+                                  </p:stCondLst>
+                                  <p:childTnLst>
+                                    <p:set>
+                                      <p:cBhvr>
+                                        <p:cTn id="18" dur="1" fill="hold">
+                                          <p:stCondLst>
+                                            <p:cond delay="0"/>
+                                          </p:stCondLst>
+                                        </p:cTn>
+                                        <p:tgtEl>
+                                          <p:spTgt spid="5">
+                                            <p:txEl>
+                                              <p:pRg st="1" end="1"/>
+                                            </p:txEl>
+                                          </p:spTgt>
+                                        </p:tgtEl>
+                                        <p:attrNameLst>
+                                          <p:attrName>style.visibility</p:attrName>
+                                        </p:attrNameLst>
+                                      </p:cBhvr>
+                                      <p:to>
+                                        <p:strVal val="visible"/>
+                                      </p:to>
+                                    </p:set>
+                                  </p:childTnLst>
+                                </p:cTn>
+                              </p:par>
+                              <p:par>
+                                <p:cTn id="19" presetID="1" presetClass="entr" presetSubtype="0" fill="hold" nodeType="withEffect">
+                                  <p:stCondLst>
+                                    <p:cond delay="0"/>
+                                  </p:stCondLst>
+                                  <p:childTnLst>
+                                    <p:set>
+                                      <p:cBhvr>
+                                        <p:cTn id="20" dur="1" fill="hold">
+                                          <p:stCondLst>
+                                            <p:cond delay="0"/>
+                                          </p:stCondLst>
+                                        </p:cTn>
+                                        <p:tgtEl>
+                                          <p:spTgt spid="5">
+                                            <p:txEl>
+                                              <p:pRg st="2" end="2"/>
+                                            </p:txEl>
+                                          </p:spTgt>
+                                        </p:tgtEl>
+                                        <p:attrNameLst>
+                                          <p:attrName>style.visibility</p:attrName>
+                                        </p:attrNameLst>
+                                      </p:cBhvr>
+                                      <p:to>
+                                        <p:strVal val="visible"/>
+                                      </p:to>
+                                    </p:set>
+                                  </p:childTnLst>
+                                </p:cTn>
+                              </p:par>
+                              <p:par>
+                                <p:cTn id="21" presetID="1" presetClass="entr" presetSubtype="0" fill="hold" nodeType="withEffect">
+                                  <p:stCondLst>
+                                    <p:cond delay="0"/>
+                                  </p:stCondLst>
+                                  <p:childTnLst>
+                                    <p:set>
+                                      <p:cBhvr>
+                                        <p:cTn id="22" dur="1" fill="hold">
+                                          <p:stCondLst>
+                                            <p:cond delay="0"/>
+                                          </p:stCondLst>
+                                        </p:cTn>
+                                        <p:tgtEl>
+                                          <p:spTgt spid="8"/>
+                                        </p:tgtEl>
+                                        <p:attrNameLst>
+                                          <p:attrName>style.visibility</p:attrName>
+                                        </p:attrNameLst>
+                                      </p:cBhvr>
+                                      <p:to>
+                                        <p:strVal val="visible"/>
+                                      </p:to>
+                                    </p:set>
+                                  </p:childTnLst>
+                                </p:cTn>
+                              </p:par>
+                            </p:childTnLst>
+                          </p:cTn>
+                        </p:par>
+                      </p:childTnLst>
+                    </p:cTn>
+                  </p:par>
+                  <p:par>
+                    <p:cTn id="23" fill="hold">
+                      <p:stCondLst>
+                        <p:cond delay="indefinite"/>
+                      </p:stCondLst>
+                      <p:childTnLst>
+                        <p:par>
+                          <p:cTn id="24" fill="hold">
+                            <p:stCondLst>
+                              <p:cond delay="0"/>
+                            </p:stCondLst>
+                            <p:childTnLst>
+                              <p:par>
+                                <p:cTn id="25" presetID="1" presetClass="entr" presetSubtype="0" fill="hold" nodeType="clickEffect">
+                                  <p:stCondLst>
+                                    <p:cond delay="0"/>
+                                  </p:stCondLst>
+                                  <p:childTnLst>
+                                    <p:set>
+                                      <p:cBhvr>
+                                        <p:cTn id="26" dur="1" fill="hold">
+                                          <p:stCondLst>
+                                            <p:cond delay="0"/>
+                                          </p:stCondLst>
+                                        </p:cTn>
+                                        <p:tgtEl>
+                                          <p:spTgt spid="5">
+                                            <p:txEl>
+                                              <p:pRg st="3" end="3"/>
+                                            </p:txEl>
+                                          </p:spTgt>
+                                        </p:tgtEl>
+                                        <p:attrNameLst>
+                                          <p:attrName>style.visibility</p:attrName>
+                                        </p:attrNameLst>
+                                      </p:cBhvr>
+                                      <p:to>
+                                        <p:strVal val="visible"/>
+                                      </p:to>
+                                    </p:set>
+                                  </p:childTnLst>
+                                </p:cTn>
+                              </p:par>
+                              <p:par>
+                                <p:cTn id="27" presetID="1" presetClass="entr" presetSubtype="0" fill="hold" nodeType="withEffect">
+                                  <p:stCondLst>
+                                    <p:cond delay="0"/>
+                                  </p:stCondLst>
+                                  <p:childTnLst>
+                                    <p:set>
+                                      <p:cBhvr>
+                                        <p:cTn id="28" dur="1" fill="hold">
+                                          <p:stCondLst>
+                                            <p:cond delay="0"/>
+                                          </p:stCondLst>
+                                        </p:cTn>
+                                        <p:tgtEl>
+                                          <p:spTgt spid="5">
+                                            <p:txEl>
+                                              <p:pRg st="4" end="4"/>
+                                            </p:txEl>
+                                          </p:spTgt>
+                                        </p:tgtEl>
+                                        <p:attrNameLst>
+                                          <p:attrName>style.visibility</p:attrName>
+                                        </p:attrNameLst>
+                                      </p:cBhvr>
+                                      <p:to>
+                                        <p:strVal val="visible"/>
+                                      </p:to>
+                                    </p:set>
+                                  </p:childTnLst>
+                                </p:cTn>
+                              </p:par>
+                            </p:childTnLst>
+                          </p:cTn>
+                        </p:par>
+                      </p:childTnLst>
+                    </p:cTn>
+                  </p:par>
+                  <p:par>
+                    <p:cTn id="29" fill="hold">
+                      <p:stCondLst>
+                        <p:cond delay="indefinite"/>
+                      </p:stCondLst>
+                      <p:childTnLst>
+                        <p:par>
+                          <p:cTn id="30" fill="hold">
+                            <p:stCondLst>
+                              <p:cond delay="0"/>
+                            </p:stCondLst>
+                            <p:childTnLst>
+                              <p:par>
+                                <p:cTn id="31" presetID="1" presetClass="entr" presetSubtype="0" fill="hold" nodeType="clickEffect">
+                                  <p:stCondLst>
+                                    <p:cond delay="0"/>
+                                  </p:stCondLst>
+                                  <p:childTnLst>
+                                    <p:set>
+                                      <p:cBhvr>
+                                        <p:cTn id="32" dur="1" fill="hold">
+                                          <p:stCondLst>
+                                            <p:cond delay="0"/>
+                                          </p:stCondLst>
+                                        </p:cTn>
+                                        <p:tgtEl>
+                                          <p:spTgt spid="5">
+                                            <p:txEl>
+                                              <p:pRg st="5" end="5"/>
+                                            </p:txEl>
+                                          </p:spTgt>
+                                        </p:tgtEl>
+                                        <p:attrNameLst>
+                                          <p:attrName>style.visibility</p:attrName>
+                                        </p:attrNameLst>
+                                      </p:cBhvr>
+                                      <p:to>
+                                        <p:strVal val="visible"/>
+                                      </p:to>
+                                    </p:set>
+                                  </p:childTnLst>
+                                </p:cTn>
+                              </p:par>
+                              <p:par>
+                                <p:cTn id="33" presetID="1" presetClass="entr" presetSubtype="0" fill="hold" nodeType="withEffect">
+                                  <p:stCondLst>
+                                    <p:cond delay="0"/>
+                                  </p:stCondLst>
+                                  <p:childTnLst>
+                                    <p:set>
+                                      <p:cBhvr>
+                                        <p:cTn id="34" dur="1" fill="hold">
+                                          <p:stCondLst>
+                                            <p:cond delay="0"/>
+                                          </p:stCondLst>
+                                        </p:cTn>
+                                        <p:tgtEl>
+                                          <p:spTgt spid="5">
+                                            <p:txEl>
+                                              <p:pRg st="6" end="6"/>
+                                            </p:txEl>
+                                          </p:spTgt>
+                                        </p:tgtEl>
+                                        <p:attrNameLst>
+                                          <p:attrName>style.visibility</p:attrName>
+                                        </p:attrNameLst>
+                                      </p:cBhvr>
+                                      <p:to>
+                                        <p:strVal val="visible"/>
+                                      </p:to>
+                                    </p:set>
+                                  </p:childTnLst>
+                                </p:cTn>
+                              </p:par>
+                            </p:childTnLst>
+                          </p:cTn>
+                        </p:par>
+                      </p:childTnLst>
+                    </p:cTn>
+                  </p:par>
+                  <p:par>
+                    <p:cTn id="35" fill="hold">
+                      <p:stCondLst>
+                        <p:cond delay="indefinite"/>
+                      </p:stCondLst>
+                      <p:childTnLst>
+                        <p:par>
+                          <p:cTn id="36" fill="hold">
+                            <p:stCondLst>
+                              <p:cond delay="0"/>
+                            </p:stCondLst>
+                            <p:childTnLst>
+                              <p:par>
+                                <p:cTn id="37" presetID="1" presetClass="entr" presetSubtype="0" fill="hold" grpId="0" nodeType="clickEffect">
+                                  <p:stCondLst>
+                                    <p:cond delay="0"/>
+                                  </p:stCondLst>
+                                  <p:childTnLst>
+                                    <p:set>
+                                      <p:cBhvr>
+                                        <p:cTn id="38" dur="1" fill="hold">
+                                          <p:stCondLst>
+                                            <p:cond delay="0"/>
+                                          </p:stCondLst>
+                                        </p:cTn>
+                                        <p:tgtEl>
+                                          <p:spTgt spid="2"/>
+                                        </p:tgtEl>
+                                        <p:attrNameLst>
+                                          <p:attrName>style.visibility</p:attrName>
+                                        </p:attrNameLst>
+                                      </p:cBhvr>
+                                      <p:to>
+                                        <p:strVal val="visible"/>
+                                      </p:to>
+                                    </p:set>
+                                  </p:childTnLst>
+                                </p:cTn>
+                              </p:par>
+                            </p:childTnLst>
+                          </p:cTn>
+                        </p:par>
+                      </p:childTnLst>
+                    </p:cTn>
+                  </p:par>
+                </p:childTnLst>
+              </p:cTn>
+              <p:prevCondLst>
+                <p:cond evt="onPrev" delay="0">
+                  <p:tgtEl>
+                    <p:sldTgt/>
+                  </p:tgtEl>
+                </p:cond>
+              </p:prevCondLst>
+              <p:nextCondLst>
+                <p:cond evt="onNext" delay="0">
+                  <p:tgtEl>
+                    <p:sldTgt/>
+                  </p:tgtEl>
+                </p:cond>
+              </p:nextCondLst>
+            </p:seq>
+          </p:childTnLst>
+        </p:cTn>
+      </p:par>
+    </p:tnLst>
+    <p:bldLst>
+      <p:bldP spid="5" grpId="0" animBg="1"/>
+      <p:bldP spid="2" grpId="0"/>
+    </p:bldLst>
+  </p:timing>
 </p:sld>
 </file>
 
@@ -7019,6 +7850,402 @@
   <p:clrMapOvr>
     <a:masterClrMapping/>
   </p:clrMapOvr>
+  <p:timing>
+    <p:tnLst>
+      <p:par>
+        <p:cTn id="1" dur="indefinite" restart="never" nodeType="tmRoot">
+          <p:childTnLst>
+            <p:seq concurrent="1" nextAc="seek">
+              <p:cTn id="2" dur="indefinite" nodeType="mainSeq">
+                <p:childTnLst>
+                  <p:par>
+                    <p:cTn id="3" fill="hold">
+                      <p:stCondLst>
+                        <p:cond delay="indefinite"/>
+                      </p:stCondLst>
+                      <p:childTnLst>
+                        <p:par>
+                          <p:cTn id="4" fill="hold">
+                            <p:stCondLst>
+                              <p:cond delay="0"/>
+                            </p:stCondLst>
+                            <p:childTnLst>
+                              <p:par>
+                                <p:cTn id="5" presetID="1" presetClass="entr" presetSubtype="0" fill="hold" nodeType="clickEffect">
+                                  <p:stCondLst>
+                                    <p:cond delay="0"/>
+                                  </p:stCondLst>
+                                  <p:childTnLst>
+                                    <p:set>
+                                      <p:cBhvr>
+                                        <p:cTn id="6" dur="1" fill="hold">
+                                          <p:stCondLst>
+                                            <p:cond delay="0"/>
+                                          </p:stCondLst>
+                                        </p:cTn>
+                                        <p:tgtEl>
+                                          <p:spTgt spid="3">
+                                            <p:txEl>
+                                              <p:pRg st="3" end="3"/>
+                                            </p:txEl>
+                                          </p:spTgt>
+                                        </p:tgtEl>
+                                        <p:attrNameLst>
+                                          <p:attrName>style.visibility</p:attrName>
+                                        </p:attrNameLst>
+                                      </p:cBhvr>
+                                      <p:to>
+                                        <p:strVal val="visible"/>
+                                      </p:to>
+                                    </p:set>
+                                  </p:childTnLst>
+                                </p:cTn>
+                              </p:par>
+                            </p:childTnLst>
+                          </p:cTn>
+                        </p:par>
+                      </p:childTnLst>
+                    </p:cTn>
+                  </p:par>
+                  <p:par>
+                    <p:cTn id="7" fill="hold">
+                      <p:stCondLst>
+                        <p:cond delay="indefinite"/>
+                      </p:stCondLst>
+                      <p:childTnLst>
+                        <p:par>
+                          <p:cTn id="8" fill="hold">
+                            <p:stCondLst>
+                              <p:cond delay="0"/>
+                            </p:stCondLst>
+                            <p:childTnLst>
+                              <p:par>
+                                <p:cTn id="9" presetID="1" presetClass="entr" presetSubtype="0" fill="hold" nodeType="clickEffect">
+                                  <p:stCondLst>
+                                    <p:cond delay="0"/>
+                                  </p:stCondLst>
+                                  <p:childTnLst>
+                                    <p:set>
+                                      <p:cBhvr>
+                                        <p:cTn id="10" dur="1" fill="hold">
+                                          <p:stCondLst>
+                                            <p:cond delay="0"/>
+                                          </p:stCondLst>
+                                        </p:cTn>
+                                        <p:tgtEl>
+                                          <p:spTgt spid="3">
+                                            <p:txEl>
+                                              <p:pRg st="4" end="4"/>
+                                            </p:txEl>
+                                          </p:spTgt>
+                                        </p:tgtEl>
+                                        <p:attrNameLst>
+                                          <p:attrName>style.visibility</p:attrName>
+                                        </p:attrNameLst>
+                                      </p:cBhvr>
+                                      <p:to>
+                                        <p:strVal val="visible"/>
+                                      </p:to>
+                                    </p:set>
+                                  </p:childTnLst>
+                                </p:cTn>
+                              </p:par>
+                              <p:par>
+                                <p:cTn id="11" presetID="1" presetClass="entr" presetSubtype="0" fill="hold" grpId="0" nodeType="withEffect">
+                                  <p:stCondLst>
+                                    <p:cond delay="0"/>
+                                  </p:stCondLst>
+                                  <p:childTnLst>
+                                    <p:set>
+                                      <p:cBhvr>
+                                        <p:cTn id="12" dur="1" fill="hold">
+                                          <p:stCondLst>
+                                            <p:cond delay="0"/>
+                                          </p:stCondLst>
+                                        </p:cTn>
+                                        <p:tgtEl>
+                                          <p:spTgt spid="7"/>
+                                        </p:tgtEl>
+                                        <p:attrNameLst>
+                                          <p:attrName>style.visibility</p:attrName>
+                                        </p:attrNameLst>
+                                      </p:cBhvr>
+                                      <p:to>
+                                        <p:strVal val="visible"/>
+                                      </p:to>
+                                    </p:set>
+                                  </p:childTnLst>
+                                </p:cTn>
+                              </p:par>
+                              <p:par>
+                                <p:cTn id="13" presetID="1" presetClass="entr" presetSubtype="0" fill="hold" grpId="0" nodeType="withEffect">
+                                  <p:stCondLst>
+                                    <p:cond delay="0"/>
+                                  </p:stCondLst>
+                                  <p:childTnLst>
+                                    <p:set>
+                                      <p:cBhvr>
+                                        <p:cTn id="14" dur="1" fill="hold">
+                                          <p:stCondLst>
+                                            <p:cond delay="0"/>
+                                          </p:stCondLst>
+                                        </p:cTn>
+                                        <p:tgtEl>
+                                          <p:spTgt spid="5"/>
+                                        </p:tgtEl>
+                                        <p:attrNameLst>
+                                          <p:attrName>style.visibility</p:attrName>
+                                        </p:attrNameLst>
+                                      </p:cBhvr>
+                                      <p:to>
+                                        <p:strVal val="visible"/>
+                                      </p:to>
+                                    </p:set>
+                                  </p:childTnLst>
+                                </p:cTn>
+                              </p:par>
+                              <p:par>
+                                <p:cTn id="15" presetID="1" presetClass="entr" presetSubtype="0" fill="hold" grpId="0" nodeType="withEffect">
+                                  <p:stCondLst>
+                                    <p:cond delay="0"/>
+                                  </p:stCondLst>
+                                  <p:childTnLst>
+                                    <p:set>
+                                      <p:cBhvr>
+                                        <p:cTn id="16" dur="1" fill="hold">
+                                          <p:stCondLst>
+                                            <p:cond delay="0"/>
+                                          </p:stCondLst>
+                                        </p:cTn>
+                                        <p:tgtEl>
+                                          <p:spTgt spid="8"/>
+                                        </p:tgtEl>
+                                        <p:attrNameLst>
+                                          <p:attrName>style.visibility</p:attrName>
+                                        </p:attrNameLst>
+                                      </p:cBhvr>
+                                      <p:to>
+                                        <p:strVal val="visible"/>
+                                      </p:to>
+                                    </p:set>
+                                  </p:childTnLst>
+                                </p:cTn>
+                              </p:par>
+                            </p:childTnLst>
+                          </p:cTn>
+                        </p:par>
+                      </p:childTnLst>
+                    </p:cTn>
+                  </p:par>
+                  <p:par>
+                    <p:cTn id="17" fill="hold">
+                      <p:stCondLst>
+                        <p:cond delay="indefinite"/>
+                      </p:stCondLst>
+                      <p:childTnLst>
+                        <p:par>
+                          <p:cTn id="18" fill="hold">
+                            <p:stCondLst>
+                              <p:cond delay="0"/>
+                            </p:stCondLst>
+                            <p:childTnLst>
+                              <p:par>
+                                <p:cTn id="19" presetID="1" presetClass="entr" presetSubtype="0" fill="hold" nodeType="clickEffect">
+                                  <p:stCondLst>
+                                    <p:cond delay="0"/>
+                                  </p:stCondLst>
+                                  <p:childTnLst>
+                                    <p:set>
+                                      <p:cBhvr>
+                                        <p:cTn id="20" dur="1" fill="hold">
+                                          <p:stCondLst>
+                                            <p:cond delay="0"/>
+                                          </p:stCondLst>
+                                        </p:cTn>
+                                        <p:tgtEl>
+                                          <p:spTgt spid="3">
+                                            <p:txEl>
+                                              <p:pRg st="5" end="5"/>
+                                            </p:txEl>
+                                          </p:spTgt>
+                                        </p:tgtEl>
+                                        <p:attrNameLst>
+                                          <p:attrName>style.visibility</p:attrName>
+                                        </p:attrNameLst>
+                                      </p:cBhvr>
+                                      <p:to>
+                                        <p:strVal val="visible"/>
+                                      </p:to>
+                                    </p:set>
+                                  </p:childTnLst>
+                                </p:cTn>
+                              </p:par>
+                            </p:childTnLst>
+                          </p:cTn>
+                        </p:par>
+                      </p:childTnLst>
+                    </p:cTn>
+                  </p:par>
+                  <p:par>
+                    <p:cTn id="21" fill="hold">
+                      <p:stCondLst>
+                        <p:cond delay="indefinite"/>
+                      </p:stCondLst>
+                      <p:childTnLst>
+                        <p:par>
+                          <p:cTn id="22" fill="hold">
+                            <p:stCondLst>
+                              <p:cond delay="0"/>
+                            </p:stCondLst>
+                            <p:childTnLst>
+                              <p:par>
+                                <p:cTn id="23" presetID="1" presetClass="entr" presetSubtype="0" fill="hold" nodeType="clickEffect">
+                                  <p:stCondLst>
+                                    <p:cond delay="0"/>
+                                  </p:stCondLst>
+                                  <p:childTnLst>
+                                    <p:set>
+                                      <p:cBhvr>
+                                        <p:cTn id="24" dur="1" fill="hold">
+                                          <p:stCondLst>
+                                            <p:cond delay="0"/>
+                                          </p:stCondLst>
+                                        </p:cTn>
+                                        <p:tgtEl>
+                                          <p:spTgt spid="3">
+                                            <p:txEl>
+                                              <p:pRg st="6" end="6"/>
+                                            </p:txEl>
+                                          </p:spTgt>
+                                        </p:tgtEl>
+                                        <p:attrNameLst>
+                                          <p:attrName>style.visibility</p:attrName>
+                                        </p:attrNameLst>
+                                      </p:cBhvr>
+                                      <p:to>
+                                        <p:strVal val="visible"/>
+                                      </p:to>
+                                    </p:set>
+                                  </p:childTnLst>
+                                </p:cTn>
+                              </p:par>
+                              <p:par>
+                                <p:cTn id="25" presetID="1" presetClass="entr" presetSubtype="0" fill="hold" grpId="0" nodeType="withEffect">
+                                  <p:stCondLst>
+                                    <p:cond delay="0"/>
+                                  </p:stCondLst>
+                                  <p:childTnLst>
+                                    <p:set>
+                                      <p:cBhvr>
+                                        <p:cTn id="26" dur="1" fill="hold">
+                                          <p:stCondLst>
+                                            <p:cond delay="0"/>
+                                          </p:stCondLst>
+                                        </p:cTn>
+                                        <p:tgtEl>
+                                          <p:spTgt spid="12"/>
+                                        </p:tgtEl>
+                                        <p:attrNameLst>
+                                          <p:attrName>style.visibility</p:attrName>
+                                        </p:attrNameLst>
+                                      </p:cBhvr>
+                                      <p:to>
+                                        <p:strVal val="visible"/>
+                                      </p:to>
+                                    </p:set>
+                                  </p:childTnLst>
+                                </p:cTn>
+                              </p:par>
+                              <p:par>
+                                <p:cTn id="27" presetID="1" presetClass="entr" presetSubtype="0" fill="hold" grpId="0" nodeType="withEffect">
+                                  <p:stCondLst>
+                                    <p:cond delay="0"/>
+                                  </p:stCondLst>
+                                  <p:childTnLst>
+                                    <p:set>
+                                      <p:cBhvr>
+                                        <p:cTn id="28" dur="1" fill="hold">
+                                          <p:stCondLst>
+                                            <p:cond delay="0"/>
+                                          </p:stCondLst>
+                                        </p:cTn>
+                                        <p:tgtEl>
+                                          <p:spTgt spid="14"/>
+                                        </p:tgtEl>
+                                        <p:attrNameLst>
+                                          <p:attrName>style.visibility</p:attrName>
+                                        </p:attrNameLst>
+                                      </p:cBhvr>
+                                      <p:to>
+                                        <p:strVal val="visible"/>
+                                      </p:to>
+                                    </p:set>
+                                  </p:childTnLst>
+                                </p:cTn>
+                              </p:par>
+                              <p:par>
+                                <p:cTn id="29" presetID="1" presetClass="entr" presetSubtype="0" fill="hold" grpId="0" nodeType="withEffect">
+                                  <p:stCondLst>
+                                    <p:cond delay="0"/>
+                                  </p:stCondLst>
+                                  <p:childTnLst>
+                                    <p:set>
+                                      <p:cBhvr>
+                                        <p:cTn id="30" dur="1" fill="hold">
+                                          <p:stCondLst>
+                                            <p:cond delay="0"/>
+                                          </p:stCondLst>
+                                        </p:cTn>
+                                        <p:tgtEl>
+                                          <p:spTgt spid="13"/>
+                                        </p:tgtEl>
+                                        <p:attrNameLst>
+                                          <p:attrName>style.visibility</p:attrName>
+                                        </p:attrNameLst>
+                                      </p:cBhvr>
+                                      <p:to>
+                                        <p:strVal val="visible"/>
+                                      </p:to>
+                                    </p:set>
+                                  </p:childTnLst>
+                                </p:cTn>
+                              </p:par>
+                            </p:childTnLst>
+                          </p:cTn>
+                        </p:par>
+                      </p:childTnLst>
+                    </p:cTn>
+                  </p:par>
+                </p:childTnLst>
+              </p:cTn>
+              <p:prevCondLst>
+                <p:cond evt="onPrev" delay="0">
+                  <p:tgtEl>
+                    <p:sldTgt/>
+                  </p:tgtEl>
+                </p:cond>
+              </p:prevCondLst>
+              <p:nextCondLst>
+                <p:cond evt="onNext" delay="0">
+                  <p:tgtEl>
+                    <p:sldTgt/>
+                  </p:tgtEl>
+                </p:cond>
+              </p:nextCondLst>
+            </p:seq>
+          </p:childTnLst>
+        </p:cTn>
+      </p:par>
+    </p:tnLst>
+    <p:bldLst>
+      <p:bldP spid="7" grpId="0" animBg="1"/>
+      <p:bldP spid="8" grpId="0" animBg="1"/>
+      <p:bldP spid="5" grpId="0" animBg="1"/>
+      <p:bldP spid="12" grpId="0" animBg="1"/>
+      <p:bldP spid="13" grpId="0" animBg="1"/>
+      <p:bldP spid="14" grpId="0" animBg="1"/>
+    </p:bldLst>
+  </p:timing>
 </p:sld>
 </file>
 
@@ -7863,6 +9090,466 @@
   <p:clrMapOvr>
     <a:masterClrMapping/>
   </p:clrMapOvr>
+  <p:timing>
+    <p:tnLst>
+      <p:par>
+        <p:cTn id="1" dur="indefinite" restart="never" nodeType="tmRoot">
+          <p:childTnLst>
+            <p:seq concurrent="1" nextAc="seek">
+              <p:cTn id="2" dur="indefinite" nodeType="mainSeq">
+                <p:childTnLst>
+                  <p:par>
+                    <p:cTn id="3" fill="hold">
+                      <p:stCondLst>
+                        <p:cond delay="indefinite"/>
+                        <p:cond evt="onBegin" delay="0">
+                          <p:tn val="2"/>
+                        </p:cond>
+                      </p:stCondLst>
+                      <p:childTnLst>
+                        <p:par>
+                          <p:cTn id="4" fill="hold">
+                            <p:stCondLst>
+                              <p:cond delay="0"/>
+                            </p:stCondLst>
+                            <p:childTnLst>
+                              <p:par>
+                                <p:cTn id="5" presetID="1" presetClass="entr" presetSubtype="0" fill="hold" grpId="0" nodeType="withEffect">
+                                  <p:stCondLst>
+                                    <p:cond delay="0"/>
+                                  </p:stCondLst>
+                                  <p:childTnLst>
+                                    <p:set>
+                                      <p:cBhvr>
+                                        <p:cTn id="6" dur="1" fill="hold">
+                                          <p:stCondLst>
+                                            <p:cond delay="0"/>
+                                          </p:stCondLst>
+                                        </p:cTn>
+                                        <p:tgtEl>
+                                          <p:spTgt spid="5"/>
+                                        </p:tgtEl>
+                                        <p:attrNameLst>
+                                          <p:attrName>style.visibility</p:attrName>
+                                        </p:attrNameLst>
+                                      </p:cBhvr>
+                                      <p:to>
+                                        <p:strVal val="visible"/>
+                                      </p:to>
+                                    </p:set>
+                                  </p:childTnLst>
+                                </p:cTn>
+                              </p:par>
+                              <p:par>
+                                <p:cTn id="7" presetID="1" presetClass="entr" presetSubtype="0" fill="hold" nodeType="withEffect">
+                                  <p:stCondLst>
+                                    <p:cond delay="0"/>
+                                  </p:stCondLst>
+                                  <p:childTnLst>
+                                    <p:set>
+                                      <p:cBhvr>
+                                        <p:cTn id="8" dur="1" fill="hold">
+                                          <p:stCondLst>
+                                            <p:cond delay="0"/>
+                                          </p:stCondLst>
+                                        </p:cTn>
+                                        <p:tgtEl>
+                                          <p:spTgt spid="5">
+                                            <p:txEl>
+                                              <p:pRg st="0" end="0"/>
+                                            </p:txEl>
+                                          </p:spTgt>
+                                        </p:tgtEl>
+                                        <p:attrNameLst>
+                                          <p:attrName>style.visibility</p:attrName>
+                                        </p:attrNameLst>
+                                      </p:cBhvr>
+                                      <p:to>
+                                        <p:strVal val="visible"/>
+                                      </p:to>
+                                    </p:set>
+                                  </p:childTnLst>
+                                </p:cTn>
+                              </p:par>
+                            </p:childTnLst>
+                          </p:cTn>
+                        </p:par>
+                      </p:childTnLst>
+                    </p:cTn>
+                  </p:par>
+                  <p:par>
+                    <p:cTn id="9" fill="hold">
+                      <p:stCondLst>
+                        <p:cond delay="indefinite"/>
+                      </p:stCondLst>
+                      <p:childTnLst>
+                        <p:par>
+                          <p:cTn id="10" fill="hold">
+                            <p:stCondLst>
+                              <p:cond delay="0"/>
+                            </p:stCondLst>
+                            <p:childTnLst>
+                              <p:par>
+                                <p:cTn id="11" presetID="1" presetClass="entr" presetSubtype="0" fill="hold" nodeType="clickEffect">
+                                  <p:stCondLst>
+                                    <p:cond delay="0"/>
+                                  </p:stCondLst>
+                                  <p:childTnLst>
+                                    <p:set>
+                                      <p:cBhvr>
+                                        <p:cTn id="12" dur="1" fill="hold">
+                                          <p:stCondLst>
+                                            <p:cond delay="0"/>
+                                          </p:stCondLst>
+                                        </p:cTn>
+                                        <p:tgtEl>
+                                          <p:spTgt spid="5">
+                                            <p:txEl>
+                                              <p:pRg st="1" end="1"/>
+                                            </p:txEl>
+                                          </p:spTgt>
+                                        </p:tgtEl>
+                                        <p:attrNameLst>
+                                          <p:attrName>style.visibility</p:attrName>
+                                        </p:attrNameLst>
+                                      </p:cBhvr>
+                                      <p:to>
+                                        <p:strVal val="visible"/>
+                                      </p:to>
+                                    </p:set>
+                                  </p:childTnLst>
+                                </p:cTn>
+                              </p:par>
+                              <p:par>
+                                <p:cTn id="13" presetID="1" presetClass="entr" presetSubtype="0" fill="hold" nodeType="withEffect">
+                                  <p:stCondLst>
+                                    <p:cond delay="0"/>
+                                  </p:stCondLst>
+                                  <p:childTnLst>
+                                    <p:set>
+                                      <p:cBhvr>
+                                        <p:cTn id="14" dur="1" fill="hold">
+                                          <p:stCondLst>
+                                            <p:cond delay="0"/>
+                                          </p:stCondLst>
+                                        </p:cTn>
+                                        <p:tgtEl>
+                                          <p:spTgt spid="5">
+                                            <p:txEl>
+                                              <p:pRg st="2" end="2"/>
+                                            </p:txEl>
+                                          </p:spTgt>
+                                        </p:tgtEl>
+                                        <p:attrNameLst>
+                                          <p:attrName>style.visibility</p:attrName>
+                                        </p:attrNameLst>
+                                      </p:cBhvr>
+                                      <p:to>
+                                        <p:strVal val="visible"/>
+                                      </p:to>
+                                    </p:set>
+                                  </p:childTnLst>
+                                </p:cTn>
+                              </p:par>
+                              <p:par>
+                                <p:cTn id="15" presetID="1" presetClass="entr" presetSubtype="0" fill="hold" nodeType="withEffect">
+                                  <p:stCondLst>
+                                    <p:cond delay="0"/>
+                                  </p:stCondLst>
+                                  <p:childTnLst>
+                                    <p:set>
+                                      <p:cBhvr>
+                                        <p:cTn id="16" dur="1" fill="hold">
+                                          <p:stCondLst>
+                                            <p:cond delay="0"/>
+                                          </p:stCondLst>
+                                        </p:cTn>
+                                        <p:tgtEl>
+                                          <p:spTgt spid="5">
+                                            <p:txEl>
+                                              <p:pRg st="3" end="3"/>
+                                            </p:txEl>
+                                          </p:spTgt>
+                                        </p:tgtEl>
+                                        <p:attrNameLst>
+                                          <p:attrName>style.visibility</p:attrName>
+                                        </p:attrNameLst>
+                                      </p:cBhvr>
+                                      <p:to>
+                                        <p:strVal val="visible"/>
+                                      </p:to>
+                                    </p:set>
+                                  </p:childTnLst>
+                                </p:cTn>
+                              </p:par>
+                            </p:childTnLst>
+                          </p:cTn>
+                        </p:par>
+                      </p:childTnLst>
+                    </p:cTn>
+                  </p:par>
+                  <p:par>
+                    <p:cTn id="17" fill="hold">
+                      <p:stCondLst>
+                        <p:cond delay="indefinite"/>
+                      </p:stCondLst>
+                      <p:childTnLst>
+                        <p:par>
+                          <p:cTn id="18" fill="hold">
+                            <p:stCondLst>
+                              <p:cond delay="0"/>
+                            </p:stCondLst>
+                            <p:childTnLst>
+                              <p:par>
+                                <p:cTn id="19" presetID="1" presetClass="entr" presetSubtype="0" fill="hold" nodeType="clickEffect">
+                                  <p:stCondLst>
+                                    <p:cond delay="0"/>
+                                  </p:stCondLst>
+                                  <p:childTnLst>
+                                    <p:set>
+                                      <p:cBhvr>
+                                        <p:cTn id="20" dur="1" fill="hold">
+                                          <p:stCondLst>
+                                            <p:cond delay="0"/>
+                                          </p:stCondLst>
+                                        </p:cTn>
+                                        <p:tgtEl>
+                                          <p:spTgt spid="5">
+                                            <p:txEl>
+                                              <p:pRg st="4" end="4"/>
+                                            </p:txEl>
+                                          </p:spTgt>
+                                        </p:tgtEl>
+                                        <p:attrNameLst>
+                                          <p:attrName>style.visibility</p:attrName>
+                                        </p:attrNameLst>
+                                      </p:cBhvr>
+                                      <p:to>
+                                        <p:strVal val="visible"/>
+                                      </p:to>
+                                    </p:set>
+                                  </p:childTnLst>
+                                </p:cTn>
+                              </p:par>
+                              <p:par>
+                                <p:cTn id="21" presetID="1" presetClass="entr" presetSubtype="0" fill="hold" nodeType="withEffect">
+                                  <p:stCondLst>
+                                    <p:cond delay="0"/>
+                                  </p:stCondLst>
+                                  <p:childTnLst>
+                                    <p:set>
+                                      <p:cBhvr>
+                                        <p:cTn id="22" dur="1" fill="hold">
+                                          <p:stCondLst>
+                                            <p:cond delay="0"/>
+                                          </p:stCondLst>
+                                        </p:cTn>
+                                        <p:tgtEl>
+                                          <p:spTgt spid="5">
+                                            <p:txEl>
+                                              <p:pRg st="5" end="5"/>
+                                            </p:txEl>
+                                          </p:spTgt>
+                                        </p:tgtEl>
+                                        <p:attrNameLst>
+                                          <p:attrName>style.visibility</p:attrName>
+                                        </p:attrNameLst>
+                                      </p:cBhvr>
+                                      <p:to>
+                                        <p:strVal val="visible"/>
+                                      </p:to>
+                                    </p:set>
+                                  </p:childTnLst>
+                                </p:cTn>
+                              </p:par>
+                              <p:par>
+                                <p:cTn id="23" presetID="1" presetClass="entr" presetSubtype="0" fill="hold" nodeType="withEffect">
+                                  <p:stCondLst>
+                                    <p:cond delay="0"/>
+                                  </p:stCondLst>
+                                  <p:childTnLst>
+                                    <p:set>
+                                      <p:cBhvr>
+                                        <p:cTn id="24" dur="1" fill="hold">
+                                          <p:stCondLst>
+                                            <p:cond delay="0"/>
+                                          </p:stCondLst>
+                                        </p:cTn>
+                                        <p:tgtEl>
+                                          <p:spTgt spid="5">
+                                            <p:txEl>
+                                              <p:pRg st="6" end="6"/>
+                                            </p:txEl>
+                                          </p:spTgt>
+                                        </p:tgtEl>
+                                        <p:attrNameLst>
+                                          <p:attrName>style.visibility</p:attrName>
+                                        </p:attrNameLst>
+                                      </p:cBhvr>
+                                      <p:to>
+                                        <p:strVal val="visible"/>
+                                      </p:to>
+                                    </p:set>
+                                  </p:childTnLst>
+                                </p:cTn>
+                              </p:par>
+                            </p:childTnLst>
+                          </p:cTn>
+                        </p:par>
+                      </p:childTnLst>
+                    </p:cTn>
+                  </p:par>
+                  <p:par>
+                    <p:cTn id="25" fill="hold">
+                      <p:stCondLst>
+                        <p:cond delay="indefinite"/>
+                      </p:stCondLst>
+                      <p:childTnLst>
+                        <p:par>
+                          <p:cTn id="26" fill="hold">
+                            <p:stCondLst>
+                              <p:cond delay="0"/>
+                            </p:stCondLst>
+                            <p:childTnLst>
+                              <p:par>
+                                <p:cTn id="27" presetID="1" presetClass="entr" presetSubtype="0" fill="hold" nodeType="clickEffect">
+                                  <p:stCondLst>
+                                    <p:cond delay="0"/>
+                                  </p:stCondLst>
+                                  <p:childTnLst>
+                                    <p:set>
+                                      <p:cBhvr>
+                                        <p:cTn id="28" dur="1" fill="hold">
+                                          <p:stCondLst>
+                                            <p:cond delay="0"/>
+                                          </p:stCondLst>
+                                        </p:cTn>
+                                        <p:tgtEl>
+                                          <p:spTgt spid="5">
+                                            <p:txEl>
+                                              <p:pRg st="7" end="7"/>
+                                            </p:txEl>
+                                          </p:spTgt>
+                                        </p:tgtEl>
+                                        <p:attrNameLst>
+                                          <p:attrName>style.visibility</p:attrName>
+                                        </p:attrNameLst>
+                                      </p:cBhvr>
+                                      <p:to>
+                                        <p:strVal val="visible"/>
+                                      </p:to>
+                                    </p:set>
+                                  </p:childTnLst>
+                                </p:cTn>
+                              </p:par>
+                              <p:par>
+                                <p:cTn id="29" presetID="1" presetClass="entr" presetSubtype="0" fill="hold" nodeType="withEffect">
+                                  <p:stCondLst>
+                                    <p:cond delay="0"/>
+                                  </p:stCondLst>
+                                  <p:childTnLst>
+                                    <p:set>
+                                      <p:cBhvr>
+                                        <p:cTn id="30" dur="1" fill="hold">
+                                          <p:stCondLst>
+                                            <p:cond delay="0"/>
+                                          </p:stCondLst>
+                                        </p:cTn>
+                                        <p:tgtEl>
+                                          <p:spTgt spid="5">
+                                            <p:txEl>
+                                              <p:pRg st="8" end="8"/>
+                                            </p:txEl>
+                                          </p:spTgt>
+                                        </p:tgtEl>
+                                        <p:attrNameLst>
+                                          <p:attrName>style.visibility</p:attrName>
+                                        </p:attrNameLst>
+                                      </p:cBhvr>
+                                      <p:to>
+                                        <p:strVal val="visible"/>
+                                      </p:to>
+                                    </p:set>
+                                  </p:childTnLst>
+                                </p:cTn>
+                              </p:par>
+                            </p:childTnLst>
+                          </p:cTn>
+                        </p:par>
+                      </p:childTnLst>
+                    </p:cTn>
+                  </p:par>
+                  <p:par>
+                    <p:cTn id="31" fill="hold">
+                      <p:stCondLst>
+                        <p:cond delay="indefinite"/>
+                      </p:stCondLst>
+                      <p:childTnLst>
+                        <p:par>
+                          <p:cTn id="32" fill="hold">
+                            <p:stCondLst>
+                              <p:cond delay="0"/>
+                            </p:stCondLst>
+                            <p:childTnLst>
+                              <p:par>
+                                <p:cTn id="33" presetID="1" presetClass="entr" presetSubtype="0" fill="hold" grpId="0" nodeType="clickEffect">
+                                  <p:stCondLst>
+                                    <p:cond delay="0"/>
+                                  </p:stCondLst>
+                                  <p:childTnLst>
+                                    <p:set>
+                                      <p:cBhvr>
+                                        <p:cTn id="34" dur="1" fill="hold">
+                                          <p:stCondLst>
+                                            <p:cond delay="0"/>
+                                          </p:stCondLst>
+                                        </p:cTn>
+                                        <p:tgtEl>
+                                          <p:spTgt spid="2"/>
+                                        </p:tgtEl>
+                                        <p:attrNameLst>
+                                          <p:attrName>style.visibility</p:attrName>
+                                        </p:attrNameLst>
+                                      </p:cBhvr>
+                                      <p:to>
+                                        <p:strVal val="visible"/>
+                                      </p:to>
+                                    </p:set>
+                                  </p:childTnLst>
+                                </p:cTn>
+                              </p:par>
+                            </p:childTnLst>
+                          </p:cTn>
+                        </p:par>
+                      </p:childTnLst>
+                    </p:cTn>
+                  </p:par>
+                </p:childTnLst>
+              </p:cTn>
+              <p:prevCondLst>
+                <p:cond evt="onPrev" delay="0">
+                  <p:tgtEl>
+                    <p:sldTgt/>
+                  </p:tgtEl>
+                </p:cond>
+              </p:prevCondLst>
+              <p:nextCondLst>
+                <p:cond evt="onNext" delay="0">
+                  <p:tgtEl>
+                    <p:sldTgt/>
+                  </p:tgtEl>
+                </p:cond>
+              </p:nextCondLst>
+            </p:seq>
+          </p:childTnLst>
+        </p:cTn>
+      </p:par>
+    </p:tnLst>
+    <p:bldLst>
+      <p:bldP spid="5" grpId="0" animBg="1"/>
+      <p:bldP spid="2" grpId="0"/>
+    </p:bldLst>
+  </p:timing>
 </p:sld>
 </file>
 
@@ -8503,6 +10190,370 @@
   <p:clrMapOvr>
     <a:masterClrMapping/>
   </p:clrMapOvr>
+  <p:timing>
+    <p:tnLst>
+      <p:par>
+        <p:cTn id="1" dur="indefinite" restart="never" nodeType="tmRoot">
+          <p:childTnLst>
+            <p:seq concurrent="1" nextAc="seek">
+              <p:cTn id="2" dur="indefinite" nodeType="mainSeq">
+                <p:childTnLst>
+                  <p:par>
+                    <p:cTn id="3" fill="hold">
+                      <p:stCondLst>
+                        <p:cond delay="indefinite"/>
+                      </p:stCondLst>
+                      <p:childTnLst>
+                        <p:par>
+                          <p:cTn id="4" fill="hold">
+                            <p:stCondLst>
+                              <p:cond delay="0"/>
+                            </p:stCondLst>
+                            <p:childTnLst>
+                              <p:par>
+                                <p:cTn id="5" presetID="1" presetClass="entr" presetSubtype="0" fill="hold" nodeType="clickEffect">
+                                  <p:stCondLst>
+                                    <p:cond delay="0"/>
+                                  </p:stCondLst>
+                                  <p:childTnLst>
+                                    <p:set>
+                                      <p:cBhvr>
+                                        <p:cTn id="6" dur="1" fill="hold">
+                                          <p:stCondLst>
+                                            <p:cond delay="0"/>
+                                          </p:stCondLst>
+                                        </p:cTn>
+                                        <p:tgtEl>
+                                          <p:spTgt spid="5">
+                                            <p:txEl>
+                                              <p:pRg st="1" end="1"/>
+                                            </p:txEl>
+                                          </p:spTgt>
+                                        </p:tgtEl>
+                                        <p:attrNameLst>
+                                          <p:attrName>style.visibility</p:attrName>
+                                        </p:attrNameLst>
+                                      </p:cBhvr>
+                                      <p:to>
+                                        <p:strVal val="visible"/>
+                                      </p:to>
+                                    </p:set>
+                                  </p:childTnLst>
+                                </p:cTn>
+                              </p:par>
+                              <p:par>
+                                <p:cTn id="7" presetID="1" presetClass="entr" presetSubtype="0" fill="hold" nodeType="withEffect">
+                                  <p:stCondLst>
+                                    <p:cond delay="0"/>
+                                  </p:stCondLst>
+                                  <p:childTnLst>
+                                    <p:set>
+                                      <p:cBhvr>
+                                        <p:cTn id="8" dur="1" fill="hold">
+                                          <p:stCondLst>
+                                            <p:cond delay="0"/>
+                                          </p:stCondLst>
+                                        </p:cTn>
+                                        <p:tgtEl>
+                                          <p:spTgt spid="5">
+                                            <p:txEl>
+                                              <p:pRg st="2" end="2"/>
+                                            </p:txEl>
+                                          </p:spTgt>
+                                        </p:tgtEl>
+                                        <p:attrNameLst>
+                                          <p:attrName>style.visibility</p:attrName>
+                                        </p:attrNameLst>
+                                      </p:cBhvr>
+                                      <p:to>
+                                        <p:strVal val="visible"/>
+                                      </p:to>
+                                    </p:set>
+                                  </p:childTnLst>
+                                </p:cTn>
+                              </p:par>
+                            </p:childTnLst>
+                          </p:cTn>
+                        </p:par>
+                      </p:childTnLst>
+                    </p:cTn>
+                  </p:par>
+                  <p:par>
+                    <p:cTn id="9" fill="hold">
+                      <p:stCondLst>
+                        <p:cond delay="indefinite"/>
+                      </p:stCondLst>
+                      <p:childTnLst>
+                        <p:par>
+                          <p:cTn id="10" fill="hold">
+                            <p:stCondLst>
+                              <p:cond delay="0"/>
+                            </p:stCondLst>
+                            <p:childTnLst>
+                              <p:par>
+                                <p:cTn id="11" presetID="1" presetClass="entr" presetSubtype="0" fill="hold" nodeType="clickEffect">
+                                  <p:stCondLst>
+                                    <p:cond delay="0"/>
+                                  </p:stCondLst>
+                                  <p:childTnLst>
+                                    <p:set>
+                                      <p:cBhvr>
+                                        <p:cTn id="12" dur="1" fill="hold">
+                                          <p:stCondLst>
+                                            <p:cond delay="0"/>
+                                          </p:stCondLst>
+                                        </p:cTn>
+                                        <p:tgtEl>
+                                          <p:spTgt spid="5">
+                                            <p:txEl>
+                                              <p:pRg st="3" end="3"/>
+                                            </p:txEl>
+                                          </p:spTgt>
+                                        </p:tgtEl>
+                                        <p:attrNameLst>
+                                          <p:attrName>style.visibility</p:attrName>
+                                        </p:attrNameLst>
+                                      </p:cBhvr>
+                                      <p:to>
+                                        <p:strVal val="visible"/>
+                                      </p:to>
+                                    </p:set>
+                                  </p:childTnLst>
+                                </p:cTn>
+                              </p:par>
+                            </p:childTnLst>
+                          </p:cTn>
+                        </p:par>
+                      </p:childTnLst>
+                    </p:cTn>
+                  </p:par>
+                  <p:par>
+                    <p:cTn id="13" fill="hold">
+                      <p:stCondLst>
+                        <p:cond delay="indefinite"/>
+                      </p:stCondLst>
+                      <p:childTnLst>
+                        <p:par>
+                          <p:cTn id="14" fill="hold">
+                            <p:stCondLst>
+                              <p:cond delay="0"/>
+                            </p:stCondLst>
+                            <p:childTnLst>
+                              <p:par>
+                                <p:cTn id="15" presetID="1" presetClass="entr" presetSubtype="0" fill="hold" grpId="0" nodeType="clickEffect">
+                                  <p:stCondLst>
+                                    <p:cond delay="0"/>
+                                  </p:stCondLst>
+                                  <p:childTnLst>
+                                    <p:set>
+                                      <p:cBhvr>
+                                        <p:cTn id="16" dur="1" fill="hold">
+                                          <p:stCondLst>
+                                            <p:cond delay="0"/>
+                                          </p:stCondLst>
+                                        </p:cTn>
+                                        <p:tgtEl>
+                                          <p:spTgt spid="6"/>
+                                        </p:tgtEl>
+                                        <p:attrNameLst>
+                                          <p:attrName>style.visibility</p:attrName>
+                                        </p:attrNameLst>
+                                      </p:cBhvr>
+                                      <p:to>
+                                        <p:strVal val="visible"/>
+                                      </p:to>
+                                    </p:set>
+                                  </p:childTnLst>
+                                </p:cTn>
+                              </p:par>
+                              <p:par>
+                                <p:cTn id="17" presetID="1" presetClass="entr" presetSubtype="0" fill="hold" nodeType="withEffect">
+                                  <p:stCondLst>
+                                    <p:cond delay="0"/>
+                                  </p:stCondLst>
+                                  <p:childTnLst>
+                                    <p:set>
+                                      <p:cBhvr>
+                                        <p:cTn id="18" dur="1" fill="hold">
+                                          <p:stCondLst>
+                                            <p:cond delay="0"/>
+                                          </p:stCondLst>
+                                        </p:cTn>
+                                        <p:tgtEl>
+                                          <p:spTgt spid="6">
+                                            <p:txEl>
+                                              <p:pRg st="0" end="0"/>
+                                            </p:txEl>
+                                          </p:spTgt>
+                                        </p:tgtEl>
+                                        <p:attrNameLst>
+                                          <p:attrName>style.visibility</p:attrName>
+                                        </p:attrNameLst>
+                                      </p:cBhvr>
+                                      <p:to>
+                                        <p:strVal val="visible"/>
+                                      </p:to>
+                                    </p:set>
+                                  </p:childTnLst>
+                                </p:cTn>
+                              </p:par>
+                            </p:childTnLst>
+                          </p:cTn>
+                        </p:par>
+                      </p:childTnLst>
+                    </p:cTn>
+                  </p:par>
+                  <p:par>
+                    <p:cTn id="19" fill="hold">
+                      <p:stCondLst>
+                        <p:cond delay="indefinite"/>
+                      </p:stCondLst>
+                      <p:childTnLst>
+                        <p:par>
+                          <p:cTn id="20" fill="hold">
+                            <p:stCondLst>
+                              <p:cond delay="0"/>
+                            </p:stCondLst>
+                            <p:childTnLst>
+                              <p:par>
+                                <p:cTn id="21" presetID="1" presetClass="entr" presetSubtype="0" fill="hold" nodeType="clickEffect">
+                                  <p:stCondLst>
+                                    <p:cond delay="0"/>
+                                  </p:stCondLst>
+                                  <p:childTnLst>
+                                    <p:set>
+                                      <p:cBhvr>
+                                        <p:cTn id="22" dur="1" fill="hold">
+                                          <p:stCondLst>
+                                            <p:cond delay="0"/>
+                                          </p:stCondLst>
+                                        </p:cTn>
+                                        <p:tgtEl>
+                                          <p:spTgt spid="6">
+                                            <p:txEl>
+                                              <p:pRg st="1" end="1"/>
+                                            </p:txEl>
+                                          </p:spTgt>
+                                        </p:tgtEl>
+                                        <p:attrNameLst>
+                                          <p:attrName>style.visibility</p:attrName>
+                                        </p:attrNameLst>
+                                      </p:cBhvr>
+                                      <p:to>
+                                        <p:strVal val="visible"/>
+                                      </p:to>
+                                    </p:set>
+                                  </p:childTnLst>
+                                </p:cTn>
+                              </p:par>
+                              <p:par>
+                                <p:cTn id="23" presetID="1" presetClass="entr" presetSubtype="0" fill="hold" nodeType="withEffect">
+                                  <p:stCondLst>
+                                    <p:cond delay="0"/>
+                                  </p:stCondLst>
+                                  <p:childTnLst>
+                                    <p:set>
+                                      <p:cBhvr>
+                                        <p:cTn id="24" dur="1" fill="hold">
+                                          <p:stCondLst>
+                                            <p:cond delay="0"/>
+                                          </p:stCondLst>
+                                        </p:cTn>
+                                        <p:tgtEl>
+                                          <p:spTgt spid="6">
+                                            <p:txEl>
+                                              <p:pRg st="2" end="2"/>
+                                            </p:txEl>
+                                          </p:spTgt>
+                                        </p:tgtEl>
+                                        <p:attrNameLst>
+                                          <p:attrName>style.visibility</p:attrName>
+                                        </p:attrNameLst>
+                                      </p:cBhvr>
+                                      <p:to>
+                                        <p:strVal val="visible"/>
+                                      </p:to>
+                                    </p:set>
+                                  </p:childTnLst>
+                                </p:cTn>
+                              </p:par>
+                            </p:childTnLst>
+                          </p:cTn>
+                        </p:par>
+                      </p:childTnLst>
+                    </p:cTn>
+                  </p:par>
+                  <p:par>
+                    <p:cTn id="25" fill="hold">
+                      <p:stCondLst>
+                        <p:cond delay="indefinite"/>
+                      </p:stCondLst>
+                      <p:childTnLst>
+                        <p:par>
+                          <p:cTn id="26" fill="hold">
+                            <p:stCondLst>
+                              <p:cond delay="0"/>
+                            </p:stCondLst>
+                            <p:childTnLst>
+                              <p:par>
+                                <p:cTn id="27" presetID="1" presetClass="entr" presetSubtype="0" fill="hold" grpId="0" nodeType="clickEffect">
+                                  <p:stCondLst>
+                                    <p:cond delay="0"/>
+                                  </p:stCondLst>
+                                  <p:childTnLst>
+                                    <p:set>
+                                      <p:cBhvr>
+                                        <p:cTn id="28" dur="1" fill="hold">
+                                          <p:stCondLst>
+                                            <p:cond delay="0"/>
+                                          </p:stCondLst>
+                                        </p:cTn>
+                                        <p:tgtEl>
+                                          <p:spTgt spid="2"/>
+                                        </p:tgtEl>
+                                        <p:attrNameLst>
+                                          <p:attrName>style.visibility</p:attrName>
+                                        </p:attrNameLst>
+                                      </p:cBhvr>
+                                      <p:to>
+                                        <p:strVal val="visible"/>
+                                      </p:to>
+                                    </p:set>
+                                  </p:childTnLst>
+                                </p:cTn>
+                              </p:par>
+                            </p:childTnLst>
+                          </p:cTn>
+                        </p:par>
+                      </p:childTnLst>
+                    </p:cTn>
+                  </p:par>
+                </p:childTnLst>
+              </p:cTn>
+              <p:prevCondLst>
+                <p:cond evt="onPrev" delay="0">
+                  <p:tgtEl>
+                    <p:sldTgt/>
+                  </p:tgtEl>
+                </p:cond>
+              </p:prevCondLst>
+              <p:nextCondLst>
+                <p:cond evt="onNext" delay="0">
+                  <p:tgtEl>
+                    <p:sldTgt/>
+                  </p:tgtEl>
+                </p:cond>
+              </p:nextCondLst>
+            </p:seq>
+          </p:childTnLst>
+        </p:cTn>
+      </p:par>
+    </p:tnLst>
+    <p:bldLst>
+      <p:bldP spid="6" grpId="0" animBg="1"/>
+      <p:bldP spid="2" grpId="0"/>
+    </p:bldLst>
+  </p:timing>
 </p:sld>
 </file>
 
@@ -9404,6 +11455,431 @@
   <p:clrMapOvr>
     <a:masterClrMapping/>
   </p:clrMapOvr>
+  <p:timing>
+    <p:tnLst>
+      <p:par>
+        <p:cTn id="1" dur="indefinite" restart="never" nodeType="tmRoot">
+          <p:childTnLst>
+            <p:seq concurrent="1" nextAc="seek">
+              <p:cTn id="2" dur="indefinite" nodeType="mainSeq">
+                <p:childTnLst>
+                  <p:par>
+                    <p:cTn id="3" fill="hold">
+                      <p:stCondLst>
+                        <p:cond delay="indefinite"/>
+                      </p:stCondLst>
+                      <p:childTnLst>
+                        <p:par>
+                          <p:cTn id="4" fill="hold">
+                            <p:stCondLst>
+                              <p:cond delay="0"/>
+                            </p:stCondLst>
+                            <p:childTnLst>
+                              <p:par>
+                                <p:cTn id="5" presetID="1" presetClass="entr" presetSubtype="0" fill="hold" nodeType="clickEffect">
+                                  <p:stCondLst>
+                                    <p:cond delay="0"/>
+                                  </p:stCondLst>
+                                  <p:childTnLst>
+                                    <p:set>
+                                      <p:cBhvr>
+                                        <p:cTn id="6" dur="1" fill="hold">
+                                          <p:stCondLst>
+                                            <p:cond delay="0"/>
+                                          </p:stCondLst>
+                                        </p:cTn>
+                                        <p:tgtEl>
+                                          <p:spTgt spid="3">
+                                            <p:txEl>
+                                              <p:pRg st="1" end="1"/>
+                                            </p:txEl>
+                                          </p:spTgt>
+                                        </p:tgtEl>
+                                        <p:attrNameLst>
+                                          <p:attrName>style.visibility</p:attrName>
+                                        </p:attrNameLst>
+                                      </p:cBhvr>
+                                      <p:to>
+                                        <p:strVal val="visible"/>
+                                      </p:to>
+                                    </p:set>
+                                  </p:childTnLst>
+                                </p:cTn>
+                              </p:par>
+                            </p:childTnLst>
+                          </p:cTn>
+                        </p:par>
+                      </p:childTnLst>
+                    </p:cTn>
+                  </p:par>
+                  <p:par>
+                    <p:cTn id="7" fill="hold">
+                      <p:stCondLst>
+                        <p:cond delay="indefinite"/>
+                      </p:stCondLst>
+                      <p:childTnLst>
+                        <p:par>
+                          <p:cTn id="8" fill="hold">
+                            <p:stCondLst>
+                              <p:cond delay="0"/>
+                            </p:stCondLst>
+                            <p:childTnLst>
+                              <p:par>
+                                <p:cTn id="9" presetID="1" presetClass="entr" presetSubtype="0" fill="hold" nodeType="clickEffect">
+                                  <p:stCondLst>
+                                    <p:cond delay="0"/>
+                                  </p:stCondLst>
+                                  <p:childTnLst>
+                                    <p:set>
+                                      <p:cBhvr>
+                                        <p:cTn id="10" dur="1" fill="hold">
+                                          <p:stCondLst>
+                                            <p:cond delay="0"/>
+                                          </p:stCondLst>
+                                        </p:cTn>
+                                        <p:tgtEl>
+                                          <p:spTgt spid="3">
+                                            <p:txEl>
+                                              <p:pRg st="2" end="2"/>
+                                            </p:txEl>
+                                          </p:spTgt>
+                                        </p:tgtEl>
+                                        <p:attrNameLst>
+                                          <p:attrName>style.visibility</p:attrName>
+                                        </p:attrNameLst>
+                                      </p:cBhvr>
+                                      <p:to>
+                                        <p:strVal val="visible"/>
+                                      </p:to>
+                                    </p:set>
+                                  </p:childTnLst>
+                                </p:cTn>
+                              </p:par>
+                            </p:childTnLst>
+                          </p:cTn>
+                        </p:par>
+                      </p:childTnLst>
+                    </p:cTn>
+                  </p:par>
+                  <p:par>
+                    <p:cTn id="11" fill="hold">
+                      <p:stCondLst>
+                        <p:cond delay="indefinite"/>
+                      </p:stCondLst>
+                      <p:childTnLst>
+                        <p:par>
+                          <p:cTn id="12" fill="hold">
+                            <p:stCondLst>
+                              <p:cond delay="0"/>
+                            </p:stCondLst>
+                            <p:childTnLst>
+                              <p:par>
+                                <p:cTn id="13" presetID="1" presetClass="entr" presetSubtype="0" fill="hold" nodeType="clickEffect">
+                                  <p:stCondLst>
+                                    <p:cond delay="0"/>
+                                  </p:stCondLst>
+                                  <p:childTnLst>
+                                    <p:set>
+                                      <p:cBhvr>
+                                        <p:cTn id="14" dur="1" fill="hold">
+                                          <p:stCondLst>
+                                            <p:cond delay="0"/>
+                                          </p:stCondLst>
+                                        </p:cTn>
+                                        <p:tgtEl>
+                                          <p:spTgt spid="10"/>
+                                        </p:tgtEl>
+                                        <p:attrNameLst>
+                                          <p:attrName>style.visibility</p:attrName>
+                                        </p:attrNameLst>
+                                      </p:cBhvr>
+                                      <p:to>
+                                        <p:strVal val="visible"/>
+                                      </p:to>
+                                    </p:set>
+                                  </p:childTnLst>
+                                </p:cTn>
+                              </p:par>
+                            </p:childTnLst>
+                          </p:cTn>
+                        </p:par>
+                      </p:childTnLst>
+                    </p:cTn>
+                  </p:par>
+                  <p:par>
+                    <p:cTn id="15" fill="hold">
+                      <p:stCondLst>
+                        <p:cond delay="indefinite"/>
+                      </p:stCondLst>
+                      <p:childTnLst>
+                        <p:par>
+                          <p:cTn id="16" fill="hold">
+                            <p:stCondLst>
+                              <p:cond delay="0"/>
+                            </p:stCondLst>
+                            <p:childTnLst>
+                              <p:par>
+                                <p:cTn id="17" presetID="1" presetClass="entr" presetSubtype="0" fill="hold" grpId="0" nodeType="clickEffect">
+                                  <p:stCondLst>
+                                    <p:cond delay="0"/>
+                                  </p:stCondLst>
+                                  <p:childTnLst>
+                                    <p:set>
+                                      <p:cBhvr>
+                                        <p:cTn id="18" dur="1" fill="hold">
+                                          <p:stCondLst>
+                                            <p:cond delay="0"/>
+                                          </p:stCondLst>
+                                        </p:cTn>
+                                        <p:tgtEl>
+                                          <p:spTgt spid="5"/>
+                                        </p:tgtEl>
+                                        <p:attrNameLst>
+                                          <p:attrName>style.visibility</p:attrName>
+                                        </p:attrNameLst>
+                                      </p:cBhvr>
+                                      <p:to>
+                                        <p:strVal val="visible"/>
+                                      </p:to>
+                                    </p:set>
+                                  </p:childTnLst>
+                                </p:cTn>
+                              </p:par>
+                              <p:par>
+                                <p:cTn id="19" presetID="1" presetClass="entr" presetSubtype="0" fill="hold" grpId="0" nodeType="withEffect">
+                                  <p:stCondLst>
+                                    <p:cond delay="0"/>
+                                  </p:stCondLst>
+                                  <p:childTnLst>
+                                    <p:set>
+                                      <p:cBhvr>
+                                        <p:cTn id="20" dur="1" fill="hold">
+                                          <p:stCondLst>
+                                            <p:cond delay="0"/>
+                                          </p:stCondLst>
+                                        </p:cTn>
+                                        <p:tgtEl>
+                                          <p:spTgt spid="7"/>
+                                        </p:tgtEl>
+                                        <p:attrNameLst>
+                                          <p:attrName>style.visibility</p:attrName>
+                                        </p:attrNameLst>
+                                      </p:cBhvr>
+                                      <p:to>
+                                        <p:strVal val="visible"/>
+                                      </p:to>
+                                    </p:set>
+                                  </p:childTnLst>
+                                </p:cTn>
+                              </p:par>
+                              <p:par>
+                                <p:cTn id="21" presetID="1" presetClass="entr" presetSubtype="0" fill="hold" grpId="0" nodeType="withEffect">
+                                  <p:stCondLst>
+                                    <p:cond delay="0"/>
+                                  </p:stCondLst>
+                                  <p:childTnLst>
+                                    <p:set>
+                                      <p:cBhvr>
+                                        <p:cTn id="22" dur="1" fill="hold">
+                                          <p:stCondLst>
+                                            <p:cond delay="0"/>
+                                          </p:stCondLst>
+                                        </p:cTn>
+                                        <p:tgtEl>
+                                          <p:spTgt spid="6"/>
+                                        </p:tgtEl>
+                                        <p:attrNameLst>
+                                          <p:attrName>style.visibility</p:attrName>
+                                        </p:attrNameLst>
+                                      </p:cBhvr>
+                                      <p:to>
+                                        <p:strVal val="visible"/>
+                                      </p:to>
+                                    </p:set>
+                                  </p:childTnLst>
+                                </p:cTn>
+                              </p:par>
+                            </p:childTnLst>
+                          </p:cTn>
+                        </p:par>
+                      </p:childTnLst>
+                    </p:cTn>
+                  </p:par>
+                  <p:par>
+                    <p:cTn id="23" fill="hold">
+                      <p:stCondLst>
+                        <p:cond delay="indefinite"/>
+                      </p:stCondLst>
+                      <p:childTnLst>
+                        <p:par>
+                          <p:cTn id="24" fill="hold">
+                            <p:stCondLst>
+                              <p:cond delay="0"/>
+                            </p:stCondLst>
+                            <p:childTnLst>
+                              <p:par>
+                                <p:cTn id="25" presetID="1" presetClass="entr" presetSubtype="0" fill="hold" grpId="0" nodeType="clickEffect">
+                                  <p:stCondLst>
+                                    <p:cond delay="0"/>
+                                  </p:stCondLst>
+                                  <p:childTnLst>
+                                    <p:set>
+                                      <p:cBhvr>
+                                        <p:cTn id="26" dur="1" fill="hold">
+                                          <p:stCondLst>
+                                            <p:cond delay="0"/>
+                                          </p:stCondLst>
+                                        </p:cTn>
+                                        <p:tgtEl>
+                                          <p:spTgt spid="11"/>
+                                        </p:tgtEl>
+                                        <p:attrNameLst>
+                                          <p:attrName>style.visibility</p:attrName>
+                                        </p:attrNameLst>
+                                      </p:cBhvr>
+                                      <p:to>
+                                        <p:strVal val="visible"/>
+                                      </p:to>
+                                    </p:set>
+                                  </p:childTnLst>
+                                </p:cTn>
+                              </p:par>
+                              <p:par>
+                                <p:cTn id="27" presetID="1" presetClass="entr" presetSubtype="0" fill="hold" grpId="0" nodeType="withEffect">
+                                  <p:stCondLst>
+                                    <p:cond delay="0"/>
+                                  </p:stCondLst>
+                                  <p:childTnLst>
+                                    <p:set>
+                                      <p:cBhvr>
+                                        <p:cTn id="28" dur="1" fill="hold">
+                                          <p:stCondLst>
+                                            <p:cond delay="0"/>
+                                          </p:stCondLst>
+                                        </p:cTn>
+                                        <p:tgtEl>
+                                          <p:spTgt spid="13"/>
+                                        </p:tgtEl>
+                                        <p:attrNameLst>
+                                          <p:attrName>style.visibility</p:attrName>
+                                        </p:attrNameLst>
+                                      </p:cBhvr>
+                                      <p:to>
+                                        <p:strVal val="visible"/>
+                                      </p:to>
+                                    </p:set>
+                                  </p:childTnLst>
+                                </p:cTn>
+                              </p:par>
+                              <p:par>
+                                <p:cTn id="29" presetID="1" presetClass="entr" presetSubtype="0" fill="hold" grpId="0" nodeType="withEffect">
+                                  <p:stCondLst>
+                                    <p:cond delay="0"/>
+                                  </p:stCondLst>
+                                  <p:childTnLst>
+                                    <p:set>
+                                      <p:cBhvr>
+                                        <p:cTn id="30" dur="1" fill="hold">
+                                          <p:stCondLst>
+                                            <p:cond delay="0"/>
+                                          </p:stCondLst>
+                                        </p:cTn>
+                                        <p:tgtEl>
+                                          <p:spTgt spid="12"/>
+                                        </p:tgtEl>
+                                        <p:attrNameLst>
+                                          <p:attrName>style.visibility</p:attrName>
+                                        </p:attrNameLst>
+                                      </p:cBhvr>
+                                      <p:to>
+                                        <p:strVal val="visible"/>
+                                      </p:to>
+                                    </p:set>
+                                  </p:childTnLst>
+                                </p:cTn>
+                              </p:par>
+                            </p:childTnLst>
+                          </p:cTn>
+                        </p:par>
+                      </p:childTnLst>
+                    </p:cTn>
+                  </p:par>
+                  <p:par>
+                    <p:cTn id="31" fill="hold">
+                      <p:stCondLst>
+                        <p:cond delay="indefinite"/>
+                      </p:stCondLst>
+                      <p:childTnLst>
+                        <p:par>
+                          <p:cTn id="32" fill="hold">
+                            <p:stCondLst>
+                              <p:cond delay="0"/>
+                            </p:stCondLst>
+                            <p:childTnLst>
+                              <p:par>
+                                <p:cTn id="33" presetID="1" presetClass="entr" presetSubtype="0" fill="hold" grpId="0" nodeType="clickEffect">
+                                  <p:stCondLst>
+                                    <p:cond delay="0"/>
+                                  </p:stCondLst>
+                                  <p:childTnLst>
+                                    <p:set>
+                                      <p:cBhvr>
+                                        <p:cTn id="34" dur="1" fill="hold">
+                                          <p:stCondLst>
+                                            <p:cond delay="0"/>
+                                          </p:stCondLst>
+                                        </p:cTn>
+                                        <p:tgtEl>
+                                          <p:spTgt spid="2"/>
+                                        </p:tgtEl>
+                                        <p:attrNameLst>
+                                          <p:attrName>style.visibility</p:attrName>
+                                        </p:attrNameLst>
+                                      </p:cBhvr>
+                                      <p:to>
+                                        <p:strVal val="visible"/>
+                                      </p:to>
+                                    </p:set>
+                                  </p:childTnLst>
+                                </p:cTn>
+                              </p:par>
+                            </p:childTnLst>
+                          </p:cTn>
+                        </p:par>
+                      </p:childTnLst>
+                    </p:cTn>
+                  </p:par>
+                </p:childTnLst>
+              </p:cTn>
+              <p:prevCondLst>
+                <p:cond evt="onPrev" delay="0">
+                  <p:tgtEl>
+                    <p:sldTgt/>
+                  </p:tgtEl>
+                </p:cond>
+              </p:prevCondLst>
+              <p:nextCondLst>
+                <p:cond evt="onNext" delay="0">
+                  <p:tgtEl>
+                    <p:sldTgt/>
+                  </p:tgtEl>
+                </p:cond>
+              </p:nextCondLst>
+            </p:seq>
+          </p:childTnLst>
+        </p:cTn>
+      </p:par>
+    </p:tnLst>
+    <p:bldLst>
+      <p:bldP spid="5" grpId="0" animBg="1"/>
+      <p:bldP spid="6" grpId="0" animBg="1"/>
+      <p:bldP spid="7" grpId="0" animBg="1"/>
+      <p:bldP spid="11" grpId="0" animBg="1"/>
+      <p:bldP spid="12" grpId="0" animBg="1"/>
+      <p:bldP spid="13" grpId="0" animBg="1"/>
+      <p:bldP spid="2" grpId="0"/>
+    </p:bldLst>
+  </p:timing>
 </p:sld>
 </file>
 
@@ -9583,10 +12059,6 @@
                 <a:latin typeface="Consolas" pitchFamily="49" charset="0"/>
               </a:rPr>
               <a:t>y2</a:t>
-            </a:r>
-            <a:r>
-              <a:rPr lang="bg-BG" dirty="0"/>
-              <a:t> или</a:t>
             </a:r>
             <a:endParaRPr lang="bg-BG" b="1" dirty="0">
               <a:solidFill>
@@ -10243,6 +12715,480 @@
   <p:clrMapOvr>
     <a:masterClrMapping/>
   </p:clrMapOvr>
+  <p:timing>
+    <p:tnLst>
+      <p:par>
+        <p:cTn id="1" dur="indefinite" restart="never" nodeType="tmRoot">
+          <p:childTnLst>
+            <p:seq concurrent="1" nextAc="seek">
+              <p:cTn id="2" dur="indefinite" nodeType="mainSeq">
+                <p:childTnLst>
+                  <p:par>
+                    <p:cTn id="3" fill="hold">
+                      <p:stCondLst>
+                        <p:cond delay="indefinite"/>
+                      </p:stCondLst>
+                      <p:childTnLst>
+                        <p:par>
+                          <p:cTn id="4" fill="hold">
+                            <p:stCondLst>
+                              <p:cond delay="0"/>
+                            </p:stCondLst>
+                            <p:childTnLst>
+                              <p:par>
+                                <p:cTn id="5" presetID="1" presetClass="entr" presetSubtype="0" fill="hold" nodeType="clickEffect">
+                                  <p:stCondLst>
+                                    <p:cond delay="0"/>
+                                  </p:stCondLst>
+                                  <p:childTnLst>
+                                    <p:set>
+                                      <p:cBhvr>
+                                        <p:cTn id="6" dur="1" fill="hold">
+                                          <p:stCondLst>
+                                            <p:cond delay="0"/>
+                                          </p:stCondLst>
+                                        </p:cTn>
+                                        <p:tgtEl>
+                                          <p:spTgt spid="3">
+                                            <p:txEl>
+                                              <p:pRg st="1" end="1"/>
+                                            </p:txEl>
+                                          </p:spTgt>
+                                        </p:tgtEl>
+                                        <p:attrNameLst>
+                                          <p:attrName>style.visibility</p:attrName>
+                                        </p:attrNameLst>
+                                      </p:cBhvr>
+                                      <p:to>
+                                        <p:strVal val="visible"/>
+                                      </p:to>
+                                    </p:set>
+                                  </p:childTnLst>
+                                </p:cTn>
+                              </p:par>
+                            </p:childTnLst>
+                          </p:cTn>
+                        </p:par>
+                      </p:childTnLst>
+                    </p:cTn>
+                  </p:par>
+                  <p:par>
+                    <p:cTn id="7" fill="hold">
+                      <p:stCondLst>
+                        <p:cond delay="indefinite"/>
+                      </p:stCondLst>
+                      <p:childTnLst>
+                        <p:par>
+                          <p:cTn id="8" fill="hold">
+                            <p:stCondLst>
+                              <p:cond delay="0"/>
+                            </p:stCondLst>
+                            <p:childTnLst>
+                              <p:par>
+                                <p:cTn id="9" presetID="1" presetClass="entr" presetSubtype="0" fill="hold" nodeType="clickEffect">
+                                  <p:stCondLst>
+                                    <p:cond delay="0"/>
+                                  </p:stCondLst>
+                                  <p:childTnLst>
+                                    <p:set>
+                                      <p:cBhvr>
+                                        <p:cTn id="10" dur="1" fill="hold">
+                                          <p:stCondLst>
+                                            <p:cond delay="0"/>
+                                          </p:stCondLst>
+                                        </p:cTn>
+                                        <p:tgtEl>
+                                          <p:spTgt spid="3">
+                                            <p:txEl>
+                                              <p:pRg st="2" end="2"/>
+                                            </p:txEl>
+                                          </p:spTgt>
+                                        </p:tgtEl>
+                                        <p:attrNameLst>
+                                          <p:attrName>style.visibility</p:attrName>
+                                        </p:attrNameLst>
+                                      </p:cBhvr>
+                                      <p:to>
+                                        <p:strVal val="visible"/>
+                                      </p:to>
+                                    </p:set>
+                                  </p:childTnLst>
+                                </p:cTn>
+                              </p:par>
+                            </p:childTnLst>
+                          </p:cTn>
+                        </p:par>
+                      </p:childTnLst>
+                    </p:cTn>
+                  </p:par>
+                  <p:par>
+                    <p:cTn id="11" fill="hold">
+                      <p:stCondLst>
+                        <p:cond delay="indefinite"/>
+                      </p:stCondLst>
+                      <p:childTnLst>
+                        <p:par>
+                          <p:cTn id="12" fill="hold">
+                            <p:stCondLst>
+                              <p:cond delay="0"/>
+                            </p:stCondLst>
+                            <p:childTnLst>
+                              <p:par>
+                                <p:cTn id="13" presetID="1" presetClass="entr" presetSubtype="0" fill="hold" grpId="0" nodeType="clickEffect">
+                                  <p:stCondLst>
+                                    <p:cond delay="0"/>
+                                  </p:stCondLst>
+                                  <p:childTnLst>
+                                    <p:set>
+                                      <p:cBhvr>
+                                        <p:cTn id="14" dur="1" fill="hold">
+                                          <p:stCondLst>
+                                            <p:cond delay="0"/>
+                                          </p:stCondLst>
+                                        </p:cTn>
+                                        <p:tgtEl>
+                                          <p:spTgt spid="5"/>
+                                        </p:tgtEl>
+                                        <p:attrNameLst>
+                                          <p:attrName>style.visibility</p:attrName>
+                                        </p:attrNameLst>
+                                      </p:cBhvr>
+                                      <p:to>
+                                        <p:strVal val="visible"/>
+                                      </p:to>
+                                    </p:set>
+                                  </p:childTnLst>
+                                </p:cTn>
+                              </p:par>
+                              <p:par>
+                                <p:cTn id="15" presetID="1" presetClass="entr" presetSubtype="0" fill="hold" nodeType="withEffect">
+                                  <p:stCondLst>
+                                    <p:cond delay="0"/>
+                                  </p:stCondLst>
+                                  <p:childTnLst>
+                                    <p:set>
+                                      <p:cBhvr>
+                                        <p:cTn id="16" dur="1" fill="hold">
+                                          <p:stCondLst>
+                                            <p:cond delay="0"/>
+                                          </p:stCondLst>
+                                        </p:cTn>
+                                        <p:tgtEl>
+                                          <p:spTgt spid="44"/>
+                                        </p:tgtEl>
+                                        <p:attrNameLst>
+                                          <p:attrName>style.visibility</p:attrName>
+                                        </p:attrNameLst>
+                                      </p:cBhvr>
+                                      <p:to>
+                                        <p:strVal val="visible"/>
+                                      </p:to>
+                                    </p:set>
+                                  </p:childTnLst>
+                                </p:cTn>
+                              </p:par>
+                              <p:par>
+                                <p:cTn id="17" presetID="1" presetClass="entr" presetSubtype="0" fill="hold" nodeType="withEffect">
+                                  <p:stCondLst>
+                                    <p:cond delay="0"/>
+                                  </p:stCondLst>
+                                  <p:childTnLst>
+                                    <p:set>
+                                      <p:cBhvr>
+                                        <p:cTn id="18" dur="1" fill="hold">
+                                          <p:stCondLst>
+                                            <p:cond delay="0"/>
+                                          </p:stCondLst>
+                                        </p:cTn>
+                                        <p:tgtEl>
+                                          <p:spTgt spid="5">
+                                            <p:txEl>
+                                              <p:pRg st="0" end="0"/>
+                                            </p:txEl>
+                                          </p:spTgt>
+                                        </p:tgtEl>
+                                        <p:attrNameLst>
+                                          <p:attrName>style.visibility</p:attrName>
+                                        </p:attrNameLst>
+                                      </p:cBhvr>
+                                      <p:to>
+                                        <p:strVal val="visible"/>
+                                      </p:to>
+                                    </p:set>
+                                  </p:childTnLst>
+                                </p:cTn>
+                              </p:par>
+                              <p:par>
+                                <p:cTn id="19" presetID="1" presetClass="entr" presetSubtype="0" fill="hold" nodeType="withEffect">
+                                  <p:stCondLst>
+                                    <p:cond delay="0"/>
+                                  </p:stCondLst>
+                                  <p:childTnLst>
+                                    <p:set>
+                                      <p:cBhvr>
+                                        <p:cTn id="20" dur="1" fill="hold">
+                                          <p:stCondLst>
+                                            <p:cond delay="0"/>
+                                          </p:stCondLst>
+                                        </p:cTn>
+                                        <p:tgtEl>
+                                          <p:spTgt spid="5">
+                                            <p:txEl>
+                                              <p:pRg st="1" end="1"/>
+                                            </p:txEl>
+                                          </p:spTgt>
+                                        </p:tgtEl>
+                                        <p:attrNameLst>
+                                          <p:attrName>style.visibility</p:attrName>
+                                        </p:attrNameLst>
+                                      </p:cBhvr>
+                                      <p:to>
+                                        <p:strVal val="visible"/>
+                                      </p:to>
+                                    </p:set>
+                                  </p:childTnLst>
+                                </p:cTn>
+                              </p:par>
+                            </p:childTnLst>
+                          </p:cTn>
+                        </p:par>
+                      </p:childTnLst>
+                    </p:cTn>
+                  </p:par>
+                  <p:par>
+                    <p:cTn id="21" fill="hold">
+                      <p:stCondLst>
+                        <p:cond delay="indefinite"/>
+                      </p:stCondLst>
+                      <p:childTnLst>
+                        <p:par>
+                          <p:cTn id="22" fill="hold">
+                            <p:stCondLst>
+                              <p:cond delay="0"/>
+                            </p:stCondLst>
+                            <p:childTnLst>
+                              <p:par>
+                                <p:cTn id="23" presetID="1" presetClass="entr" presetSubtype="0" fill="hold" nodeType="clickEffect">
+                                  <p:stCondLst>
+                                    <p:cond delay="0"/>
+                                  </p:stCondLst>
+                                  <p:childTnLst>
+                                    <p:set>
+                                      <p:cBhvr>
+                                        <p:cTn id="24" dur="1" fill="hold">
+                                          <p:stCondLst>
+                                            <p:cond delay="0"/>
+                                          </p:stCondLst>
+                                        </p:cTn>
+                                        <p:tgtEl>
+                                          <p:spTgt spid="5">
+                                            <p:txEl>
+                                              <p:pRg st="2" end="2"/>
+                                            </p:txEl>
+                                          </p:spTgt>
+                                        </p:tgtEl>
+                                        <p:attrNameLst>
+                                          <p:attrName>style.visibility</p:attrName>
+                                        </p:attrNameLst>
+                                      </p:cBhvr>
+                                      <p:to>
+                                        <p:strVal val="visible"/>
+                                      </p:to>
+                                    </p:set>
+                                  </p:childTnLst>
+                                </p:cTn>
+                              </p:par>
+                              <p:par>
+                                <p:cTn id="25" presetID="1" presetClass="entr" presetSubtype="0" fill="hold" nodeType="withEffect">
+                                  <p:stCondLst>
+                                    <p:cond delay="0"/>
+                                  </p:stCondLst>
+                                  <p:childTnLst>
+                                    <p:set>
+                                      <p:cBhvr>
+                                        <p:cTn id="26" dur="1" fill="hold">
+                                          <p:stCondLst>
+                                            <p:cond delay="0"/>
+                                          </p:stCondLst>
+                                        </p:cTn>
+                                        <p:tgtEl>
+                                          <p:spTgt spid="5">
+                                            <p:txEl>
+                                              <p:pRg st="3" end="3"/>
+                                            </p:txEl>
+                                          </p:spTgt>
+                                        </p:tgtEl>
+                                        <p:attrNameLst>
+                                          <p:attrName>style.visibility</p:attrName>
+                                        </p:attrNameLst>
+                                      </p:cBhvr>
+                                      <p:to>
+                                        <p:strVal val="visible"/>
+                                      </p:to>
+                                    </p:set>
+                                  </p:childTnLst>
+                                </p:cTn>
+                              </p:par>
+                            </p:childTnLst>
+                          </p:cTn>
+                        </p:par>
+                      </p:childTnLst>
+                    </p:cTn>
+                  </p:par>
+                  <p:par>
+                    <p:cTn id="27" fill="hold">
+                      <p:stCondLst>
+                        <p:cond delay="indefinite"/>
+                      </p:stCondLst>
+                      <p:childTnLst>
+                        <p:par>
+                          <p:cTn id="28" fill="hold">
+                            <p:stCondLst>
+                              <p:cond delay="0"/>
+                            </p:stCondLst>
+                            <p:childTnLst>
+                              <p:par>
+                                <p:cTn id="29" presetID="1" presetClass="entr" presetSubtype="0" fill="hold" nodeType="clickEffect">
+                                  <p:stCondLst>
+                                    <p:cond delay="0"/>
+                                  </p:stCondLst>
+                                  <p:childTnLst>
+                                    <p:set>
+                                      <p:cBhvr>
+                                        <p:cTn id="30" dur="1" fill="hold">
+                                          <p:stCondLst>
+                                            <p:cond delay="0"/>
+                                          </p:stCondLst>
+                                        </p:cTn>
+                                        <p:tgtEl>
+                                          <p:spTgt spid="5">
+                                            <p:txEl>
+                                              <p:pRg st="4" end="4"/>
+                                            </p:txEl>
+                                          </p:spTgt>
+                                        </p:tgtEl>
+                                        <p:attrNameLst>
+                                          <p:attrName>style.visibility</p:attrName>
+                                        </p:attrNameLst>
+                                      </p:cBhvr>
+                                      <p:to>
+                                        <p:strVal val="visible"/>
+                                      </p:to>
+                                    </p:set>
+                                  </p:childTnLst>
+                                </p:cTn>
+                              </p:par>
+                            </p:childTnLst>
+                          </p:cTn>
+                        </p:par>
+                      </p:childTnLst>
+                    </p:cTn>
+                  </p:par>
+                  <p:par>
+                    <p:cTn id="31" fill="hold">
+                      <p:stCondLst>
+                        <p:cond delay="indefinite"/>
+                      </p:stCondLst>
+                      <p:childTnLst>
+                        <p:par>
+                          <p:cTn id="32" fill="hold">
+                            <p:stCondLst>
+                              <p:cond delay="0"/>
+                            </p:stCondLst>
+                            <p:childTnLst>
+                              <p:par>
+                                <p:cTn id="33" presetID="1" presetClass="entr" presetSubtype="0" fill="hold" nodeType="clickEffect">
+                                  <p:stCondLst>
+                                    <p:cond delay="0"/>
+                                  </p:stCondLst>
+                                  <p:childTnLst>
+                                    <p:set>
+                                      <p:cBhvr>
+                                        <p:cTn id="34" dur="1" fill="hold">
+                                          <p:stCondLst>
+                                            <p:cond delay="0"/>
+                                          </p:stCondLst>
+                                        </p:cTn>
+                                        <p:tgtEl>
+                                          <p:spTgt spid="5">
+                                            <p:txEl>
+                                              <p:pRg st="5" end="5"/>
+                                            </p:txEl>
+                                          </p:spTgt>
+                                        </p:tgtEl>
+                                        <p:attrNameLst>
+                                          <p:attrName>style.visibility</p:attrName>
+                                        </p:attrNameLst>
+                                      </p:cBhvr>
+                                      <p:to>
+                                        <p:strVal val="visible"/>
+                                      </p:to>
+                                    </p:set>
+                                  </p:childTnLst>
+                                </p:cTn>
+                              </p:par>
+                              <p:par>
+                                <p:cTn id="35" presetID="1" presetClass="entr" presetSubtype="0" fill="hold" nodeType="withEffect">
+                                  <p:stCondLst>
+                                    <p:cond delay="0"/>
+                                  </p:stCondLst>
+                                  <p:childTnLst>
+                                    <p:set>
+                                      <p:cBhvr>
+                                        <p:cTn id="36" dur="1" fill="hold">
+                                          <p:stCondLst>
+                                            <p:cond delay="0"/>
+                                          </p:stCondLst>
+                                        </p:cTn>
+                                        <p:tgtEl>
+                                          <p:spTgt spid="5">
+                                            <p:txEl>
+                                              <p:pRg st="6" end="6"/>
+                                            </p:txEl>
+                                          </p:spTgt>
+                                        </p:tgtEl>
+                                        <p:attrNameLst>
+                                          <p:attrName>style.visibility</p:attrName>
+                                        </p:attrNameLst>
+                                      </p:cBhvr>
+                                      <p:to>
+                                        <p:strVal val="visible"/>
+                                      </p:to>
+                                    </p:set>
+                                  </p:childTnLst>
+                                </p:cTn>
+                              </p:par>
+                            </p:childTnLst>
+                          </p:cTn>
+                        </p:par>
+                      </p:childTnLst>
+                    </p:cTn>
+                  </p:par>
+                </p:childTnLst>
+              </p:cTn>
+              <p:prevCondLst>
+                <p:cond evt="onPrev" delay="0">
+                  <p:tgtEl>
+                    <p:sldTgt/>
+                  </p:tgtEl>
+                </p:cond>
+              </p:prevCondLst>
+              <p:nextCondLst>
+                <p:cond evt="onNext" delay="0">
+                  <p:tgtEl>
+                    <p:sldTgt/>
+                  </p:tgtEl>
+                </p:cond>
+              </p:nextCondLst>
+            </p:seq>
+          </p:childTnLst>
+        </p:cTn>
+      </p:par>
+    </p:tnLst>
+    <p:bldLst>
+      <p:bldP spid="5" grpId="0" animBg="1"/>
+    </p:bldLst>
+  </p:timing>
 </p:sld>
 </file>
 
@@ -10849,6 +13795,498 @@
   <p:clrMapOvr>
     <a:masterClrMapping/>
   </p:clrMapOvr>
+  <p:timing>
+    <p:tnLst>
+      <p:par>
+        <p:cTn id="1" dur="indefinite" restart="never" nodeType="tmRoot">
+          <p:childTnLst>
+            <p:seq concurrent="1" nextAc="seek">
+              <p:cTn id="2" dur="indefinite" nodeType="mainSeq">
+                <p:childTnLst>
+                  <p:par>
+                    <p:cTn id="3" fill="hold">
+                      <p:stCondLst>
+                        <p:cond delay="indefinite"/>
+                        <p:cond evt="onBegin" delay="0">
+                          <p:tn val="2"/>
+                        </p:cond>
+                      </p:stCondLst>
+                      <p:childTnLst>
+                        <p:par>
+                          <p:cTn id="4" fill="hold">
+                            <p:stCondLst>
+                              <p:cond delay="0"/>
+                            </p:stCondLst>
+                            <p:childTnLst>
+                              <p:par>
+                                <p:cTn id="5" presetID="1" presetClass="entr" presetSubtype="0" fill="hold" grpId="0" nodeType="withEffect">
+                                  <p:stCondLst>
+                                    <p:cond delay="0"/>
+                                  </p:stCondLst>
+                                  <p:childTnLst>
+                                    <p:set>
+                                      <p:cBhvr>
+                                        <p:cTn id="6" dur="1" fill="hold">
+                                          <p:stCondLst>
+                                            <p:cond delay="0"/>
+                                          </p:stCondLst>
+                                        </p:cTn>
+                                        <p:tgtEl>
+                                          <p:spTgt spid="5"/>
+                                        </p:tgtEl>
+                                        <p:attrNameLst>
+                                          <p:attrName>style.visibility</p:attrName>
+                                        </p:attrNameLst>
+                                      </p:cBhvr>
+                                      <p:to>
+                                        <p:strVal val="visible"/>
+                                      </p:to>
+                                    </p:set>
+                                  </p:childTnLst>
+                                </p:cTn>
+                              </p:par>
+                              <p:par>
+                                <p:cTn id="7" presetID="1" presetClass="entr" presetSubtype="0" fill="hold" nodeType="withEffect">
+                                  <p:stCondLst>
+                                    <p:cond delay="0"/>
+                                  </p:stCondLst>
+                                  <p:childTnLst>
+                                    <p:set>
+                                      <p:cBhvr>
+                                        <p:cTn id="8" dur="1" fill="hold">
+                                          <p:stCondLst>
+                                            <p:cond delay="0"/>
+                                          </p:stCondLst>
+                                        </p:cTn>
+                                        <p:tgtEl>
+                                          <p:spTgt spid="44"/>
+                                        </p:tgtEl>
+                                        <p:attrNameLst>
+                                          <p:attrName>style.visibility</p:attrName>
+                                        </p:attrNameLst>
+                                      </p:cBhvr>
+                                      <p:to>
+                                        <p:strVal val="visible"/>
+                                      </p:to>
+                                    </p:set>
+                                  </p:childTnLst>
+                                </p:cTn>
+                              </p:par>
+                              <p:par>
+                                <p:cTn id="9" presetID="1" presetClass="entr" presetSubtype="0" fill="hold" nodeType="withEffect">
+                                  <p:stCondLst>
+                                    <p:cond delay="0"/>
+                                  </p:stCondLst>
+                                  <p:childTnLst>
+                                    <p:set>
+                                      <p:cBhvr>
+                                        <p:cTn id="10" dur="1" fill="hold">
+                                          <p:stCondLst>
+                                            <p:cond delay="0"/>
+                                          </p:stCondLst>
+                                        </p:cTn>
+                                        <p:tgtEl>
+                                          <p:spTgt spid="5">
+                                            <p:txEl>
+                                              <p:pRg st="0" end="0"/>
+                                            </p:txEl>
+                                          </p:spTgt>
+                                        </p:tgtEl>
+                                        <p:attrNameLst>
+                                          <p:attrName>style.visibility</p:attrName>
+                                        </p:attrNameLst>
+                                      </p:cBhvr>
+                                      <p:to>
+                                        <p:strVal val="visible"/>
+                                      </p:to>
+                                    </p:set>
+                                  </p:childTnLst>
+                                </p:cTn>
+                              </p:par>
+                            </p:childTnLst>
+                          </p:cTn>
+                        </p:par>
+                      </p:childTnLst>
+                    </p:cTn>
+                  </p:par>
+                  <p:par>
+                    <p:cTn id="11" fill="hold">
+                      <p:stCondLst>
+                        <p:cond delay="indefinite"/>
+                      </p:stCondLst>
+                      <p:childTnLst>
+                        <p:par>
+                          <p:cTn id="12" fill="hold">
+                            <p:stCondLst>
+                              <p:cond delay="0"/>
+                            </p:stCondLst>
+                            <p:childTnLst>
+                              <p:par>
+                                <p:cTn id="13" presetID="1" presetClass="entr" presetSubtype="0" fill="hold" nodeType="clickEffect">
+                                  <p:stCondLst>
+                                    <p:cond delay="0"/>
+                                  </p:stCondLst>
+                                  <p:childTnLst>
+                                    <p:set>
+                                      <p:cBhvr>
+                                        <p:cTn id="14" dur="1" fill="hold">
+                                          <p:stCondLst>
+                                            <p:cond delay="0"/>
+                                          </p:stCondLst>
+                                        </p:cTn>
+                                        <p:tgtEl>
+                                          <p:spTgt spid="5">
+                                            <p:txEl>
+                                              <p:pRg st="1" end="1"/>
+                                            </p:txEl>
+                                          </p:spTgt>
+                                        </p:tgtEl>
+                                        <p:attrNameLst>
+                                          <p:attrName>style.visibility</p:attrName>
+                                        </p:attrNameLst>
+                                      </p:cBhvr>
+                                      <p:to>
+                                        <p:strVal val="visible"/>
+                                      </p:to>
+                                    </p:set>
+                                  </p:childTnLst>
+                                </p:cTn>
+                              </p:par>
+                            </p:childTnLst>
+                          </p:cTn>
+                        </p:par>
+                      </p:childTnLst>
+                    </p:cTn>
+                  </p:par>
+                  <p:par>
+                    <p:cTn id="15" fill="hold">
+                      <p:stCondLst>
+                        <p:cond delay="indefinite"/>
+                      </p:stCondLst>
+                      <p:childTnLst>
+                        <p:par>
+                          <p:cTn id="16" fill="hold">
+                            <p:stCondLst>
+                              <p:cond delay="0"/>
+                            </p:stCondLst>
+                            <p:childTnLst>
+                              <p:par>
+                                <p:cTn id="17" presetID="1" presetClass="entr" presetSubtype="0" fill="hold" nodeType="clickEffect">
+                                  <p:stCondLst>
+                                    <p:cond delay="0"/>
+                                  </p:stCondLst>
+                                  <p:childTnLst>
+                                    <p:set>
+                                      <p:cBhvr>
+                                        <p:cTn id="18" dur="1" fill="hold">
+                                          <p:stCondLst>
+                                            <p:cond delay="0"/>
+                                          </p:stCondLst>
+                                        </p:cTn>
+                                        <p:tgtEl>
+                                          <p:spTgt spid="5">
+                                            <p:txEl>
+                                              <p:pRg st="2" end="2"/>
+                                            </p:txEl>
+                                          </p:spTgt>
+                                        </p:tgtEl>
+                                        <p:attrNameLst>
+                                          <p:attrName>style.visibility</p:attrName>
+                                        </p:attrNameLst>
+                                      </p:cBhvr>
+                                      <p:to>
+                                        <p:strVal val="visible"/>
+                                      </p:to>
+                                    </p:set>
+                                  </p:childTnLst>
+                                </p:cTn>
+                              </p:par>
+                            </p:childTnLst>
+                          </p:cTn>
+                        </p:par>
+                      </p:childTnLst>
+                    </p:cTn>
+                  </p:par>
+                  <p:par>
+                    <p:cTn id="19" fill="hold">
+                      <p:stCondLst>
+                        <p:cond delay="indefinite"/>
+                      </p:stCondLst>
+                      <p:childTnLst>
+                        <p:par>
+                          <p:cTn id="20" fill="hold">
+                            <p:stCondLst>
+                              <p:cond delay="0"/>
+                            </p:stCondLst>
+                            <p:childTnLst>
+                              <p:par>
+                                <p:cTn id="21" presetID="1" presetClass="entr" presetSubtype="0" fill="hold" nodeType="clickEffect">
+                                  <p:stCondLst>
+                                    <p:cond delay="0"/>
+                                  </p:stCondLst>
+                                  <p:childTnLst>
+                                    <p:set>
+                                      <p:cBhvr>
+                                        <p:cTn id="22" dur="1" fill="hold">
+                                          <p:stCondLst>
+                                            <p:cond delay="0"/>
+                                          </p:stCondLst>
+                                        </p:cTn>
+                                        <p:tgtEl>
+                                          <p:spTgt spid="5">
+                                            <p:txEl>
+                                              <p:pRg st="3" end="3"/>
+                                            </p:txEl>
+                                          </p:spTgt>
+                                        </p:tgtEl>
+                                        <p:attrNameLst>
+                                          <p:attrName>style.visibility</p:attrName>
+                                        </p:attrNameLst>
+                                      </p:cBhvr>
+                                      <p:to>
+                                        <p:strVal val="visible"/>
+                                      </p:to>
+                                    </p:set>
+                                  </p:childTnLst>
+                                </p:cTn>
+                              </p:par>
+                            </p:childTnLst>
+                          </p:cTn>
+                        </p:par>
+                      </p:childTnLst>
+                    </p:cTn>
+                  </p:par>
+                  <p:par>
+                    <p:cTn id="23" fill="hold">
+                      <p:stCondLst>
+                        <p:cond delay="indefinite"/>
+                      </p:stCondLst>
+                      <p:childTnLst>
+                        <p:par>
+                          <p:cTn id="24" fill="hold">
+                            <p:stCondLst>
+                              <p:cond delay="0"/>
+                            </p:stCondLst>
+                            <p:childTnLst>
+                              <p:par>
+                                <p:cTn id="25" presetID="1" presetClass="entr" presetSubtype="0" fill="hold" nodeType="clickEffect">
+                                  <p:stCondLst>
+                                    <p:cond delay="0"/>
+                                  </p:stCondLst>
+                                  <p:childTnLst>
+                                    <p:set>
+                                      <p:cBhvr>
+                                        <p:cTn id="26" dur="1" fill="hold">
+                                          <p:stCondLst>
+                                            <p:cond delay="0"/>
+                                          </p:stCondLst>
+                                        </p:cTn>
+                                        <p:tgtEl>
+                                          <p:spTgt spid="5">
+                                            <p:txEl>
+                                              <p:pRg st="4" end="4"/>
+                                            </p:txEl>
+                                          </p:spTgt>
+                                        </p:tgtEl>
+                                        <p:attrNameLst>
+                                          <p:attrName>style.visibility</p:attrName>
+                                        </p:attrNameLst>
+                                      </p:cBhvr>
+                                      <p:to>
+                                        <p:strVal val="visible"/>
+                                      </p:to>
+                                    </p:set>
+                                  </p:childTnLst>
+                                </p:cTn>
+                              </p:par>
+                              <p:par>
+                                <p:cTn id="27" presetID="1" presetClass="entr" presetSubtype="0" fill="hold" nodeType="withEffect">
+                                  <p:stCondLst>
+                                    <p:cond delay="0"/>
+                                  </p:stCondLst>
+                                  <p:childTnLst>
+                                    <p:set>
+                                      <p:cBhvr>
+                                        <p:cTn id="28" dur="1" fill="hold">
+                                          <p:stCondLst>
+                                            <p:cond delay="0"/>
+                                          </p:stCondLst>
+                                        </p:cTn>
+                                        <p:tgtEl>
+                                          <p:spTgt spid="5">
+                                            <p:txEl>
+                                              <p:pRg st="5" end="5"/>
+                                            </p:txEl>
+                                          </p:spTgt>
+                                        </p:tgtEl>
+                                        <p:attrNameLst>
+                                          <p:attrName>style.visibility</p:attrName>
+                                        </p:attrNameLst>
+                                      </p:cBhvr>
+                                      <p:to>
+                                        <p:strVal val="visible"/>
+                                      </p:to>
+                                    </p:set>
+                                  </p:childTnLst>
+                                </p:cTn>
+                              </p:par>
+                            </p:childTnLst>
+                          </p:cTn>
+                        </p:par>
+                      </p:childTnLst>
+                    </p:cTn>
+                  </p:par>
+                  <p:par>
+                    <p:cTn id="29" fill="hold">
+                      <p:stCondLst>
+                        <p:cond delay="indefinite"/>
+                      </p:stCondLst>
+                      <p:childTnLst>
+                        <p:par>
+                          <p:cTn id="30" fill="hold">
+                            <p:stCondLst>
+                              <p:cond delay="0"/>
+                            </p:stCondLst>
+                            <p:childTnLst>
+                              <p:par>
+                                <p:cTn id="31" presetID="1" presetClass="entr" presetSubtype="0" fill="hold" nodeType="clickEffect">
+                                  <p:stCondLst>
+                                    <p:cond delay="0"/>
+                                  </p:stCondLst>
+                                  <p:childTnLst>
+                                    <p:set>
+                                      <p:cBhvr>
+                                        <p:cTn id="32" dur="1" fill="hold">
+                                          <p:stCondLst>
+                                            <p:cond delay="0"/>
+                                          </p:stCondLst>
+                                        </p:cTn>
+                                        <p:tgtEl>
+                                          <p:spTgt spid="5">
+                                            <p:txEl>
+                                              <p:pRg st="6" end="6"/>
+                                            </p:txEl>
+                                          </p:spTgt>
+                                        </p:tgtEl>
+                                        <p:attrNameLst>
+                                          <p:attrName>style.visibility</p:attrName>
+                                        </p:attrNameLst>
+                                      </p:cBhvr>
+                                      <p:to>
+                                        <p:strVal val="visible"/>
+                                      </p:to>
+                                    </p:set>
+                                  </p:childTnLst>
+                                </p:cTn>
+                              </p:par>
+                              <p:par>
+                                <p:cTn id="33" presetID="1" presetClass="entr" presetSubtype="0" fill="hold" nodeType="withEffect">
+                                  <p:stCondLst>
+                                    <p:cond delay="0"/>
+                                  </p:stCondLst>
+                                  <p:childTnLst>
+                                    <p:set>
+                                      <p:cBhvr>
+                                        <p:cTn id="34" dur="1" fill="hold">
+                                          <p:stCondLst>
+                                            <p:cond delay="0"/>
+                                          </p:stCondLst>
+                                        </p:cTn>
+                                        <p:tgtEl>
+                                          <p:spTgt spid="5">
+                                            <p:txEl>
+                                              <p:pRg st="7" end="7"/>
+                                            </p:txEl>
+                                          </p:spTgt>
+                                        </p:tgtEl>
+                                        <p:attrNameLst>
+                                          <p:attrName>style.visibility</p:attrName>
+                                        </p:attrNameLst>
+                                      </p:cBhvr>
+                                      <p:to>
+                                        <p:strVal val="visible"/>
+                                      </p:to>
+                                    </p:set>
+                                  </p:childTnLst>
+                                </p:cTn>
+                              </p:par>
+                            </p:childTnLst>
+                          </p:cTn>
+                        </p:par>
+                      </p:childTnLst>
+                    </p:cTn>
+                  </p:par>
+                  <p:par>
+                    <p:cTn id="35" fill="hold">
+                      <p:stCondLst>
+                        <p:cond delay="indefinite"/>
+                      </p:stCondLst>
+                      <p:childTnLst>
+                        <p:par>
+                          <p:cTn id="36" fill="hold">
+                            <p:stCondLst>
+                              <p:cond delay="0"/>
+                            </p:stCondLst>
+                            <p:childTnLst>
+                              <p:par>
+                                <p:cTn id="37" presetID="1" presetClass="entr" presetSubtype="0" fill="hold" grpId="0" nodeType="clickEffect">
+                                  <p:stCondLst>
+                                    <p:cond delay="0"/>
+                                  </p:stCondLst>
+                                  <p:childTnLst>
+                                    <p:set>
+                                      <p:cBhvr>
+                                        <p:cTn id="38" dur="1" fill="hold">
+                                          <p:stCondLst>
+                                            <p:cond delay="0"/>
+                                          </p:stCondLst>
+                                        </p:cTn>
+                                        <p:tgtEl>
+                                          <p:spTgt spid="8"/>
+                                        </p:tgtEl>
+                                        <p:attrNameLst>
+                                          <p:attrName>style.visibility</p:attrName>
+                                        </p:attrNameLst>
+                                      </p:cBhvr>
+                                      <p:to>
+                                        <p:strVal val="visible"/>
+                                      </p:to>
+                                    </p:set>
+                                  </p:childTnLst>
+                                </p:cTn>
+                              </p:par>
+                            </p:childTnLst>
+                          </p:cTn>
+                        </p:par>
+                      </p:childTnLst>
+                    </p:cTn>
+                  </p:par>
+                </p:childTnLst>
+              </p:cTn>
+              <p:prevCondLst>
+                <p:cond evt="onPrev" delay="0">
+                  <p:tgtEl>
+                    <p:sldTgt/>
+                  </p:tgtEl>
+                </p:cond>
+              </p:prevCondLst>
+              <p:nextCondLst>
+                <p:cond evt="onNext" delay="0">
+                  <p:tgtEl>
+                    <p:sldTgt/>
+                  </p:tgtEl>
+                </p:cond>
+              </p:nextCondLst>
+            </p:seq>
+          </p:childTnLst>
+        </p:cTn>
+      </p:par>
+    </p:tnLst>
+    <p:bldLst>
+      <p:bldP spid="5" grpId="0" animBg="1"/>
+      <p:bldP spid="8" grpId="0"/>
+    </p:bldLst>
+  </p:timing>
 </p:sld>
 </file>
 
@@ -11140,6 +14578,88 @@
   <p:clrMapOvr>
     <a:masterClrMapping/>
   </p:clrMapOvr>
+  <p:timing>
+    <p:tnLst>
+      <p:par>
+        <p:cTn id="1" dur="indefinite" restart="never" nodeType="tmRoot">
+          <p:childTnLst>
+            <p:seq concurrent="1" nextAc="seek">
+              <p:cTn id="2" dur="indefinite" nodeType="mainSeq">
+                <p:childTnLst>
+                  <p:par>
+                    <p:cTn id="3" fill="hold">
+                      <p:stCondLst>
+                        <p:cond delay="indefinite"/>
+                      </p:stCondLst>
+                      <p:childTnLst>
+                        <p:par>
+                          <p:cTn id="4" fill="hold">
+                            <p:stCondLst>
+                              <p:cond delay="0"/>
+                            </p:stCondLst>
+                            <p:childTnLst>
+                              <p:par>
+                                <p:cTn id="5" presetID="1" presetClass="entr" presetSubtype="0" fill="hold" grpId="0" nodeType="clickEffect">
+                                  <p:stCondLst>
+                                    <p:cond delay="0"/>
+                                  </p:stCondLst>
+                                  <p:childTnLst>
+                                    <p:set>
+                                      <p:cBhvr>
+                                        <p:cTn id="6" dur="1" fill="hold">
+                                          <p:stCondLst>
+                                            <p:cond delay="0"/>
+                                          </p:stCondLst>
+                                        </p:cTn>
+                                        <p:tgtEl>
+                                          <p:spTgt spid="3">
+                                            <p:txEl>
+                                              <p:pRg st="0" end="0"/>
+                                            </p:txEl>
+                                          </p:spTgt>
+                                        </p:tgtEl>
+                                        <p:attrNameLst>
+                                          <p:attrName>style.visibility</p:attrName>
+                                        </p:attrNameLst>
+                                      </p:cBhvr>
+                                      <p:to>
+                                        <p:strVal val="visible"/>
+                                      </p:to>
+                                    </p:set>
+                                  </p:childTnLst>
+                                </p:cTn>
+                              </p:par>
+                            </p:childTnLst>
+                          </p:cTn>
+                        </p:par>
+                      </p:childTnLst>
+                    </p:cTn>
+                  </p:par>
+                </p:childTnLst>
+              </p:cTn>
+              <p:prevCondLst>
+                <p:cond evt="onPrev" delay="0">
+                  <p:tgtEl>
+                    <p:sldTgt/>
+                  </p:tgtEl>
+                </p:cond>
+              </p:prevCondLst>
+              <p:nextCondLst>
+                <p:cond evt="onNext" delay="0">
+                  <p:tgtEl>
+                    <p:sldTgt/>
+                  </p:tgtEl>
+                </p:cond>
+              </p:nextCondLst>
+            </p:seq>
+          </p:childTnLst>
+        </p:cTn>
+      </p:par>
+    </p:tnLst>
+    <p:bldLst>
+      <p:bldP spid="3" grpId="0" build="p"/>
+    </p:bldLst>
+  </p:timing>
 </p:sld>
 </file>
 
@@ -12041,6 +15561,466 @@
     <a:masterClrMapping/>
   </p:clrMapOvr>
   <p:transition/>
+  <p:timing>
+    <p:tnLst>
+      <p:par>
+        <p:cTn id="1" dur="indefinite" restart="never" nodeType="tmRoot">
+          <p:childTnLst>
+            <p:seq concurrent="1" nextAc="seek">
+              <p:cTn id="2" dur="indefinite" nodeType="mainSeq">
+                <p:childTnLst>
+                  <p:par>
+                    <p:cTn id="3" fill="hold">
+                      <p:stCondLst>
+                        <p:cond delay="indefinite"/>
+                      </p:stCondLst>
+                      <p:childTnLst>
+                        <p:par>
+                          <p:cTn id="4" fill="hold">
+                            <p:stCondLst>
+                              <p:cond delay="0"/>
+                            </p:stCondLst>
+                            <p:childTnLst>
+                              <p:par>
+                                <p:cTn id="5" presetID="1" presetClass="entr" presetSubtype="0" fill="hold" nodeType="clickEffect">
+                                  <p:stCondLst>
+                                    <p:cond delay="0"/>
+                                  </p:stCondLst>
+                                  <p:childTnLst>
+                                    <p:set>
+                                      <p:cBhvr>
+                                        <p:cTn id="6" dur="1" fill="hold">
+                                          <p:stCondLst>
+                                            <p:cond delay="0"/>
+                                          </p:stCondLst>
+                                        </p:cTn>
+                                        <p:tgtEl>
+                                          <p:spTgt spid="463875">
+                                            <p:txEl>
+                                              <p:pRg st="1" end="1"/>
+                                            </p:txEl>
+                                          </p:spTgt>
+                                        </p:tgtEl>
+                                        <p:attrNameLst>
+                                          <p:attrName>style.visibility</p:attrName>
+                                        </p:attrNameLst>
+                                      </p:cBhvr>
+                                      <p:to>
+                                        <p:strVal val="visible"/>
+                                      </p:to>
+                                    </p:set>
+                                  </p:childTnLst>
+                                </p:cTn>
+                              </p:par>
+                            </p:childTnLst>
+                          </p:cTn>
+                        </p:par>
+                      </p:childTnLst>
+                    </p:cTn>
+                  </p:par>
+                  <p:par>
+                    <p:cTn id="7" fill="hold">
+                      <p:stCondLst>
+                        <p:cond delay="indefinite"/>
+                      </p:stCondLst>
+                      <p:childTnLst>
+                        <p:par>
+                          <p:cTn id="8" fill="hold">
+                            <p:stCondLst>
+                              <p:cond delay="0"/>
+                            </p:stCondLst>
+                            <p:childTnLst>
+                              <p:par>
+                                <p:cTn id="9" presetID="1" presetClass="entr" presetSubtype="0" fill="hold" grpId="0" nodeType="clickEffect">
+                                  <p:stCondLst>
+                                    <p:cond delay="0"/>
+                                  </p:stCondLst>
+                                  <p:childTnLst>
+                                    <p:set>
+                                      <p:cBhvr>
+                                        <p:cTn id="10" dur="1" fill="hold">
+                                          <p:stCondLst>
+                                            <p:cond delay="0"/>
+                                          </p:stCondLst>
+                                        </p:cTn>
+                                        <p:tgtEl>
+                                          <p:spTgt spid="463876"/>
+                                        </p:tgtEl>
+                                        <p:attrNameLst>
+                                          <p:attrName>style.visibility</p:attrName>
+                                        </p:attrNameLst>
+                                      </p:cBhvr>
+                                      <p:to>
+                                        <p:strVal val="visible"/>
+                                      </p:to>
+                                    </p:set>
+                                  </p:childTnLst>
+                                </p:cTn>
+                              </p:par>
+                              <p:par>
+                                <p:cTn id="11" presetID="1" presetClass="entr" presetSubtype="0" fill="hold" nodeType="withEffect">
+                                  <p:stCondLst>
+                                    <p:cond delay="0"/>
+                                  </p:stCondLst>
+                                  <p:childTnLst>
+                                    <p:set>
+                                      <p:cBhvr>
+                                        <p:cTn id="12" dur="1" fill="hold">
+                                          <p:stCondLst>
+                                            <p:cond delay="0"/>
+                                          </p:stCondLst>
+                                        </p:cTn>
+                                        <p:tgtEl>
+                                          <p:spTgt spid="463876">
+                                            <p:txEl>
+                                              <p:pRg st="0" end="0"/>
+                                            </p:txEl>
+                                          </p:spTgt>
+                                        </p:tgtEl>
+                                        <p:attrNameLst>
+                                          <p:attrName>style.visibility</p:attrName>
+                                        </p:attrNameLst>
+                                      </p:cBhvr>
+                                      <p:to>
+                                        <p:strVal val="visible"/>
+                                      </p:to>
+                                    </p:set>
+                                  </p:childTnLst>
+                                </p:cTn>
+                              </p:par>
+                            </p:childTnLst>
+                          </p:cTn>
+                        </p:par>
+                      </p:childTnLst>
+                    </p:cTn>
+                  </p:par>
+                  <p:par>
+                    <p:cTn id="13" fill="hold">
+                      <p:stCondLst>
+                        <p:cond delay="indefinite"/>
+                      </p:stCondLst>
+                      <p:childTnLst>
+                        <p:par>
+                          <p:cTn id="14" fill="hold">
+                            <p:stCondLst>
+                              <p:cond delay="0"/>
+                            </p:stCondLst>
+                            <p:childTnLst>
+                              <p:par>
+                                <p:cTn id="15" presetID="1" presetClass="entr" presetSubtype="0" fill="hold" nodeType="clickEffect">
+                                  <p:stCondLst>
+                                    <p:cond delay="0"/>
+                                  </p:stCondLst>
+                                  <p:childTnLst>
+                                    <p:set>
+                                      <p:cBhvr>
+                                        <p:cTn id="16" dur="1" fill="hold">
+                                          <p:stCondLst>
+                                            <p:cond delay="0"/>
+                                          </p:stCondLst>
+                                        </p:cTn>
+                                        <p:tgtEl>
+                                          <p:spTgt spid="463876">
+                                            <p:txEl>
+                                              <p:pRg st="1" end="1"/>
+                                            </p:txEl>
+                                          </p:spTgt>
+                                        </p:tgtEl>
+                                        <p:attrNameLst>
+                                          <p:attrName>style.visibility</p:attrName>
+                                        </p:attrNameLst>
+                                      </p:cBhvr>
+                                      <p:to>
+                                        <p:strVal val="visible"/>
+                                      </p:to>
+                                    </p:set>
+                                  </p:childTnLst>
+                                </p:cTn>
+                              </p:par>
+                              <p:par>
+                                <p:cTn id="17" presetID="1" presetClass="entr" presetSubtype="0" fill="hold" nodeType="withEffect">
+                                  <p:stCondLst>
+                                    <p:cond delay="0"/>
+                                  </p:stCondLst>
+                                  <p:childTnLst>
+                                    <p:set>
+                                      <p:cBhvr>
+                                        <p:cTn id="18" dur="1" fill="hold">
+                                          <p:stCondLst>
+                                            <p:cond delay="0"/>
+                                          </p:stCondLst>
+                                        </p:cTn>
+                                        <p:tgtEl>
+                                          <p:spTgt spid="463876">
+                                            <p:txEl>
+                                              <p:pRg st="2" end="2"/>
+                                            </p:txEl>
+                                          </p:spTgt>
+                                        </p:tgtEl>
+                                        <p:attrNameLst>
+                                          <p:attrName>style.visibility</p:attrName>
+                                        </p:attrNameLst>
+                                      </p:cBhvr>
+                                      <p:to>
+                                        <p:strVal val="visible"/>
+                                      </p:to>
+                                    </p:set>
+                                  </p:childTnLst>
+                                </p:cTn>
+                              </p:par>
+                              <p:par>
+                                <p:cTn id="19" presetID="1" presetClass="entr" presetSubtype="0" fill="hold" nodeType="withEffect">
+                                  <p:stCondLst>
+                                    <p:cond delay="0"/>
+                                  </p:stCondLst>
+                                  <p:childTnLst>
+                                    <p:set>
+                                      <p:cBhvr>
+                                        <p:cTn id="20" dur="1" fill="hold">
+                                          <p:stCondLst>
+                                            <p:cond delay="0"/>
+                                          </p:stCondLst>
+                                        </p:cTn>
+                                        <p:tgtEl>
+                                          <p:spTgt spid="463876">
+                                            <p:txEl>
+                                              <p:pRg st="8" end="8"/>
+                                            </p:txEl>
+                                          </p:spTgt>
+                                        </p:tgtEl>
+                                        <p:attrNameLst>
+                                          <p:attrName>style.visibility</p:attrName>
+                                        </p:attrNameLst>
+                                      </p:cBhvr>
+                                      <p:to>
+                                        <p:strVal val="visible"/>
+                                      </p:to>
+                                    </p:set>
+                                  </p:childTnLst>
+                                </p:cTn>
+                              </p:par>
+                            </p:childTnLst>
+                          </p:cTn>
+                        </p:par>
+                      </p:childTnLst>
+                    </p:cTn>
+                  </p:par>
+                  <p:par>
+                    <p:cTn id="21" fill="hold">
+                      <p:stCondLst>
+                        <p:cond delay="indefinite"/>
+                      </p:stCondLst>
+                      <p:childTnLst>
+                        <p:par>
+                          <p:cTn id="22" fill="hold">
+                            <p:stCondLst>
+                              <p:cond delay="0"/>
+                            </p:stCondLst>
+                            <p:childTnLst>
+                              <p:par>
+                                <p:cTn id="23" presetID="1" presetClass="entr" presetSubtype="0" fill="hold" nodeType="clickEffect">
+                                  <p:stCondLst>
+                                    <p:cond delay="0"/>
+                                  </p:stCondLst>
+                                  <p:childTnLst>
+                                    <p:set>
+                                      <p:cBhvr>
+                                        <p:cTn id="24" dur="1" fill="hold">
+                                          <p:stCondLst>
+                                            <p:cond delay="0"/>
+                                          </p:stCondLst>
+                                        </p:cTn>
+                                        <p:tgtEl>
+                                          <p:spTgt spid="463876">
+                                            <p:txEl>
+                                              <p:pRg st="3" end="3"/>
+                                            </p:txEl>
+                                          </p:spTgt>
+                                        </p:tgtEl>
+                                        <p:attrNameLst>
+                                          <p:attrName>style.visibility</p:attrName>
+                                        </p:attrNameLst>
+                                      </p:cBhvr>
+                                      <p:to>
+                                        <p:strVal val="visible"/>
+                                      </p:to>
+                                    </p:set>
+                                  </p:childTnLst>
+                                </p:cTn>
+                              </p:par>
+                              <p:par>
+                                <p:cTn id="25" presetID="1" presetClass="entr" presetSubtype="0" fill="hold" nodeType="withEffect">
+                                  <p:stCondLst>
+                                    <p:cond delay="0"/>
+                                  </p:stCondLst>
+                                  <p:childTnLst>
+                                    <p:set>
+                                      <p:cBhvr>
+                                        <p:cTn id="26" dur="1" fill="hold">
+                                          <p:stCondLst>
+                                            <p:cond delay="0"/>
+                                          </p:stCondLst>
+                                        </p:cTn>
+                                        <p:tgtEl>
+                                          <p:spTgt spid="463876">
+                                            <p:txEl>
+                                              <p:pRg st="4" end="4"/>
+                                            </p:txEl>
+                                          </p:spTgt>
+                                        </p:tgtEl>
+                                        <p:attrNameLst>
+                                          <p:attrName>style.visibility</p:attrName>
+                                        </p:attrNameLst>
+                                      </p:cBhvr>
+                                      <p:to>
+                                        <p:strVal val="visible"/>
+                                      </p:to>
+                                    </p:set>
+                                  </p:childTnLst>
+                                </p:cTn>
+                              </p:par>
+                              <p:par>
+                                <p:cTn id="27" presetID="1" presetClass="entr" presetSubtype="0" fill="hold" nodeType="withEffect">
+                                  <p:stCondLst>
+                                    <p:cond delay="0"/>
+                                  </p:stCondLst>
+                                  <p:childTnLst>
+                                    <p:set>
+                                      <p:cBhvr>
+                                        <p:cTn id="28" dur="1" fill="hold">
+                                          <p:stCondLst>
+                                            <p:cond delay="0"/>
+                                          </p:stCondLst>
+                                        </p:cTn>
+                                        <p:tgtEl>
+                                          <p:spTgt spid="463876">
+                                            <p:txEl>
+                                              <p:pRg st="5" end="5"/>
+                                            </p:txEl>
+                                          </p:spTgt>
+                                        </p:tgtEl>
+                                        <p:attrNameLst>
+                                          <p:attrName>style.visibility</p:attrName>
+                                        </p:attrNameLst>
+                                      </p:cBhvr>
+                                      <p:to>
+                                        <p:strVal val="visible"/>
+                                      </p:to>
+                                    </p:set>
+                                  </p:childTnLst>
+                                </p:cTn>
+                              </p:par>
+                              <p:par>
+                                <p:cTn id="29" presetID="1" presetClass="entr" presetSubtype="0" fill="hold" nodeType="withEffect">
+                                  <p:stCondLst>
+                                    <p:cond delay="0"/>
+                                  </p:stCondLst>
+                                  <p:childTnLst>
+                                    <p:set>
+                                      <p:cBhvr>
+                                        <p:cTn id="30" dur="1" fill="hold">
+                                          <p:stCondLst>
+                                            <p:cond delay="0"/>
+                                          </p:stCondLst>
+                                        </p:cTn>
+                                        <p:tgtEl>
+                                          <p:spTgt spid="463876">
+                                            <p:txEl>
+                                              <p:pRg st="6" end="6"/>
+                                            </p:txEl>
+                                          </p:spTgt>
+                                        </p:tgtEl>
+                                        <p:attrNameLst>
+                                          <p:attrName>style.visibility</p:attrName>
+                                        </p:attrNameLst>
+                                      </p:cBhvr>
+                                      <p:to>
+                                        <p:strVal val="visible"/>
+                                      </p:to>
+                                    </p:set>
+                                  </p:childTnLst>
+                                </p:cTn>
+                              </p:par>
+                            </p:childTnLst>
+                          </p:cTn>
+                        </p:par>
+                      </p:childTnLst>
+                    </p:cTn>
+                  </p:par>
+                  <p:par>
+                    <p:cTn id="31" fill="hold">
+                      <p:stCondLst>
+                        <p:cond delay="indefinite"/>
+                      </p:stCondLst>
+                      <p:childTnLst>
+                        <p:par>
+                          <p:cTn id="32" fill="hold">
+                            <p:stCondLst>
+                              <p:cond delay="0"/>
+                            </p:stCondLst>
+                            <p:childTnLst>
+                              <p:par>
+                                <p:cTn id="33" presetID="1" presetClass="entr" presetSubtype="0" fill="hold" nodeType="clickEffect">
+                                  <p:stCondLst>
+                                    <p:cond delay="0"/>
+                                  </p:stCondLst>
+                                  <p:childTnLst>
+                                    <p:set>
+                                      <p:cBhvr>
+                                        <p:cTn id="34" dur="1" fill="hold">
+                                          <p:stCondLst>
+                                            <p:cond delay="0"/>
+                                          </p:stCondLst>
+                                        </p:cTn>
+                                        <p:tgtEl>
+                                          <p:spTgt spid="463876">
+                                            <p:txEl>
+                                              <p:pRg st="7" end="7"/>
+                                            </p:txEl>
+                                          </p:spTgt>
+                                        </p:tgtEl>
+                                        <p:attrNameLst>
+                                          <p:attrName>style.visibility</p:attrName>
+                                        </p:attrNameLst>
+                                      </p:cBhvr>
+                                      <p:to>
+                                        <p:strVal val="visible"/>
+                                      </p:to>
+                                    </p:set>
+                                  </p:childTnLst>
+                                </p:cTn>
+                              </p:par>
+                            </p:childTnLst>
+                          </p:cTn>
+                        </p:par>
+                      </p:childTnLst>
+                    </p:cTn>
+                  </p:par>
+                </p:childTnLst>
+              </p:cTn>
+              <p:prevCondLst>
+                <p:cond evt="onPrev" delay="0">
+                  <p:tgtEl>
+                    <p:sldTgt/>
+                  </p:tgtEl>
+                </p:cond>
+              </p:prevCondLst>
+              <p:nextCondLst>
+                <p:cond evt="onNext" delay="0">
+                  <p:tgtEl>
+                    <p:sldTgt/>
+                  </p:tgtEl>
+                </p:cond>
+              </p:nextCondLst>
+            </p:seq>
+          </p:childTnLst>
+        </p:cTn>
+      </p:par>
+    </p:tnLst>
+    <p:bldLst>
+      <p:bldP spid="463876" grpId="0" animBg="1"/>
+    </p:bldLst>
+  </p:timing>
 </p:sld>
 </file>
 
@@ -12140,7 +16120,7 @@
               <a:rPr lang="bg-BG" dirty="0">
                 <a:sym typeface="+mn-ea"/>
               </a:rPr>
-              <a:t>л</a:t>
+              <a:t>Л</a:t>
             </a:r>
             <a:r>
               <a:rPr lang="bg-BG" dirty="0"/>
@@ -12174,7 +16154,7 @@
             <a:pPr marL="723900" lvl="1" indent="-421005"/>
             <a:r>
               <a:rPr lang="bg-BG" dirty="0"/>
-              <a:t>логическо </a:t>
+              <a:t>Логическо </a:t>
             </a:r>
             <a:r>
               <a:rPr lang="bg-BG" dirty="0">
@@ -12204,7 +16184,7 @@
             <a:pPr marL="723900" lvl="1" indent="-421005"/>
             <a:r>
               <a:rPr lang="bg-BG" dirty="0"/>
-              <a:t>логическо </a:t>
+              <a:t>Логическо </a:t>
             </a:r>
             <a:r>
               <a:rPr lang="bg-BG" b="1" dirty="0">
@@ -12368,6 +16348,330 @@
   <p:clrMapOvr>
     <a:masterClrMapping/>
   </p:clrMapOvr>
+  <p:timing>
+    <p:tnLst>
+      <p:par>
+        <p:cTn id="1" dur="indefinite" restart="never" nodeType="tmRoot">
+          <p:childTnLst>
+            <p:seq concurrent="1" nextAc="seek">
+              <p:cTn id="2" dur="indefinite" nodeType="mainSeq">
+                <p:childTnLst>
+                  <p:par>
+                    <p:cTn id="3" fill="hold">
+                      <p:stCondLst>
+                        <p:cond delay="indefinite"/>
+                      </p:stCondLst>
+                      <p:childTnLst>
+                        <p:par>
+                          <p:cTn id="4" fill="hold">
+                            <p:stCondLst>
+                              <p:cond delay="0"/>
+                            </p:stCondLst>
+                            <p:childTnLst>
+                              <p:par>
+                                <p:cTn id="5" presetID="1" presetClass="entr" presetSubtype="0" fill="hold" nodeType="clickEffect">
+                                  <p:stCondLst>
+                                    <p:cond delay="0"/>
+                                  </p:stCondLst>
+                                  <p:childTnLst>
+                                    <p:set>
+                                      <p:cBhvr>
+                                        <p:cTn id="6" dur="1" fill="hold">
+                                          <p:stCondLst>
+                                            <p:cond delay="0"/>
+                                          </p:stCondLst>
+                                        </p:cTn>
+                                        <p:tgtEl>
+                                          <p:spTgt spid="444419">
+                                            <p:txEl>
+                                              <p:pRg st="2" end="2"/>
+                                            </p:txEl>
+                                          </p:spTgt>
+                                        </p:tgtEl>
+                                        <p:attrNameLst>
+                                          <p:attrName>style.visibility</p:attrName>
+                                        </p:attrNameLst>
+                                      </p:cBhvr>
+                                      <p:to>
+                                        <p:strVal val="visible"/>
+                                      </p:to>
+                                    </p:set>
+                                  </p:childTnLst>
+                                </p:cTn>
+                              </p:par>
+                            </p:childTnLst>
+                          </p:cTn>
+                        </p:par>
+                      </p:childTnLst>
+                    </p:cTn>
+                  </p:par>
+                  <p:par>
+                    <p:cTn id="7" fill="hold">
+                      <p:stCondLst>
+                        <p:cond delay="indefinite"/>
+                      </p:stCondLst>
+                      <p:childTnLst>
+                        <p:par>
+                          <p:cTn id="8" fill="hold">
+                            <p:stCondLst>
+                              <p:cond delay="0"/>
+                            </p:stCondLst>
+                            <p:childTnLst>
+                              <p:par>
+                                <p:cTn id="9" presetID="1" presetClass="entr" presetSubtype="0" fill="hold" nodeType="clickEffect">
+                                  <p:stCondLst>
+                                    <p:cond delay="0"/>
+                                  </p:stCondLst>
+                                  <p:childTnLst>
+                                    <p:set>
+                                      <p:cBhvr>
+                                        <p:cTn id="10" dur="1" fill="hold">
+                                          <p:stCondLst>
+                                            <p:cond delay="0"/>
+                                          </p:stCondLst>
+                                        </p:cTn>
+                                        <p:tgtEl>
+                                          <p:spTgt spid="444419">
+                                            <p:txEl>
+                                              <p:pRg st="3" end="3"/>
+                                            </p:txEl>
+                                          </p:spTgt>
+                                        </p:tgtEl>
+                                        <p:attrNameLst>
+                                          <p:attrName>style.visibility</p:attrName>
+                                        </p:attrNameLst>
+                                      </p:cBhvr>
+                                      <p:to>
+                                        <p:strVal val="visible"/>
+                                      </p:to>
+                                    </p:set>
+                                  </p:childTnLst>
+                                </p:cTn>
+                              </p:par>
+                            </p:childTnLst>
+                          </p:cTn>
+                        </p:par>
+                      </p:childTnLst>
+                    </p:cTn>
+                  </p:par>
+                  <p:par>
+                    <p:cTn id="11" fill="hold">
+                      <p:stCondLst>
+                        <p:cond delay="indefinite"/>
+                      </p:stCondLst>
+                      <p:childTnLst>
+                        <p:par>
+                          <p:cTn id="12" fill="hold">
+                            <p:stCondLst>
+                              <p:cond delay="0"/>
+                            </p:stCondLst>
+                            <p:childTnLst>
+                              <p:par>
+                                <p:cTn id="13" presetID="1" presetClass="entr" presetSubtype="0" fill="hold" nodeType="clickEffect">
+                                  <p:stCondLst>
+                                    <p:cond delay="0"/>
+                                  </p:stCondLst>
+                                  <p:childTnLst>
+                                    <p:set>
+                                      <p:cBhvr>
+                                        <p:cTn id="14" dur="1" fill="hold">
+                                          <p:stCondLst>
+                                            <p:cond delay="0"/>
+                                          </p:stCondLst>
+                                        </p:cTn>
+                                        <p:tgtEl>
+                                          <p:spTgt spid="444419">
+                                            <p:txEl>
+                                              <p:pRg st="4" end="4"/>
+                                            </p:txEl>
+                                          </p:spTgt>
+                                        </p:tgtEl>
+                                        <p:attrNameLst>
+                                          <p:attrName>style.visibility</p:attrName>
+                                        </p:attrNameLst>
+                                      </p:cBhvr>
+                                      <p:to>
+                                        <p:strVal val="visible"/>
+                                      </p:to>
+                                    </p:set>
+                                  </p:childTnLst>
+                                </p:cTn>
+                              </p:par>
+                            </p:childTnLst>
+                          </p:cTn>
+                        </p:par>
+                      </p:childTnLst>
+                    </p:cTn>
+                  </p:par>
+                  <p:par>
+                    <p:cTn id="15" fill="hold">
+                      <p:stCondLst>
+                        <p:cond delay="indefinite"/>
+                      </p:stCondLst>
+                      <p:childTnLst>
+                        <p:par>
+                          <p:cTn id="16" fill="hold">
+                            <p:stCondLst>
+                              <p:cond delay="0"/>
+                            </p:stCondLst>
+                            <p:childTnLst>
+                              <p:par>
+                                <p:cTn id="17" presetID="1" presetClass="entr" presetSubtype="0" fill="hold" nodeType="clickEffect">
+                                  <p:stCondLst>
+                                    <p:cond delay="0"/>
+                                  </p:stCondLst>
+                                  <p:childTnLst>
+                                    <p:set>
+                                      <p:cBhvr>
+                                        <p:cTn id="18" dur="1" fill="hold">
+                                          <p:stCondLst>
+                                            <p:cond delay="0"/>
+                                          </p:stCondLst>
+                                        </p:cTn>
+                                        <p:tgtEl>
+                                          <p:spTgt spid="444419">
+                                            <p:txEl>
+                                              <p:pRg st="5" end="5"/>
+                                            </p:txEl>
+                                          </p:spTgt>
+                                        </p:tgtEl>
+                                        <p:attrNameLst>
+                                          <p:attrName>style.visibility</p:attrName>
+                                        </p:attrNameLst>
+                                      </p:cBhvr>
+                                      <p:to>
+                                        <p:strVal val="visible"/>
+                                      </p:to>
+                                    </p:set>
+                                  </p:childTnLst>
+                                </p:cTn>
+                              </p:par>
+                            </p:childTnLst>
+                          </p:cTn>
+                        </p:par>
+                      </p:childTnLst>
+                    </p:cTn>
+                  </p:par>
+                  <p:par>
+                    <p:cTn id="19" fill="hold">
+                      <p:stCondLst>
+                        <p:cond delay="indefinite"/>
+                      </p:stCondLst>
+                      <p:childTnLst>
+                        <p:par>
+                          <p:cTn id="20" fill="hold">
+                            <p:stCondLst>
+                              <p:cond delay="0"/>
+                            </p:stCondLst>
+                            <p:childTnLst>
+                              <p:par>
+                                <p:cTn id="21" presetID="1" presetClass="entr" presetSubtype="0" fill="hold" nodeType="clickEffect">
+                                  <p:stCondLst>
+                                    <p:cond delay="0"/>
+                                  </p:stCondLst>
+                                  <p:childTnLst>
+                                    <p:set>
+                                      <p:cBhvr>
+                                        <p:cTn id="22" dur="1" fill="hold">
+                                          <p:stCondLst>
+                                            <p:cond delay="0"/>
+                                          </p:stCondLst>
+                                        </p:cTn>
+                                        <p:tgtEl>
+                                          <p:spTgt spid="444419">
+                                            <p:txEl>
+                                              <p:pRg st="6" end="6"/>
+                                            </p:txEl>
+                                          </p:spTgt>
+                                        </p:tgtEl>
+                                        <p:attrNameLst>
+                                          <p:attrName>style.visibility</p:attrName>
+                                        </p:attrNameLst>
+                                      </p:cBhvr>
+                                      <p:to>
+                                        <p:strVal val="visible"/>
+                                      </p:to>
+                                    </p:set>
+                                  </p:childTnLst>
+                                </p:cTn>
+                              </p:par>
+                            </p:childTnLst>
+                          </p:cTn>
+                        </p:par>
+                      </p:childTnLst>
+                    </p:cTn>
+                  </p:par>
+                  <p:par>
+                    <p:cTn id="23" fill="hold">
+                      <p:stCondLst>
+                        <p:cond delay="indefinite"/>
+                      </p:stCondLst>
+                      <p:childTnLst>
+                        <p:par>
+                          <p:cTn id="24" fill="hold">
+                            <p:stCondLst>
+                              <p:cond delay="0"/>
+                            </p:stCondLst>
+                            <p:childTnLst>
+                              <p:par>
+                                <p:cTn id="25" presetID="1" presetClass="entr" presetSubtype="0" fill="hold" nodeType="clickEffect">
+                                  <p:stCondLst>
+                                    <p:cond delay="0"/>
+                                  </p:stCondLst>
+                                  <p:childTnLst>
+                                    <p:set>
+                                      <p:cBhvr>
+                                        <p:cTn id="26" dur="1" fill="hold">
+                                          <p:stCondLst>
+                                            <p:cond delay="0"/>
+                                          </p:stCondLst>
+                                        </p:cTn>
+                                        <p:tgtEl>
+                                          <p:spTgt spid="444419">
+                                            <p:txEl>
+                                              <p:pRg st="7" end="7"/>
+                                            </p:txEl>
+                                          </p:spTgt>
+                                        </p:tgtEl>
+                                        <p:attrNameLst>
+                                          <p:attrName>style.visibility</p:attrName>
+                                        </p:attrNameLst>
+                                      </p:cBhvr>
+                                      <p:to>
+                                        <p:strVal val="visible"/>
+                                      </p:to>
+                                    </p:set>
+                                  </p:childTnLst>
+                                </p:cTn>
+                              </p:par>
+                            </p:childTnLst>
+                          </p:cTn>
+                        </p:par>
+                      </p:childTnLst>
+                    </p:cTn>
+                  </p:par>
+                </p:childTnLst>
+              </p:cTn>
+              <p:prevCondLst>
+                <p:cond evt="onPrev" delay="0">
+                  <p:tgtEl>
+                    <p:sldTgt/>
+                  </p:tgtEl>
+                </p:cond>
+              </p:prevCondLst>
+              <p:nextCondLst>
+                <p:cond evt="onNext" delay="0">
+                  <p:tgtEl>
+                    <p:sldTgt/>
+                  </p:tgtEl>
+                </p:cond>
+              </p:nextCondLst>
+            </p:seq>
+          </p:childTnLst>
+        </p:cTn>
+      </p:par>
+    </p:tnLst>
+  </p:timing>
 </p:sld>
 </file>
 
@@ -13235,6 +17539,432 @@
     <a:masterClrMapping/>
   </p:clrMapOvr>
   <p:transition/>
+  <p:timing>
+    <p:tnLst>
+      <p:par>
+        <p:cTn id="1" dur="indefinite" restart="never" nodeType="tmRoot">
+          <p:childTnLst>
+            <p:seq concurrent="1" nextAc="seek">
+              <p:cTn id="2" dur="indefinite" nodeType="mainSeq">
+                <p:childTnLst>
+                  <p:par>
+                    <p:cTn id="3" fill="hold">
+                      <p:stCondLst>
+                        <p:cond delay="indefinite"/>
+                      </p:stCondLst>
+                      <p:childTnLst>
+                        <p:par>
+                          <p:cTn id="4" fill="hold">
+                            <p:stCondLst>
+                              <p:cond delay="0"/>
+                            </p:stCondLst>
+                            <p:childTnLst>
+                              <p:par>
+                                <p:cTn id="5" presetID="1" presetClass="entr" presetSubtype="0" fill="hold" grpId="0" nodeType="clickEffect">
+                                  <p:stCondLst>
+                                    <p:cond delay="0"/>
+                                  </p:stCondLst>
+                                  <p:childTnLst>
+                                    <p:set>
+                                      <p:cBhvr>
+                                        <p:cTn id="6" dur="1" fill="hold">
+                                          <p:stCondLst>
+                                            <p:cond delay="0"/>
+                                          </p:stCondLst>
+                                        </p:cTn>
+                                        <p:tgtEl>
+                                          <p:spTgt spid="528389"/>
+                                        </p:tgtEl>
+                                        <p:attrNameLst>
+                                          <p:attrName>style.visibility</p:attrName>
+                                        </p:attrNameLst>
+                                      </p:cBhvr>
+                                      <p:to>
+                                        <p:strVal val="visible"/>
+                                      </p:to>
+                                    </p:set>
+                                  </p:childTnLst>
+                                </p:cTn>
+                              </p:par>
+                              <p:par>
+                                <p:cTn id="7" presetID="1" presetClass="entr" presetSubtype="0" fill="hold" nodeType="withEffect">
+                                  <p:stCondLst>
+                                    <p:cond delay="0"/>
+                                  </p:stCondLst>
+                                  <p:childTnLst>
+                                    <p:set>
+                                      <p:cBhvr>
+                                        <p:cTn id="8" dur="1" fill="hold">
+                                          <p:stCondLst>
+                                            <p:cond delay="0"/>
+                                          </p:stCondLst>
+                                        </p:cTn>
+                                        <p:tgtEl>
+                                          <p:spTgt spid="528389">
+                                            <p:txEl>
+                                              <p:pRg st="0" end="0"/>
+                                            </p:txEl>
+                                          </p:spTgt>
+                                        </p:tgtEl>
+                                        <p:attrNameLst>
+                                          <p:attrName>style.visibility</p:attrName>
+                                        </p:attrNameLst>
+                                      </p:cBhvr>
+                                      <p:to>
+                                        <p:strVal val="visible"/>
+                                      </p:to>
+                                    </p:set>
+                                  </p:childTnLst>
+                                </p:cTn>
+                              </p:par>
+                              <p:par>
+                                <p:cTn id="9" presetID="1" presetClass="entr" presetSubtype="0" fill="hold" nodeType="withEffect">
+                                  <p:stCondLst>
+                                    <p:cond delay="0"/>
+                                  </p:stCondLst>
+                                  <p:childTnLst>
+                                    <p:set>
+                                      <p:cBhvr>
+                                        <p:cTn id="10" dur="1" fill="hold">
+                                          <p:stCondLst>
+                                            <p:cond delay="0"/>
+                                          </p:stCondLst>
+                                        </p:cTn>
+                                        <p:tgtEl>
+                                          <p:spTgt spid="528389">
+                                            <p:txEl>
+                                              <p:pRg st="1" end="1"/>
+                                            </p:txEl>
+                                          </p:spTgt>
+                                        </p:tgtEl>
+                                        <p:attrNameLst>
+                                          <p:attrName>style.visibility</p:attrName>
+                                        </p:attrNameLst>
+                                      </p:cBhvr>
+                                      <p:to>
+                                        <p:strVal val="visible"/>
+                                      </p:to>
+                                    </p:set>
+                                  </p:childTnLst>
+                                </p:cTn>
+                              </p:par>
+                              <p:par>
+                                <p:cTn id="11" presetID="1" presetClass="entr" presetSubtype="0" fill="hold" nodeType="withEffect">
+                                  <p:stCondLst>
+                                    <p:cond delay="0"/>
+                                  </p:stCondLst>
+                                  <p:childTnLst>
+                                    <p:set>
+                                      <p:cBhvr>
+                                        <p:cTn id="12" dur="1" fill="hold">
+                                          <p:stCondLst>
+                                            <p:cond delay="0"/>
+                                          </p:stCondLst>
+                                        </p:cTn>
+                                        <p:tgtEl>
+                                          <p:spTgt spid="528389">
+                                            <p:txEl>
+                                              <p:pRg st="7" end="7"/>
+                                            </p:txEl>
+                                          </p:spTgt>
+                                        </p:tgtEl>
+                                        <p:attrNameLst>
+                                          <p:attrName>style.visibility</p:attrName>
+                                        </p:attrNameLst>
+                                      </p:cBhvr>
+                                      <p:to>
+                                        <p:strVal val="visible"/>
+                                      </p:to>
+                                    </p:set>
+                                  </p:childTnLst>
+                                </p:cTn>
+                              </p:par>
+                            </p:childTnLst>
+                          </p:cTn>
+                        </p:par>
+                      </p:childTnLst>
+                    </p:cTn>
+                  </p:par>
+                  <p:par>
+                    <p:cTn id="13" fill="hold">
+                      <p:stCondLst>
+                        <p:cond delay="indefinite"/>
+                      </p:stCondLst>
+                      <p:childTnLst>
+                        <p:par>
+                          <p:cTn id="14" fill="hold">
+                            <p:stCondLst>
+                              <p:cond delay="0"/>
+                            </p:stCondLst>
+                            <p:childTnLst>
+                              <p:par>
+                                <p:cTn id="15" presetID="1" presetClass="entr" presetSubtype="0" fill="hold" nodeType="clickEffect">
+                                  <p:stCondLst>
+                                    <p:cond delay="0"/>
+                                  </p:stCondLst>
+                                  <p:childTnLst>
+                                    <p:set>
+                                      <p:cBhvr>
+                                        <p:cTn id="16" dur="1" fill="hold">
+                                          <p:stCondLst>
+                                            <p:cond delay="0"/>
+                                          </p:stCondLst>
+                                        </p:cTn>
+                                        <p:tgtEl>
+                                          <p:spTgt spid="528389">
+                                            <p:txEl>
+                                              <p:pRg st="2" end="2"/>
+                                            </p:txEl>
+                                          </p:spTgt>
+                                        </p:tgtEl>
+                                        <p:attrNameLst>
+                                          <p:attrName>style.visibility</p:attrName>
+                                        </p:attrNameLst>
+                                      </p:cBhvr>
+                                      <p:to>
+                                        <p:strVal val="visible"/>
+                                      </p:to>
+                                    </p:set>
+                                  </p:childTnLst>
+                                </p:cTn>
+                              </p:par>
+                            </p:childTnLst>
+                          </p:cTn>
+                        </p:par>
+                      </p:childTnLst>
+                    </p:cTn>
+                  </p:par>
+                  <p:par>
+                    <p:cTn id="17" fill="hold">
+                      <p:stCondLst>
+                        <p:cond delay="indefinite"/>
+                      </p:stCondLst>
+                      <p:childTnLst>
+                        <p:par>
+                          <p:cTn id="18" fill="hold">
+                            <p:stCondLst>
+                              <p:cond delay="0"/>
+                            </p:stCondLst>
+                            <p:childTnLst>
+                              <p:par>
+                                <p:cTn id="19" presetID="1" presetClass="entr" presetSubtype="0" fill="hold" nodeType="clickEffect">
+                                  <p:stCondLst>
+                                    <p:cond delay="0"/>
+                                  </p:stCondLst>
+                                  <p:childTnLst>
+                                    <p:set>
+                                      <p:cBhvr>
+                                        <p:cTn id="20" dur="1" fill="hold">
+                                          <p:stCondLst>
+                                            <p:cond delay="0"/>
+                                          </p:stCondLst>
+                                        </p:cTn>
+                                        <p:tgtEl>
+                                          <p:spTgt spid="528389">
+                                            <p:txEl>
+                                              <p:pRg st="3" end="3"/>
+                                            </p:txEl>
+                                          </p:spTgt>
+                                        </p:tgtEl>
+                                        <p:attrNameLst>
+                                          <p:attrName>style.visibility</p:attrName>
+                                        </p:attrNameLst>
+                                      </p:cBhvr>
+                                      <p:to>
+                                        <p:strVal val="visible"/>
+                                      </p:to>
+                                    </p:set>
+                                  </p:childTnLst>
+                                </p:cTn>
+                              </p:par>
+                              <p:par>
+                                <p:cTn id="21" presetID="1" presetClass="entr" presetSubtype="0" fill="hold" nodeType="withEffect">
+                                  <p:stCondLst>
+                                    <p:cond delay="0"/>
+                                  </p:stCondLst>
+                                  <p:childTnLst>
+                                    <p:set>
+                                      <p:cBhvr>
+                                        <p:cTn id="22" dur="1" fill="hold">
+                                          <p:stCondLst>
+                                            <p:cond delay="0"/>
+                                          </p:stCondLst>
+                                        </p:cTn>
+                                        <p:tgtEl>
+                                          <p:spTgt spid="528389">
+                                            <p:txEl>
+                                              <p:pRg st="4" end="4"/>
+                                            </p:txEl>
+                                          </p:spTgt>
+                                        </p:tgtEl>
+                                        <p:attrNameLst>
+                                          <p:attrName>style.visibility</p:attrName>
+                                        </p:attrNameLst>
+                                      </p:cBhvr>
+                                      <p:to>
+                                        <p:strVal val="visible"/>
+                                      </p:to>
+                                    </p:set>
+                                  </p:childTnLst>
+                                </p:cTn>
+                              </p:par>
+                              <p:par>
+                                <p:cTn id="23" presetID="1" presetClass="entr" presetSubtype="0" fill="hold" nodeType="withEffect">
+                                  <p:stCondLst>
+                                    <p:cond delay="0"/>
+                                  </p:stCondLst>
+                                  <p:childTnLst>
+                                    <p:set>
+                                      <p:cBhvr>
+                                        <p:cTn id="24" dur="1" fill="hold">
+                                          <p:stCondLst>
+                                            <p:cond delay="0"/>
+                                          </p:stCondLst>
+                                        </p:cTn>
+                                        <p:tgtEl>
+                                          <p:spTgt spid="528389">
+                                            <p:txEl>
+                                              <p:pRg st="5" end="5"/>
+                                            </p:txEl>
+                                          </p:spTgt>
+                                        </p:tgtEl>
+                                        <p:attrNameLst>
+                                          <p:attrName>style.visibility</p:attrName>
+                                        </p:attrNameLst>
+                                      </p:cBhvr>
+                                      <p:to>
+                                        <p:strVal val="visible"/>
+                                      </p:to>
+                                    </p:set>
+                                  </p:childTnLst>
+                                </p:cTn>
+                              </p:par>
+                            </p:childTnLst>
+                          </p:cTn>
+                        </p:par>
+                      </p:childTnLst>
+                    </p:cTn>
+                  </p:par>
+                  <p:par>
+                    <p:cTn id="25" fill="hold">
+                      <p:stCondLst>
+                        <p:cond delay="indefinite"/>
+                      </p:stCondLst>
+                      <p:childTnLst>
+                        <p:par>
+                          <p:cTn id="26" fill="hold">
+                            <p:stCondLst>
+                              <p:cond delay="0"/>
+                            </p:stCondLst>
+                            <p:childTnLst>
+                              <p:par>
+                                <p:cTn id="27" presetID="1" presetClass="entr" presetSubtype="0" fill="hold" nodeType="clickEffect">
+                                  <p:stCondLst>
+                                    <p:cond delay="0"/>
+                                  </p:stCondLst>
+                                  <p:childTnLst>
+                                    <p:set>
+                                      <p:cBhvr>
+                                        <p:cTn id="28" dur="1" fill="hold">
+                                          <p:stCondLst>
+                                            <p:cond delay="0"/>
+                                          </p:stCondLst>
+                                        </p:cTn>
+                                        <p:tgtEl>
+                                          <p:spTgt spid="528389">
+                                            <p:txEl>
+                                              <p:pRg st="6" end="6"/>
+                                            </p:txEl>
+                                          </p:spTgt>
+                                        </p:tgtEl>
+                                        <p:attrNameLst>
+                                          <p:attrName>style.visibility</p:attrName>
+                                        </p:attrNameLst>
+                                      </p:cBhvr>
+                                      <p:to>
+                                        <p:strVal val="visible"/>
+                                      </p:to>
+                                    </p:set>
+                                  </p:childTnLst>
+                                </p:cTn>
+                              </p:par>
+                            </p:childTnLst>
+                          </p:cTn>
+                        </p:par>
+                      </p:childTnLst>
+                    </p:cTn>
+                  </p:par>
+                  <p:par>
+                    <p:cTn id="29" fill="hold">
+                      <p:stCondLst>
+                        <p:cond delay="indefinite"/>
+                      </p:stCondLst>
+                      <p:childTnLst>
+                        <p:par>
+                          <p:cTn id="30" fill="hold">
+                            <p:stCondLst>
+                              <p:cond delay="0"/>
+                            </p:stCondLst>
+                            <p:childTnLst>
+                              <p:par>
+                                <p:cTn id="31" presetID="1" presetClass="entr" presetSubtype="0" fill="hold" grpId="0" nodeType="clickEffect">
+                                  <p:stCondLst>
+                                    <p:cond delay="0"/>
+                                  </p:stCondLst>
+                                  <p:childTnLst>
+                                    <p:set>
+                                      <p:cBhvr>
+                                        <p:cTn id="32" dur="1" fill="hold">
+                                          <p:stCondLst>
+                                            <p:cond delay="0"/>
+                                          </p:stCondLst>
+                                        </p:cTn>
+                                        <p:tgtEl>
+                                          <p:spTgt spid="2"/>
+                                        </p:tgtEl>
+                                        <p:attrNameLst>
+                                          <p:attrName>style.visibility</p:attrName>
+                                        </p:attrNameLst>
+                                      </p:cBhvr>
+                                      <p:to>
+                                        <p:strVal val="visible"/>
+                                      </p:to>
+                                    </p:set>
+                                  </p:childTnLst>
+                                </p:cTn>
+                              </p:par>
+                            </p:childTnLst>
+                          </p:cTn>
+                        </p:par>
+                      </p:childTnLst>
+                    </p:cTn>
+                  </p:par>
+                </p:childTnLst>
+              </p:cTn>
+              <p:prevCondLst>
+                <p:cond evt="onPrev" delay="0">
+                  <p:tgtEl>
+                    <p:sldTgt/>
+                  </p:tgtEl>
+                </p:cond>
+              </p:prevCondLst>
+              <p:nextCondLst>
+                <p:cond evt="onNext" delay="0">
+                  <p:tgtEl>
+                    <p:sldTgt/>
+                  </p:tgtEl>
+                </p:cond>
+              </p:nextCondLst>
+            </p:seq>
+          </p:childTnLst>
+        </p:cTn>
+      </p:par>
+    </p:tnLst>
+    <p:bldLst>
+      <p:bldP spid="528389" grpId="0" animBg="1"/>
+      <p:bldP spid="2" grpId="0"/>
+    </p:bldLst>
+  </p:timing>
 </p:sld>
 </file>
 
@@ -14522,6 +19252,115 @@
   <p:clrMapOvr>
     <a:masterClrMapping/>
   </p:clrMapOvr>
+  <p:timing>
+    <p:tnLst>
+      <p:par>
+        <p:cTn id="1" dur="indefinite" restart="never" nodeType="tmRoot">
+          <p:childTnLst>
+            <p:seq concurrent="1" nextAc="seek">
+              <p:cTn id="2" dur="indefinite" nodeType="mainSeq">
+                <p:childTnLst>
+                  <p:par>
+                    <p:cTn id="3" fill="hold">
+                      <p:stCondLst>
+                        <p:cond delay="indefinite"/>
+                      </p:stCondLst>
+                      <p:childTnLst>
+                        <p:par>
+                          <p:cTn id="4" fill="hold">
+                            <p:stCondLst>
+                              <p:cond delay="0"/>
+                            </p:stCondLst>
+                            <p:childTnLst>
+                              <p:par>
+                                <p:cTn id="5" presetID="1" presetClass="entr" presetSubtype="0" fill="hold" nodeType="clickEffect">
+                                  <p:stCondLst>
+                                    <p:cond delay="0"/>
+                                  </p:stCondLst>
+                                  <p:childTnLst>
+                                    <p:set>
+                                      <p:cBhvr>
+                                        <p:cTn id="6" dur="1" fill="hold">
+                                          <p:stCondLst>
+                                            <p:cond delay="0"/>
+                                          </p:stCondLst>
+                                        </p:cTn>
+                                        <p:tgtEl>
+                                          <p:spTgt spid="5">
+                                            <p:txEl>
+                                              <p:pRg st="5" end="5"/>
+                                            </p:txEl>
+                                          </p:spTgt>
+                                        </p:tgtEl>
+                                        <p:attrNameLst>
+                                          <p:attrName>style.visibility</p:attrName>
+                                        </p:attrNameLst>
+                                      </p:cBhvr>
+                                      <p:to>
+                                        <p:strVal val="visible"/>
+                                      </p:to>
+                                    </p:set>
+                                  </p:childTnLst>
+                                </p:cTn>
+                              </p:par>
+                              <p:par>
+                                <p:cTn id="7" presetID="1" presetClass="entr" presetSubtype="0" fill="hold" grpId="0" nodeType="withEffect">
+                                  <p:stCondLst>
+                                    <p:cond delay="0"/>
+                                  </p:stCondLst>
+                                  <p:childTnLst>
+                                    <p:set>
+                                      <p:cBhvr>
+                                        <p:cTn id="8" dur="1" fill="hold">
+                                          <p:stCondLst>
+                                            <p:cond delay="0"/>
+                                          </p:stCondLst>
+                                        </p:cTn>
+                                        <p:tgtEl>
+                                          <p:spTgt spid="9"/>
+                                        </p:tgtEl>
+                                        <p:attrNameLst>
+                                          <p:attrName>style.visibility</p:attrName>
+                                        </p:attrNameLst>
+                                      </p:cBhvr>
+                                      <p:to>
+                                        <p:strVal val="visible"/>
+                                      </p:to>
+                                    </p:set>
+                                  </p:childTnLst>
+                                </p:cTn>
+                              </p:par>
+                            </p:childTnLst>
+                          </p:cTn>
+                        </p:par>
+                      </p:childTnLst>
+                    </p:cTn>
+                  </p:par>
+                </p:childTnLst>
+              </p:cTn>
+              <p:prevCondLst>
+                <p:cond evt="onPrev" delay="0">
+                  <p:tgtEl>
+                    <p:sldTgt/>
+                  </p:tgtEl>
+                </p:cond>
+              </p:prevCondLst>
+              <p:nextCondLst>
+                <p:cond evt="onNext" delay="0">
+                  <p:tgtEl>
+                    <p:sldTgt/>
+                  </p:tgtEl>
+                </p:cond>
+              </p:nextCondLst>
+            </p:seq>
+          </p:childTnLst>
+        </p:cTn>
+      </p:par>
+    </p:tnLst>
+    <p:bldLst>
+      <p:bldP spid="9" grpId="0" animBg="1"/>
+    </p:bldLst>
+  </p:timing>
 </p:sld>
 </file>
 
@@ -14567,31 +19406,133 @@
       </p:sp>
       <p:sp>
         <p:nvSpPr>
-          <p:cNvPr id="2" name="Text Placeholder 1"/>
-          <p:cNvSpPr>
-            <a:spLocks noGrp="1"/>
-          </p:cNvSpPr>
-          <p:nvPr>
-            <p:ph type="body" sz="quarter" idx="10"/>
-          </p:nvPr>
+          <p:cNvPr id="6" name="Текстово поле 1">
+            <a:extLst>
+              <a:ext uri="{FF2B5EF4-FFF2-40B4-BE49-F238E27FC236}">
+                <a16:creationId xmlns:a16="http://schemas.microsoft.com/office/drawing/2014/main" id="{B398007E-9BC4-479A-87BF-1B270134F51F}"/>
+              </a:ext>
+            </a:extLst>
+          </p:cNvPr>
+          <p:cNvSpPr txBox="1"/>
+          <p:nvPr/>
         </p:nvSpPr>
         <p:spPr>
           <a:xfrm>
-            <a:off x="1529384" y="6400802"/>
-            <a:ext cx="10482604" cy="351754"/>
+            <a:off x="912812" y="6448327"/>
+            <a:ext cx="11216029" cy="369332"/>
           </a:xfrm>
+          <a:prstGeom prst="rect">
+            <a:avLst/>
+          </a:prstGeom>
+          <a:noFill/>
         </p:spPr>
         <p:txBody>
-          <a:bodyPr/>
-          <a:lstStyle/>
-          <a:p>
-            <a:r>
-              <a:rPr lang="en-US">
+          <a:bodyPr wrap="square" rtlCol="0">
+            <a:spAutoFit/>
+          </a:bodyPr>
+          <a:lstStyle>
+            <a:defPPr>
+              <a:defRPr lang="en-US"/>
+            </a:defPPr>
+            <a:lvl1pPr marL="0" algn="l" defTabSz="1218987" rtl="0" eaLnBrk="1" latinLnBrk="0" hangingPunct="1">
+              <a:defRPr sz="2400" kern="1200">
+                <a:solidFill>
+                  <a:schemeClr val="tx1"/>
+                </a:solidFill>
+                <a:latin typeface="+mn-lt"/>
+                <a:ea typeface="+mn-ea"/>
+                <a:cs typeface="+mn-cs"/>
+              </a:defRPr>
+            </a:lvl1pPr>
+            <a:lvl2pPr marL="609493" algn="l" defTabSz="1218987" rtl="0" eaLnBrk="1" latinLnBrk="0" hangingPunct="1">
+              <a:defRPr sz="2400" kern="1200">
+                <a:solidFill>
+                  <a:schemeClr val="tx1"/>
+                </a:solidFill>
+                <a:latin typeface="+mn-lt"/>
+                <a:ea typeface="+mn-ea"/>
+                <a:cs typeface="+mn-cs"/>
+              </a:defRPr>
+            </a:lvl2pPr>
+            <a:lvl3pPr marL="1218987" algn="l" defTabSz="1218987" rtl="0" eaLnBrk="1" latinLnBrk="0" hangingPunct="1">
+              <a:defRPr sz="2400" kern="1200">
+                <a:solidFill>
+                  <a:schemeClr val="tx1"/>
+                </a:solidFill>
+                <a:latin typeface="+mn-lt"/>
+                <a:ea typeface="+mn-ea"/>
+                <a:cs typeface="+mn-cs"/>
+              </a:defRPr>
+            </a:lvl3pPr>
+            <a:lvl4pPr marL="1828480" algn="l" defTabSz="1218987" rtl="0" eaLnBrk="1" latinLnBrk="0" hangingPunct="1">
+              <a:defRPr sz="2400" kern="1200">
+                <a:solidFill>
+                  <a:schemeClr val="tx1"/>
+                </a:solidFill>
+                <a:latin typeface="+mn-lt"/>
+                <a:ea typeface="+mn-ea"/>
+                <a:cs typeface="+mn-cs"/>
+              </a:defRPr>
+            </a:lvl4pPr>
+            <a:lvl5pPr marL="2437973" algn="l" defTabSz="1218987" rtl="0" eaLnBrk="1" latinLnBrk="0" hangingPunct="1">
+              <a:defRPr sz="2400" kern="1200">
+                <a:solidFill>
+                  <a:schemeClr val="tx1"/>
+                </a:solidFill>
+                <a:latin typeface="+mn-lt"/>
+                <a:ea typeface="+mn-ea"/>
+                <a:cs typeface="+mn-cs"/>
+              </a:defRPr>
+            </a:lvl5pPr>
+            <a:lvl6pPr marL="3047467" algn="l" defTabSz="1218987" rtl="0" eaLnBrk="1" latinLnBrk="0" hangingPunct="1">
+              <a:defRPr sz="2400" kern="1200">
+                <a:solidFill>
+                  <a:schemeClr val="tx1"/>
+                </a:solidFill>
+                <a:latin typeface="+mn-lt"/>
+                <a:ea typeface="+mn-ea"/>
+                <a:cs typeface="+mn-cs"/>
+              </a:defRPr>
+            </a:lvl6pPr>
+            <a:lvl7pPr marL="3656960" algn="l" defTabSz="1218987" rtl="0" eaLnBrk="1" latinLnBrk="0" hangingPunct="1">
+              <a:defRPr sz="2400" kern="1200">
+                <a:solidFill>
+                  <a:schemeClr val="tx1"/>
+                </a:solidFill>
+                <a:latin typeface="+mn-lt"/>
+                <a:ea typeface="+mn-ea"/>
+                <a:cs typeface="+mn-cs"/>
+              </a:defRPr>
+            </a:lvl7pPr>
+            <a:lvl8pPr marL="4266453" algn="l" defTabSz="1218987" rtl="0" eaLnBrk="1" latinLnBrk="0" hangingPunct="1">
+              <a:defRPr sz="2400" kern="1200">
+                <a:solidFill>
+                  <a:schemeClr val="tx1"/>
+                </a:solidFill>
+                <a:latin typeface="+mn-lt"/>
+                <a:ea typeface="+mn-ea"/>
+                <a:cs typeface="+mn-cs"/>
+              </a:defRPr>
+            </a:lvl8pPr>
+            <a:lvl9pPr marL="4875947" algn="l" defTabSz="1218987" rtl="0" eaLnBrk="1" latinLnBrk="0" hangingPunct="1">
+              <a:defRPr sz="2400" kern="1200">
+                <a:solidFill>
+                  <a:schemeClr val="tx1"/>
+                </a:solidFill>
+                <a:latin typeface="+mn-lt"/>
+                <a:ea typeface="+mn-ea"/>
+                <a:cs typeface="+mn-cs"/>
+              </a:defRPr>
+            </a:lvl9pPr>
+          </a:lstStyle>
+          <a:p>
+            <a:r>
+              <a:rPr lang="en-US" sz="1800" b="1" dirty="0">
                 <a:hlinkClick r:id="rId3"/>
               </a:rPr>
-              <a:t>https://it-kariera.mon.bg/e-learning/</a:t>
-            </a:r>
-            <a:endParaRPr lang="en-US"/>
+              <a:t>https://github.com/BG-IT-Edu/School-Programming/tree/main/Courses/Applied-Programmer/Programming-Basics</a:t>
+            </a:r>
+            <a:endParaRPr lang="bg-BG" sz="1800" b="1" dirty="0"/>
           </a:p>
         </p:txBody>
       </p:sp>
@@ -15421,6 +20362,88 @@
   <p:clrMapOvr>
     <a:masterClrMapping/>
   </p:clrMapOvr>
+  <p:timing>
+    <p:tnLst>
+      <p:par>
+        <p:cTn id="1" dur="indefinite" restart="never" nodeType="tmRoot">
+          <p:childTnLst>
+            <p:seq concurrent="1" nextAc="seek">
+              <p:cTn id="2" dur="indefinite" nodeType="mainSeq">
+                <p:childTnLst>
+                  <p:par>
+                    <p:cTn id="3" fill="hold">
+                      <p:stCondLst>
+                        <p:cond delay="indefinite"/>
+                      </p:stCondLst>
+                      <p:childTnLst>
+                        <p:par>
+                          <p:cTn id="4" fill="hold">
+                            <p:stCondLst>
+                              <p:cond delay="0"/>
+                            </p:stCondLst>
+                            <p:childTnLst>
+                              <p:par>
+                                <p:cTn id="5" presetID="1" presetClass="entr" presetSubtype="0" fill="hold" grpId="0" nodeType="clickEffect">
+                                  <p:stCondLst>
+                                    <p:cond delay="0"/>
+                                  </p:stCondLst>
+                                  <p:childTnLst>
+                                    <p:set>
+                                      <p:cBhvr>
+                                        <p:cTn id="6" dur="1" fill="hold">
+                                          <p:stCondLst>
+                                            <p:cond delay="0"/>
+                                          </p:stCondLst>
+                                        </p:cTn>
+                                        <p:tgtEl>
+                                          <p:spTgt spid="6">
+                                            <p:txEl>
+                                              <p:pRg st="0" end="0"/>
+                                            </p:txEl>
+                                          </p:spTgt>
+                                        </p:tgtEl>
+                                        <p:attrNameLst>
+                                          <p:attrName>style.visibility</p:attrName>
+                                        </p:attrNameLst>
+                                      </p:cBhvr>
+                                      <p:to>
+                                        <p:strVal val="visible"/>
+                                      </p:to>
+                                    </p:set>
+                                  </p:childTnLst>
+                                </p:cTn>
+                              </p:par>
+                            </p:childTnLst>
+                          </p:cTn>
+                        </p:par>
+                      </p:childTnLst>
+                    </p:cTn>
+                  </p:par>
+                </p:childTnLst>
+              </p:cTn>
+              <p:prevCondLst>
+                <p:cond evt="onPrev" delay="0">
+                  <p:tgtEl>
+                    <p:sldTgt/>
+                  </p:tgtEl>
+                </p:cond>
+              </p:prevCondLst>
+              <p:nextCondLst>
+                <p:cond evt="onNext" delay="0">
+                  <p:tgtEl>
+                    <p:sldTgt/>
+                  </p:tgtEl>
+                </p:cond>
+              </p:nextCondLst>
+            </p:seq>
+          </p:childTnLst>
+        </p:cTn>
+      </p:par>
+    </p:tnLst>
+    <p:bldLst>
+      <p:bldP spid="6" grpId="0" build="p"/>
+    </p:bldLst>
+  </p:timing>
 </p:sld>
 </file>
 
@@ -15511,7 +20534,7 @@
         </p:nvSpPr>
         <p:spPr bwMode="auto">
           <a:xfrm>
-            <a:off x="912812" y="2059460"/>
+            <a:off x="914183" y="2133600"/>
             <a:ext cx="10653600" cy="4305794"/>
           </a:xfrm>
           <a:prstGeom prst="rect">
@@ -16275,6 +21298,158 @@
   <p:clrMapOvr>
     <a:masterClrMapping/>
   </p:clrMapOvr>
+  <p:timing>
+    <p:tnLst>
+      <p:par>
+        <p:cTn id="1" dur="indefinite" restart="never" nodeType="tmRoot">
+          <p:childTnLst>
+            <p:seq concurrent="1" nextAc="seek">
+              <p:cTn id="2" dur="indefinite" nodeType="mainSeq">
+                <p:childTnLst>
+                  <p:par>
+                    <p:cTn id="3" fill="hold">
+                      <p:stCondLst>
+                        <p:cond delay="indefinite"/>
+                      </p:stCondLst>
+                      <p:childTnLst>
+                        <p:par>
+                          <p:cTn id="4" fill="hold">
+                            <p:stCondLst>
+                              <p:cond delay="0"/>
+                            </p:stCondLst>
+                            <p:childTnLst>
+                              <p:par>
+                                <p:cTn id="5" presetID="1" presetClass="entr" presetSubtype="0" fill="hold" grpId="0" nodeType="clickEffect">
+                                  <p:stCondLst>
+                                    <p:cond delay="0"/>
+                                  </p:stCondLst>
+                                  <p:childTnLst>
+                                    <p:set>
+                                      <p:cBhvr>
+                                        <p:cTn id="6" dur="1" fill="hold">
+                                          <p:stCondLst>
+                                            <p:cond delay="0"/>
+                                          </p:stCondLst>
+                                        </p:cTn>
+                                        <p:tgtEl>
+                                          <p:spTgt spid="5"/>
+                                        </p:tgtEl>
+                                        <p:attrNameLst>
+                                          <p:attrName>style.visibility</p:attrName>
+                                        </p:attrNameLst>
+                                      </p:cBhvr>
+                                      <p:to>
+                                        <p:strVal val="visible"/>
+                                      </p:to>
+                                    </p:set>
+                                  </p:childTnLst>
+                                </p:cTn>
+                              </p:par>
+                            </p:childTnLst>
+                          </p:cTn>
+                        </p:par>
+                      </p:childTnLst>
+                    </p:cTn>
+                  </p:par>
+                  <p:par>
+                    <p:cTn id="7" fill="hold">
+                      <p:stCondLst>
+                        <p:cond delay="indefinite"/>
+                      </p:stCondLst>
+                      <p:childTnLst>
+                        <p:par>
+                          <p:cTn id="8" fill="hold">
+                            <p:stCondLst>
+                              <p:cond delay="0"/>
+                            </p:stCondLst>
+                            <p:childTnLst>
+                              <p:par>
+                                <p:cTn id="9" presetID="1" presetClass="entr" presetSubtype="0" fill="hold" grpId="0" nodeType="clickEffect">
+                                  <p:stCondLst>
+                                    <p:cond delay="0"/>
+                                  </p:stCondLst>
+                                  <p:childTnLst>
+                                    <p:set>
+                                      <p:cBhvr>
+                                        <p:cTn id="10" dur="1" fill="hold">
+                                          <p:stCondLst>
+                                            <p:cond delay="0"/>
+                                          </p:stCondLst>
+                                        </p:cTn>
+                                        <p:tgtEl>
+                                          <p:spTgt spid="10"/>
+                                        </p:tgtEl>
+                                        <p:attrNameLst>
+                                          <p:attrName>style.visibility</p:attrName>
+                                        </p:attrNameLst>
+                                      </p:cBhvr>
+                                      <p:to>
+                                        <p:strVal val="visible"/>
+                                      </p:to>
+                                    </p:set>
+                                  </p:childTnLst>
+                                </p:cTn>
+                              </p:par>
+                              <p:par>
+                                <p:cTn id="11" presetID="1" presetClass="entr" presetSubtype="0" fill="hold" grpId="0" nodeType="withEffect">
+                                  <p:stCondLst>
+                                    <p:cond delay="0"/>
+                                  </p:stCondLst>
+                                  <p:childTnLst>
+                                    <p:set>
+                                      <p:cBhvr>
+                                        <p:cTn id="12" dur="1" fill="hold">
+                                          <p:stCondLst>
+                                            <p:cond delay="0"/>
+                                          </p:stCondLst>
+                                        </p:cTn>
+                                        <p:tgtEl>
+                                          <p:spTgt spid="9"/>
+                                        </p:tgtEl>
+                                        <p:attrNameLst>
+                                          <p:attrName>style.visibility</p:attrName>
+                                        </p:attrNameLst>
+                                      </p:cBhvr>
+                                      <p:to>
+                                        <p:strVal val="visible"/>
+                                      </p:to>
+                                    </p:set>
+                                  </p:childTnLst>
+                                </p:cTn>
+                              </p:par>
+                            </p:childTnLst>
+                          </p:cTn>
+                        </p:par>
+                      </p:childTnLst>
+                    </p:cTn>
+                  </p:par>
+                </p:childTnLst>
+              </p:cTn>
+              <p:prevCondLst>
+                <p:cond evt="onPrev" delay="0">
+                  <p:tgtEl>
+                    <p:sldTgt/>
+                  </p:tgtEl>
+                </p:cond>
+              </p:prevCondLst>
+              <p:nextCondLst>
+                <p:cond evt="onNext" delay="0">
+                  <p:tgtEl>
+                    <p:sldTgt/>
+                  </p:tgtEl>
+                </p:cond>
+              </p:nextCondLst>
+            </p:seq>
+          </p:childTnLst>
+        </p:cTn>
+      </p:par>
+    </p:tnLst>
+    <p:bldLst>
+      <p:bldP spid="10" grpId="0" animBg="1"/>
+      <p:bldP spid="5" grpId="0" animBg="1"/>
+      <p:bldP spid="9" grpId="0" animBg="1"/>
+    </p:bldLst>
+  </p:timing>
 </p:sld>
 </file>
 
@@ -17094,6 +22269,355 @@
   <p:clrMapOvr>
     <a:masterClrMapping/>
   </p:clrMapOvr>
+  <p:timing>
+    <p:tnLst>
+      <p:par>
+        <p:cTn id="1" dur="indefinite" restart="never" nodeType="tmRoot">
+          <p:childTnLst>
+            <p:seq concurrent="1" nextAc="seek">
+              <p:cTn id="2" dur="indefinite" nodeType="mainSeq">
+                <p:childTnLst>
+                  <p:par>
+                    <p:cTn id="3" fill="hold">
+                      <p:stCondLst>
+                        <p:cond delay="indefinite"/>
+                      </p:stCondLst>
+                      <p:childTnLst>
+                        <p:par>
+                          <p:cTn id="4" fill="hold">
+                            <p:stCondLst>
+                              <p:cond delay="0"/>
+                            </p:stCondLst>
+                            <p:childTnLst>
+                              <p:par>
+                                <p:cTn id="5" presetID="1" presetClass="entr" presetSubtype="0" fill="hold" grpId="0" nodeType="clickEffect">
+                                  <p:stCondLst>
+                                    <p:cond delay="0"/>
+                                  </p:stCondLst>
+                                  <p:childTnLst>
+                                    <p:set>
+                                      <p:cBhvr>
+                                        <p:cTn id="6" dur="1" fill="hold">
+                                          <p:stCondLst>
+                                            <p:cond delay="0"/>
+                                          </p:stCondLst>
+                                        </p:cTn>
+                                        <p:tgtEl>
+                                          <p:spTgt spid="6"/>
+                                        </p:tgtEl>
+                                        <p:attrNameLst>
+                                          <p:attrName>style.visibility</p:attrName>
+                                        </p:attrNameLst>
+                                      </p:cBhvr>
+                                      <p:to>
+                                        <p:strVal val="visible"/>
+                                      </p:to>
+                                    </p:set>
+                                  </p:childTnLst>
+                                </p:cTn>
+                              </p:par>
+                              <p:par>
+                                <p:cTn id="7" presetID="1" presetClass="entr" presetSubtype="0" fill="hold" grpId="0" nodeType="withEffect">
+                                  <p:stCondLst>
+                                    <p:cond delay="0"/>
+                                  </p:stCondLst>
+                                  <p:childTnLst>
+                                    <p:set>
+                                      <p:cBhvr>
+                                        <p:cTn id="8" dur="1" fill="hold">
+                                          <p:stCondLst>
+                                            <p:cond delay="0"/>
+                                          </p:stCondLst>
+                                        </p:cTn>
+                                        <p:tgtEl>
+                                          <p:spTgt spid="7"/>
+                                        </p:tgtEl>
+                                        <p:attrNameLst>
+                                          <p:attrName>style.visibility</p:attrName>
+                                        </p:attrNameLst>
+                                      </p:cBhvr>
+                                      <p:to>
+                                        <p:strVal val="visible"/>
+                                      </p:to>
+                                    </p:set>
+                                  </p:childTnLst>
+                                </p:cTn>
+                              </p:par>
+                              <p:par>
+                                <p:cTn id="9" presetID="1" presetClass="entr" presetSubtype="0" fill="hold" grpId="0" nodeType="withEffect">
+                                  <p:stCondLst>
+                                    <p:cond delay="0"/>
+                                  </p:stCondLst>
+                                  <p:childTnLst>
+                                    <p:set>
+                                      <p:cBhvr>
+                                        <p:cTn id="10" dur="1" fill="hold">
+                                          <p:stCondLst>
+                                            <p:cond delay="0"/>
+                                          </p:stCondLst>
+                                        </p:cTn>
+                                        <p:tgtEl>
+                                          <p:spTgt spid="8"/>
+                                        </p:tgtEl>
+                                        <p:attrNameLst>
+                                          <p:attrName>style.visibility</p:attrName>
+                                        </p:attrNameLst>
+                                      </p:cBhvr>
+                                      <p:to>
+                                        <p:strVal val="visible"/>
+                                      </p:to>
+                                    </p:set>
+                                  </p:childTnLst>
+                                </p:cTn>
+                              </p:par>
+                              <p:par>
+                                <p:cTn id="11" presetID="1" presetClass="entr" presetSubtype="0" fill="hold" grpId="0" nodeType="withEffect">
+                                  <p:stCondLst>
+                                    <p:cond delay="0"/>
+                                  </p:stCondLst>
+                                  <p:childTnLst>
+                                    <p:set>
+                                      <p:cBhvr>
+                                        <p:cTn id="12" dur="1" fill="hold">
+                                          <p:stCondLst>
+                                            <p:cond delay="0"/>
+                                          </p:stCondLst>
+                                        </p:cTn>
+                                        <p:tgtEl>
+                                          <p:spTgt spid="9"/>
+                                        </p:tgtEl>
+                                        <p:attrNameLst>
+                                          <p:attrName>style.visibility</p:attrName>
+                                        </p:attrNameLst>
+                                      </p:cBhvr>
+                                      <p:to>
+                                        <p:strVal val="visible"/>
+                                      </p:to>
+                                    </p:set>
+                                  </p:childTnLst>
+                                </p:cTn>
+                              </p:par>
+                            </p:childTnLst>
+                          </p:cTn>
+                        </p:par>
+                      </p:childTnLst>
+                    </p:cTn>
+                  </p:par>
+                  <p:par>
+                    <p:cTn id="13" fill="hold">
+                      <p:stCondLst>
+                        <p:cond delay="indefinite"/>
+                      </p:stCondLst>
+                      <p:childTnLst>
+                        <p:par>
+                          <p:cTn id="14" fill="hold">
+                            <p:stCondLst>
+                              <p:cond delay="0"/>
+                            </p:stCondLst>
+                            <p:childTnLst>
+                              <p:par>
+                                <p:cTn id="15" presetID="1" presetClass="entr" presetSubtype="0" fill="hold" nodeType="clickEffect">
+                                  <p:stCondLst>
+                                    <p:cond delay="0"/>
+                                  </p:stCondLst>
+                                  <p:childTnLst>
+                                    <p:set>
+                                      <p:cBhvr>
+                                        <p:cTn id="16" dur="1" fill="hold">
+                                          <p:stCondLst>
+                                            <p:cond delay="0"/>
+                                          </p:stCondLst>
+                                        </p:cTn>
+                                        <p:tgtEl>
+                                          <p:spTgt spid="3">
+                                            <p:txEl>
+                                              <p:pRg st="1" end="1"/>
+                                            </p:txEl>
+                                          </p:spTgt>
+                                        </p:tgtEl>
+                                        <p:attrNameLst>
+                                          <p:attrName>style.visibility</p:attrName>
+                                        </p:attrNameLst>
+                                      </p:cBhvr>
+                                      <p:to>
+                                        <p:strVal val="visible"/>
+                                      </p:to>
+                                    </p:set>
+                                  </p:childTnLst>
+                                </p:cTn>
+                              </p:par>
+                              <p:par>
+                                <p:cTn id="17" presetID="1" presetClass="entr" presetSubtype="0" fill="hold" nodeType="withEffect">
+                                  <p:stCondLst>
+                                    <p:cond delay="0"/>
+                                  </p:stCondLst>
+                                  <p:childTnLst>
+                                    <p:set>
+                                      <p:cBhvr>
+                                        <p:cTn id="18" dur="1" fill="hold">
+                                          <p:stCondLst>
+                                            <p:cond delay="0"/>
+                                          </p:stCondLst>
+                                        </p:cTn>
+                                        <p:tgtEl>
+                                          <p:spTgt spid="3">
+                                            <p:txEl>
+                                              <p:pRg st="2" end="2"/>
+                                            </p:txEl>
+                                          </p:spTgt>
+                                        </p:tgtEl>
+                                        <p:attrNameLst>
+                                          <p:attrName>style.visibility</p:attrName>
+                                        </p:attrNameLst>
+                                      </p:cBhvr>
+                                      <p:to>
+                                        <p:strVal val="visible"/>
+                                      </p:to>
+                                    </p:set>
+                                  </p:childTnLst>
+                                </p:cTn>
+                              </p:par>
+                              <p:par>
+                                <p:cTn id="19" presetID="1" presetClass="entr" presetSubtype="0" fill="hold" nodeType="withEffect">
+                                  <p:stCondLst>
+                                    <p:cond delay="0"/>
+                                  </p:stCondLst>
+                                  <p:childTnLst>
+                                    <p:set>
+                                      <p:cBhvr>
+                                        <p:cTn id="20" dur="1" fill="hold">
+                                          <p:stCondLst>
+                                            <p:cond delay="0"/>
+                                          </p:stCondLst>
+                                        </p:cTn>
+                                        <p:tgtEl>
+                                          <p:spTgt spid="3">
+                                            <p:txEl>
+                                              <p:pRg st="3" end="3"/>
+                                            </p:txEl>
+                                          </p:spTgt>
+                                        </p:tgtEl>
+                                        <p:attrNameLst>
+                                          <p:attrName>style.visibility</p:attrName>
+                                        </p:attrNameLst>
+                                      </p:cBhvr>
+                                      <p:to>
+                                        <p:strVal val="visible"/>
+                                      </p:to>
+                                    </p:set>
+                                  </p:childTnLst>
+                                </p:cTn>
+                              </p:par>
+                              <p:par>
+                                <p:cTn id="21" presetID="1" presetClass="entr" presetSubtype="0" fill="hold" nodeType="withEffect">
+                                  <p:stCondLst>
+                                    <p:cond delay="0"/>
+                                  </p:stCondLst>
+                                  <p:childTnLst>
+                                    <p:set>
+                                      <p:cBhvr>
+                                        <p:cTn id="22" dur="1" fill="hold">
+                                          <p:stCondLst>
+                                            <p:cond delay="0"/>
+                                          </p:stCondLst>
+                                        </p:cTn>
+                                        <p:tgtEl>
+                                          <p:spTgt spid="3">
+                                            <p:txEl>
+                                              <p:pRg st="4" end="4"/>
+                                            </p:txEl>
+                                          </p:spTgt>
+                                        </p:tgtEl>
+                                        <p:attrNameLst>
+                                          <p:attrName>style.visibility</p:attrName>
+                                        </p:attrNameLst>
+                                      </p:cBhvr>
+                                      <p:to>
+                                        <p:strVal val="visible"/>
+                                      </p:to>
+                                    </p:set>
+                                  </p:childTnLst>
+                                </p:cTn>
+                              </p:par>
+                            </p:childTnLst>
+                          </p:cTn>
+                        </p:par>
+                      </p:childTnLst>
+                    </p:cTn>
+                  </p:par>
+                  <p:par>
+                    <p:cTn id="23" fill="hold">
+                      <p:stCondLst>
+                        <p:cond delay="indefinite"/>
+                      </p:stCondLst>
+                      <p:childTnLst>
+                        <p:par>
+                          <p:cTn id="24" fill="hold">
+                            <p:stCondLst>
+                              <p:cond delay="0"/>
+                            </p:stCondLst>
+                            <p:childTnLst>
+                              <p:par>
+                                <p:cTn id="25" presetID="1" presetClass="entr" presetSubtype="0" fill="hold" nodeType="clickEffect">
+                                  <p:stCondLst>
+                                    <p:cond delay="0"/>
+                                  </p:stCondLst>
+                                  <p:childTnLst>
+                                    <p:set>
+                                      <p:cBhvr>
+                                        <p:cTn id="26" dur="1" fill="hold">
+                                          <p:stCondLst>
+                                            <p:cond delay="0"/>
+                                          </p:stCondLst>
+                                        </p:cTn>
+                                        <p:tgtEl>
+                                          <p:spTgt spid="1026"/>
+                                        </p:tgtEl>
+                                        <p:attrNameLst>
+                                          <p:attrName>style.visibility</p:attrName>
+                                        </p:attrNameLst>
+                                      </p:cBhvr>
+                                      <p:to>
+                                        <p:strVal val="visible"/>
+                                      </p:to>
+                                    </p:set>
+                                  </p:childTnLst>
+                                </p:cTn>
+                              </p:par>
+                            </p:childTnLst>
+                          </p:cTn>
+                        </p:par>
+                      </p:childTnLst>
+                    </p:cTn>
+                  </p:par>
+                </p:childTnLst>
+              </p:cTn>
+              <p:prevCondLst>
+                <p:cond evt="onPrev" delay="0">
+                  <p:tgtEl>
+                    <p:sldTgt/>
+                  </p:tgtEl>
+                </p:cond>
+              </p:prevCondLst>
+              <p:nextCondLst>
+                <p:cond evt="onNext" delay="0">
+                  <p:tgtEl>
+                    <p:sldTgt/>
+                  </p:tgtEl>
+                </p:cond>
+              </p:nextCondLst>
+            </p:seq>
+          </p:childTnLst>
+        </p:cTn>
+      </p:par>
+    </p:tnLst>
+    <p:bldLst>
+      <p:bldP spid="6" grpId="0" animBg="1"/>
+      <p:bldP spid="7" grpId="0" animBg="1"/>
+      <p:bldP spid="8" grpId="0" animBg="1"/>
+      <p:bldP spid="9" grpId="0" animBg="1"/>
+    </p:bldLst>
+  </p:timing>
 </p:sld>
 </file>
 
@@ -17862,6 +23386,577 @@
   <p:clrMapOvr>
     <a:masterClrMapping/>
   </p:clrMapOvr>
+  <p:timing>
+    <p:tnLst>
+      <p:par>
+        <p:cTn id="1" dur="indefinite" restart="never" nodeType="tmRoot">
+          <p:childTnLst>
+            <p:seq concurrent="1" nextAc="seek">
+              <p:cTn id="2" dur="indefinite" nodeType="mainSeq">
+                <p:childTnLst>
+                  <p:par>
+                    <p:cTn id="3" fill="hold">
+                      <p:stCondLst>
+                        <p:cond delay="indefinite"/>
+                        <p:cond evt="onBegin" delay="0">
+                          <p:tn val="2"/>
+                        </p:cond>
+                      </p:stCondLst>
+                      <p:childTnLst>
+                        <p:par>
+                          <p:cTn id="4" fill="hold">
+                            <p:stCondLst>
+                              <p:cond delay="0"/>
+                            </p:stCondLst>
+                            <p:childTnLst>
+                              <p:par>
+                                <p:cTn id="5" presetID="1" presetClass="entr" presetSubtype="0" fill="hold" grpId="0" nodeType="withEffect">
+                                  <p:stCondLst>
+                                    <p:cond delay="0"/>
+                                  </p:stCondLst>
+                                  <p:childTnLst>
+                                    <p:set>
+                                      <p:cBhvr>
+                                        <p:cTn id="6" dur="1" fill="hold">
+                                          <p:stCondLst>
+                                            <p:cond delay="0"/>
+                                          </p:stCondLst>
+                                        </p:cTn>
+                                        <p:tgtEl>
+                                          <p:spTgt spid="5"/>
+                                        </p:tgtEl>
+                                        <p:attrNameLst>
+                                          <p:attrName>style.visibility</p:attrName>
+                                        </p:attrNameLst>
+                                      </p:cBhvr>
+                                      <p:to>
+                                        <p:strVal val="visible"/>
+                                      </p:to>
+                                    </p:set>
+                                  </p:childTnLst>
+                                </p:cTn>
+                              </p:par>
+                              <p:par>
+                                <p:cTn id="7" presetID="1" presetClass="entr" presetSubtype="0" fill="hold" nodeType="withEffect">
+                                  <p:stCondLst>
+                                    <p:cond delay="0"/>
+                                  </p:stCondLst>
+                                  <p:childTnLst>
+                                    <p:set>
+                                      <p:cBhvr>
+                                        <p:cTn id="8" dur="1" fill="hold">
+                                          <p:stCondLst>
+                                            <p:cond delay="0"/>
+                                          </p:stCondLst>
+                                        </p:cTn>
+                                        <p:tgtEl>
+                                          <p:spTgt spid="5">
+                                            <p:txEl>
+                                              <p:pRg st="0" end="0"/>
+                                            </p:txEl>
+                                          </p:spTgt>
+                                        </p:tgtEl>
+                                        <p:attrNameLst>
+                                          <p:attrName>style.visibility</p:attrName>
+                                        </p:attrNameLst>
+                                      </p:cBhvr>
+                                      <p:to>
+                                        <p:strVal val="visible"/>
+                                      </p:to>
+                                    </p:set>
+                                  </p:childTnLst>
+                                </p:cTn>
+                              </p:par>
+                              <p:par>
+                                <p:cTn id="9" presetID="1" presetClass="entr" presetSubtype="0" fill="hold" nodeType="withEffect">
+                                  <p:stCondLst>
+                                    <p:cond delay="0"/>
+                                  </p:stCondLst>
+                                  <p:childTnLst>
+                                    <p:set>
+                                      <p:cBhvr>
+                                        <p:cTn id="10" dur="1" fill="hold">
+                                          <p:stCondLst>
+                                            <p:cond delay="0"/>
+                                          </p:stCondLst>
+                                        </p:cTn>
+                                        <p:tgtEl>
+                                          <p:spTgt spid="5">
+                                            <p:txEl>
+                                              <p:pRg st="1" end="1"/>
+                                            </p:txEl>
+                                          </p:spTgt>
+                                        </p:tgtEl>
+                                        <p:attrNameLst>
+                                          <p:attrName>style.visibility</p:attrName>
+                                        </p:attrNameLst>
+                                      </p:cBhvr>
+                                      <p:to>
+                                        <p:strVal val="visible"/>
+                                      </p:to>
+                                    </p:set>
+                                  </p:childTnLst>
+                                </p:cTn>
+                              </p:par>
+                            </p:childTnLst>
+                          </p:cTn>
+                        </p:par>
+                      </p:childTnLst>
+                    </p:cTn>
+                  </p:par>
+                  <p:par>
+                    <p:cTn id="11" fill="hold">
+                      <p:stCondLst>
+                        <p:cond delay="indefinite"/>
+                      </p:stCondLst>
+                      <p:childTnLst>
+                        <p:par>
+                          <p:cTn id="12" fill="hold">
+                            <p:stCondLst>
+                              <p:cond delay="0"/>
+                            </p:stCondLst>
+                            <p:childTnLst>
+                              <p:par>
+                                <p:cTn id="13" presetID="1" presetClass="entr" presetSubtype="0" fill="hold" nodeType="clickEffect">
+                                  <p:stCondLst>
+                                    <p:cond delay="0"/>
+                                  </p:stCondLst>
+                                  <p:childTnLst>
+                                    <p:set>
+                                      <p:cBhvr>
+                                        <p:cTn id="14" dur="1" fill="hold">
+                                          <p:stCondLst>
+                                            <p:cond delay="0"/>
+                                          </p:stCondLst>
+                                        </p:cTn>
+                                        <p:tgtEl>
+                                          <p:spTgt spid="5">
+                                            <p:txEl>
+                                              <p:pRg st="2" end="2"/>
+                                            </p:txEl>
+                                          </p:spTgt>
+                                        </p:tgtEl>
+                                        <p:attrNameLst>
+                                          <p:attrName>style.visibility</p:attrName>
+                                        </p:attrNameLst>
+                                      </p:cBhvr>
+                                      <p:to>
+                                        <p:strVal val="visible"/>
+                                      </p:to>
+                                    </p:set>
+                                  </p:childTnLst>
+                                </p:cTn>
+                              </p:par>
+                              <p:par>
+                                <p:cTn id="15" presetID="1" presetClass="entr" presetSubtype="0" fill="hold" nodeType="withEffect">
+                                  <p:stCondLst>
+                                    <p:cond delay="0"/>
+                                  </p:stCondLst>
+                                  <p:childTnLst>
+                                    <p:set>
+                                      <p:cBhvr>
+                                        <p:cTn id="16" dur="1" fill="hold">
+                                          <p:stCondLst>
+                                            <p:cond delay="0"/>
+                                          </p:stCondLst>
+                                        </p:cTn>
+                                        <p:tgtEl>
+                                          <p:spTgt spid="5">
+                                            <p:txEl>
+                                              <p:pRg st="3" end="3"/>
+                                            </p:txEl>
+                                          </p:spTgt>
+                                        </p:tgtEl>
+                                        <p:attrNameLst>
+                                          <p:attrName>style.visibility</p:attrName>
+                                        </p:attrNameLst>
+                                      </p:cBhvr>
+                                      <p:to>
+                                        <p:strVal val="visible"/>
+                                      </p:to>
+                                    </p:set>
+                                  </p:childTnLst>
+                                </p:cTn>
+                              </p:par>
+                              <p:par>
+                                <p:cTn id="17" presetID="1" presetClass="entr" presetSubtype="0" fill="hold" nodeType="withEffect">
+                                  <p:stCondLst>
+                                    <p:cond delay="0"/>
+                                  </p:stCondLst>
+                                  <p:childTnLst>
+                                    <p:set>
+                                      <p:cBhvr>
+                                        <p:cTn id="18" dur="1" fill="hold">
+                                          <p:stCondLst>
+                                            <p:cond delay="0"/>
+                                          </p:stCondLst>
+                                        </p:cTn>
+                                        <p:tgtEl>
+                                          <p:spTgt spid="5">
+                                            <p:txEl>
+                                              <p:pRg st="6" end="6"/>
+                                            </p:txEl>
+                                          </p:spTgt>
+                                        </p:tgtEl>
+                                        <p:attrNameLst>
+                                          <p:attrName>style.visibility</p:attrName>
+                                        </p:attrNameLst>
+                                      </p:cBhvr>
+                                      <p:to>
+                                        <p:strVal val="visible"/>
+                                      </p:to>
+                                    </p:set>
+                                  </p:childTnLst>
+                                </p:cTn>
+                              </p:par>
+                            </p:childTnLst>
+                          </p:cTn>
+                        </p:par>
+                      </p:childTnLst>
+                    </p:cTn>
+                  </p:par>
+                  <p:par>
+                    <p:cTn id="19" fill="hold">
+                      <p:stCondLst>
+                        <p:cond delay="indefinite"/>
+                      </p:stCondLst>
+                      <p:childTnLst>
+                        <p:par>
+                          <p:cTn id="20" fill="hold">
+                            <p:stCondLst>
+                              <p:cond delay="0"/>
+                            </p:stCondLst>
+                            <p:childTnLst>
+                              <p:par>
+                                <p:cTn id="21" presetID="1" presetClass="entr" presetSubtype="0" fill="hold" nodeType="clickEffect">
+                                  <p:stCondLst>
+                                    <p:cond delay="0"/>
+                                  </p:stCondLst>
+                                  <p:childTnLst>
+                                    <p:set>
+                                      <p:cBhvr>
+                                        <p:cTn id="22" dur="1" fill="hold">
+                                          <p:stCondLst>
+                                            <p:cond delay="0"/>
+                                          </p:stCondLst>
+                                        </p:cTn>
+                                        <p:tgtEl>
+                                          <p:spTgt spid="5">
+                                            <p:txEl>
+                                              <p:pRg st="4" end="4"/>
+                                            </p:txEl>
+                                          </p:spTgt>
+                                        </p:tgtEl>
+                                        <p:attrNameLst>
+                                          <p:attrName>style.visibility</p:attrName>
+                                        </p:attrNameLst>
+                                      </p:cBhvr>
+                                      <p:to>
+                                        <p:strVal val="visible"/>
+                                      </p:to>
+                                    </p:set>
+                                  </p:childTnLst>
+                                </p:cTn>
+                              </p:par>
+                              <p:par>
+                                <p:cTn id="23" presetID="1" presetClass="entr" presetSubtype="0" fill="hold" nodeType="withEffect">
+                                  <p:stCondLst>
+                                    <p:cond delay="0"/>
+                                  </p:stCondLst>
+                                  <p:childTnLst>
+                                    <p:set>
+                                      <p:cBhvr>
+                                        <p:cTn id="24" dur="1" fill="hold">
+                                          <p:stCondLst>
+                                            <p:cond delay="0"/>
+                                          </p:stCondLst>
+                                        </p:cTn>
+                                        <p:tgtEl>
+                                          <p:spTgt spid="5">
+                                            <p:txEl>
+                                              <p:pRg st="5" end="5"/>
+                                            </p:txEl>
+                                          </p:spTgt>
+                                        </p:tgtEl>
+                                        <p:attrNameLst>
+                                          <p:attrName>style.visibility</p:attrName>
+                                        </p:attrNameLst>
+                                      </p:cBhvr>
+                                      <p:to>
+                                        <p:strVal val="visible"/>
+                                      </p:to>
+                                    </p:set>
+                                  </p:childTnLst>
+                                </p:cTn>
+                              </p:par>
+                            </p:childTnLst>
+                          </p:cTn>
+                        </p:par>
+                      </p:childTnLst>
+                    </p:cTn>
+                  </p:par>
+                  <p:par>
+                    <p:cTn id="25" fill="hold">
+                      <p:stCondLst>
+                        <p:cond delay="indefinite"/>
+                      </p:stCondLst>
+                      <p:childTnLst>
+                        <p:par>
+                          <p:cTn id="26" fill="hold">
+                            <p:stCondLst>
+                              <p:cond delay="0"/>
+                            </p:stCondLst>
+                            <p:childTnLst>
+                              <p:par>
+                                <p:cTn id="27" presetID="1" presetClass="entr" presetSubtype="0" fill="hold" nodeType="clickEffect">
+                                  <p:stCondLst>
+                                    <p:cond delay="0"/>
+                                  </p:stCondLst>
+                                  <p:childTnLst>
+                                    <p:set>
+                                      <p:cBhvr>
+                                        <p:cTn id="28" dur="1" fill="hold">
+                                          <p:stCondLst>
+                                            <p:cond delay="0"/>
+                                          </p:stCondLst>
+                                        </p:cTn>
+                                        <p:tgtEl>
+                                          <p:spTgt spid="5">
+                                            <p:txEl>
+                                              <p:pRg st="7" end="7"/>
+                                            </p:txEl>
+                                          </p:spTgt>
+                                        </p:tgtEl>
+                                        <p:attrNameLst>
+                                          <p:attrName>style.visibility</p:attrName>
+                                        </p:attrNameLst>
+                                      </p:cBhvr>
+                                      <p:to>
+                                        <p:strVal val="visible"/>
+                                      </p:to>
+                                    </p:set>
+                                  </p:childTnLst>
+                                </p:cTn>
+                              </p:par>
+                              <p:par>
+                                <p:cTn id="29" presetID="1" presetClass="entr" presetSubtype="0" fill="hold" nodeType="withEffect">
+                                  <p:stCondLst>
+                                    <p:cond delay="0"/>
+                                  </p:stCondLst>
+                                  <p:childTnLst>
+                                    <p:set>
+                                      <p:cBhvr>
+                                        <p:cTn id="30" dur="1" fill="hold">
+                                          <p:stCondLst>
+                                            <p:cond delay="0"/>
+                                          </p:stCondLst>
+                                        </p:cTn>
+                                        <p:tgtEl>
+                                          <p:spTgt spid="5">
+                                            <p:txEl>
+                                              <p:pRg st="8" end="8"/>
+                                            </p:txEl>
+                                          </p:spTgt>
+                                        </p:tgtEl>
+                                        <p:attrNameLst>
+                                          <p:attrName>style.visibility</p:attrName>
+                                        </p:attrNameLst>
+                                      </p:cBhvr>
+                                      <p:to>
+                                        <p:strVal val="visible"/>
+                                      </p:to>
+                                    </p:set>
+                                  </p:childTnLst>
+                                </p:cTn>
+                              </p:par>
+                              <p:par>
+                                <p:cTn id="31" presetID="1" presetClass="entr" presetSubtype="0" fill="hold" nodeType="withEffect">
+                                  <p:stCondLst>
+                                    <p:cond delay="0"/>
+                                  </p:stCondLst>
+                                  <p:childTnLst>
+                                    <p:set>
+                                      <p:cBhvr>
+                                        <p:cTn id="32" dur="1" fill="hold">
+                                          <p:stCondLst>
+                                            <p:cond delay="0"/>
+                                          </p:stCondLst>
+                                        </p:cTn>
+                                        <p:tgtEl>
+                                          <p:spTgt spid="5">
+                                            <p:txEl>
+                                              <p:pRg st="11" end="11"/>
+                                            </p:txEl>
+                                          </p:spTgt>
+                                        </p:tgtEl>
+                                        <p:attrNameLst>
+                                          <p:attrName>style.visibility</p:attrName>
+                                        </p:attrNameLst>
+                                      </p:cBhvr>
+                                      <p:to>
+                                        <p:strVal val="visible"/>
+                                      </p:to>
+                                    </p:set>
+                                  </p:childTnLst>
+                                </p:cTn>
+                              </p:par>
+                            </p:childTnLst>
+                          </p:cTn>
+                        </p:par>
+                      </p:childTnLst>
+                    </p:cTn>
+                  </p:par>
+                  <p:par>
+                    <p:cTn id="33" fill="hold">
+                      <p:stCondLst>
+                        <p:cond delay="indefinite"/>
+                      </p:stCondLst>
+                      <p:childTnLst>
+                        <p:par>
+                          <p:cTn id="34" fill="hold">
+                            <p:stCondLst>
+                              <p:cond delay="0"/>
+                            </p:stCondLst>
+                            <p:childTnLst>
+                              <p:par>
+                                <p:cTn id="35" presetID="1" presetClass="entr" presetSubtype="0" fill="hold" nodeType="clickEffect">
+                                  <p:stCondLst>
+                                    <p:cond delay="0"/>
+                                  </p:stCondLst>
+                                  <p:childTnLst>
+                                    <p:set>
+                                      <p:cBhvr>
+                                        <p:cTn id="36" dur="1" fill="hold">
+                                          <p:stCondLst>
+                                            <p:cond delay="0"/>
+                                          </p:stCondLst>
+                                        </p:cTn>
+                                        <p:tgtEl>
+                                          <p:spTgt spid="5">
+                                            <p:txEl>
+                                              <p:pRg st="9" end="9"/>
+                                            </p:txEl>
+                                          </p:spTgt>
+                                        </p:tgtEl>
+                                        <p:attrNameLst>
+                                          <p:attrName>style.visibility</p:attrName>
+                                        </p:attrNameLst>
+                                      </p:cBhvr>
+                                      <p:to>
+                                        <p:strVal val="visible"/>
+                                      </p:to>
+                                    </p:set>
+                                  </p:childTnLst>
+                                </p:cTn>
+                              </p:par>
+                              <p:par>
+                                <p:cTn id="37" presetID="1" presetClass="entr" presetSubtype="0" fill="hold" nodeType="withEffect">
+                                  <p:stCondLst>
+                                    <p:cond delay="0"/>
+                                  </p:stCondLst>
+                                  <p:childTnLst>
+                                    <p:set>
+                                      <p:cBhvr>
+                                        <p:cTn id="38" dur="1" fill="hold">
+                                          <p:stCondLst>
+                                            <p:cond delay="0"/>
+                                          </p:stCondLst>
+                                        </p:cTn>
+                                        <p:tgtEl>
+                                          <p:spTgt spid="5">
+                                            <p:txEl>
+                                              <p:pRg st="10" end="10"/>
+                                            </p:txEl>
+                                          </p:spTgt>
+                                        </p:tgtEl>
+                                        <p:attrNameLst>
+                                          <p:attrName>style.visibility</p:attrName>
+                                        </p:attrNameLst>
+                                      </p:cBhvr>
+                                      <p:to>
+                                        <p:strVal val="visible"/>
+                                      </p:to>
+                                    </p:set>
+                                  </p:childTnLst>
+                                </p:cTn>
+                              </p:par>
+                            </p:childTnLst>
+                          </p:cTn>
+                        </p:par>
+                      </p:childTnLst>
+                    </p:cTn>
+                  </p:par>
+                  <p:par>
+                    <p:cTn id="39" fill="hold">
+                      <p:stCondLst>
+                        <p:cond delay="indefinite"/>
+                      </p:stCondLst>
+                      <p:childTnLst>
+                        <p:par>
+                          <p:cTn id="40" fill="hold">
+                            <p:stCondLst>
+                              <p:cond delay="0"/>
+                            </p:stCondLst>
+                            <p:childTnLst>
+                              <p:par>
+                                <p:cTn id="41" presetID="1" presetClass="entr" presetSubtype="0" fill="hold" grpId="0" nodeType="clickEffect">
+                                  <p:stCondLst>
+                                    <p:cond delay="0"/>
+                                  </p:stCondLst>
+                                  <p:childTnLst>
+                                    <p:set>
+                                      <p:cBhvr>
+                                        <p:cTn id="42" dur="1" fill="hold">
+                                          <p:stCondLst>
+                                            <p:cond delay="0"/>
+                                          </p:stCondLst>
+                                        </p:cTn>
+                                        <p:tgtEl>
+                                          <p:spTgt spid="7"/>
+                                        </p:tgtEl>
+                                        <p:attrNameLst>
+                                          <p:attrName>style.visibility</p:attrName>
+                                        </p:attrNameLst>
+                                      </p:cBhvr>
+                                      <p:to>
+                                        <p:strVal val="visible"/>
+                                      </p:to>
+                                    </p:set>
+                                  </p:childTnLst>
+                                </p:cTn>
+                              </p:par>
+                            </p:childTnLst>
+                          </p:cTn>
+                        </p:par>
+                      </p:childTnLst>
+                    </p:cTn>
+                  </p:par>
+                </p:childTnLst>
+              </p:cTn>
+              <p:prevCondLst>
+                <p:cond evt="onPrev" delay="0">
+                  <p:tgtEl>
+                    <p:sldTgt/>
+                  </p:tgtEl>
+                </p:cond>
+              </p:prevCondLst>
+              <p:nextCondLst>
+                <p:cond evt="onNext" delay="0">
+                  <p:tgtEl>
+                    <p:sldTgt/>
+                  </p:tgtEl>
+                </p:cond>
+              </p:nextCondLst>
+            </p:seq>
+          </p:childTnLst>
+        </p:cTn>
+      </p:par>
+    </p:tnLst>
+    <p:bldLst>
+      <p:bldP spid="5" grpId="0" animBg="1"/>
+      <p:bldP spid="7" grpId="0"/>
+    </p:bldLst>
+  </p:timing>
 </p:sld>
 </file>
 
@@ -19547,7 +25642,7 @@
         </p:nvSpPr>
         <p:spPr bwMode="auto">
           <a:xfrm>
-            <a:off x="5911633" y="5108138"/>
+            <a:off x="5911633" y="5085304"/>
             <a:ext cx="1524000" cy="1292662"/>
           </a:xfrm>
           <a:prstGeom prst="rect">
@@ -19670,8 +25765,8 @@
         </p:nvSpPr>
         <p:spPr bwMode="auto">
           <a:xfrm>
-            <a:off x="7664233" y="5106688"/>
-            <a:ext cx="792379" cy="1294112"/>
+            <a:off x="7664233" y="5085304"/>
+            <a:ext cx="792379" cy="1292662"/>
           </a:xfrm>
           <a:prstGeom prst="rect">
             <a:avLst/>
@@ -20015,6 +26110,291 @@
   <p:clrMapOvr>
     <a:masterClrMapping/>
   </p:clrMapOvr>
+  <p:timing>
+    <p:tnLst>
+      <p:par>
+        <p:cTn id="1" dur="indefinite" restart="never" nodeType="tmRoot">
+          <p:childTnLst>
+            <p:seq concurrent="1" nextAc="seek">
+              <p:cTn id="2" dur="indefinite" nodeType="mainSeq">
+                <p:childTnLst>
+                  <p:par>
+                    <p:cTn id="3" fill="hold">
+                      <p:stCondLst>
+                        <p:cond delay="indefinite"/>
+                      </p:stCondLst>
+                      <p:childTnLst>
+                        <p:par>
+                          <p:cTn id="4" fill="hold">
+                            <p:stCondLst>
+                              <p:cond delay="0"/>
+                            </p:stCondLst>
+                            <p:childTnLst>
+                              <p:par>
+                                <p:cTn id="5" presetID="1" presetClass="entr" presetSubtype="0" fill="hold" nodeType="clickEffect">
+                                  <p:stCondLst>
+                                    <p:cond delay="0"/>
+                                  </p:stCondLst>
+                                  <p:childTnLst>
+                                    <p:set>
+                                      <p:cBhvr>
+                                        <p:cTn id="6" dur="1" fill="hold">
+                                          <p:stCondLst>
+                                            <p:cond delay="0"/>
+                                          </p:stCondLst>
+                                        </p:cTn>
+                                        <p:tgtEl>
+                                          <p:spTgt spid="3">
+                                            <p:txEl>
+                                              <p:pRg st="4" end="4"/>
+                                            </p:txEl>
+                                          </p:spTgt>
+                                        </p:tgtEl>
+                                        <p:attrNameLst>
+                                          <p:attrName>style.visibility</p:attrName>
+                                        </p:attrNameLst>
+                                      </p:cBhvr>
+                                      <p:to>
+                                        <p:strVal val="visible"/>
+                                      </p:to>
+                                    </p:set>
+                                  </p:childTnLst>
+                                </p:cTn>
+                              </p:par>
+                              <p:par>
+                                <p:cTn id="7" presetID="1" presetClass="entr" presetSubtype="0" fill="hold" grpId="0" nodeType="withEffect">
+                                  <p:stCondLst>
+                                    <p:cond delay="0"/>
+                                  </p:stCondLst>
+                                  <p:childTnLst>
+                                    <p:set>
+                                      <p:cBhvr>
+                                        <p:cTn id="8" dur="1" fill="hold">
+                                          <p:stCondLst>
+                                            <p:cond delay="0"/>
+                                          </p:stCondLst>
+                                        </p:cTn>
+                                        <p:tgtEl>
+                                          <p:spTgt spid="9"/>
+                                        </p:tgtEl>
+                                        <p:attrNameLst>
+                                          <p:attrName>style.visibility</p:attrName>
+                                        </p:attrNameLst>
+                                      </p:cBhvr>
+                                      <p:to>
+                                        <p:strVal val="visible"/>
+                                      </p:to>
+                                    </p:set>
+                                  </p:childTnLst>
+                                </p:cTn>
+                              </p:par>
+                              <p:par>
+                                <p:cTn id="9" presetID="1" presetClass="entr" presetSubtype="0" fill="hold" grpId="0" nodeType="withEffect">
+                                  <p:stCondLst>
+                                    <p:cond delay="0"/>
+                                  </p:stCondLst>
+                                  <p:childTnLst>
+                                    <p:set>
+                                      <p:cBhvr>
+                                        <p:cTn id="10" dur="1" fill="hold">
+                                          <p:stCondLst>
+                                            <p:cond delay="0"/>
+                                          </p:stCondLst>
+                                        </p:cTn>
+                                        <p:tgtEl>
+                                          <p:spTgt spid="10"/>
+                                        </p:tgtEl>
+                                        <p:attrNameLst>
+                                          <p:attrName>style.visibility</p:attrName>
+                                        </p:attrNameLst>
+                                      </p:cBhvr>
+                                      <p:to>
+                                        <p:strVal val="visible"/>
+                                      </p:to>
+                                    </p:set>
+                                  </p:childTnLst>
+                                </p:cTn>
+                              </p:par>
+                            </p:childTnLst>
+                          </p:cTn>
+                        </p:par>
+                      </p:childTnLst>
+                    </p:cTn>
+                  </p:par>
+                  <p:par>
+                    <p:cTn id="11" fill="hold">
+                      <p:stCondLst>
+                        <p:cond delay="indefinite"/>
+                      </p:stCondLst>
+                      <p:childTnLst>
+                        <p:par>
+                          <p:cTn id="12" fill="hold">
+                            <p:stCondLst>
+                              <p:cond delay="0"/>
+                            </p:stCondLst>
+                            <p:childTnLst>
+                              <p:par>
+                                <p:cTn id="13" presetID="1" presetClass="entr" presetSubtype="0" fill="hold" grpId="0" nodeType="clickEffect">
+                                  <p:stCondLst>
+                                    <p:cond delay="0"/>
+                                  </p:stCondLst>
+                                  <p:childTnLst>
+                                    <p:set>
+                                      <p:cBhvr>
+                                        <p:cTn id="14" dur="1" fill="hold">
+                                          <p:stCondLst>
+                                            <p:cond delay="0"/>
+                                          </p:stCondLst>
+                                        </p:cTn>
+                                        <p:tgtEl>
+                                          <p:spTgt spid="11"/>
+                                        </p:tgtEl>
+                                        <p:attrNameLst>
+                                          <p:attrName>style.visibility</p:attrName>
+                                        </p:attrNameLst>
+                                      </p:cBhvr>
+                                      <p:to>
+                                        <p:strVal val="visible"/>
+                                      </p:to>
+                                    </p:set>
+                                  </p:childTnLst>
+                                </p:cTn>
+                              </p:par>
+                              <p:par>
+                                <p:cTn id="15" presetID="1" presetClass="entr" presetSubtype="0" fill="hold" grpId="0" nodeType="withEffect">
+                                  <p:stCondLst>
+                                    <p:cond delay="0"/>
+                                  </p:stCondLst>
+                                  <p:childTnLst>
+                                    <p:set>
+                                      <p:cBhvr>
+                                        <p:cTn id="16" dur="1" fill="hold">
+                                          <p:stCondLst>
+                                            <p:cond delay="0"/>
+                                          </p:stCondLst>
+                                        </p:cTn>
+                                        <p:tgtEl>
+                                          <p:spTgt spid="12"/>
+                                        </p:tgtEl>
+                                        <p:attrNameLst>
+                                          <p:attrName>style.visibility</p:attrName>
+                                        </p:attrNameLst>
+                                      </p:cBhvr>
+                                      <p:to>
+                                        <p:strVal val="visible"/>
+                                      </p:to>
+                                    </p:set>
+                                  </p:childTnLst>
+                                </p:cTn>
+                              </p:par>
+                            </p:childTnLst>
+                          </p:cTn>
+                        </p:par>
+                      </p:childTnLst>
+                    </p:cTn>
+                  </p:par>
+                  <p:par>
+                    <p:cTn id="17" fill="hold">
+                      <p:stCondLst>
+                        <p:cond delay="indefinite"/>
+                      </p:stCondLst>
+                      <p:childTnLst>
+                        <p:par>
+                          <p:cTn id="18" fill="hold">
+                            <p:stCondLst>
+                              <p:cond delay="0"/>
+                            </p:stCondLst>
+                            <p:childTnLst>
+                              <p:par>
+                                <p:cTn id="19" presetID="1" presetClass="entr" presetSubtype="0" fill="hold" grpId="0" nodeType="clickEffect">
+                                  <p:stCondLst>
+                                    <p:cond delay="0"/>
+                                  </p:stCondLst>
+                                  <p:childTnLst>
+                                    <p:set>
+                                      <p:cBhvr>
+                                        <p:cTn id="20" dur="1" fill="hold">
+                                          <p:stCondLst>
+                                            <p:cond delay="0"/>
+                                          </p:stCondLst>
+                                        </p:cTn>
+                                        <p:tgtEl>
+                                          <p:spTgt spid="13"/>
+                                        </p:tgtEl>
+                                        <p:attrNameLst>
+                                          <p:attrName>style.visibility</p:attrName>
+                                        </p:attrNameLst>
+                                      </p:cBhvr>
+                                      <p:to>
+                                        <p:strVal val="visible"/>
+                                      </p:to>
+                                    </p:set>
+                                  </p:childTnLst>
+                                </p:cTn>
+                              </p:par>
+                              <p:par>
+                                <p:cTn id="21" presetID="1" presetClass="entr" presetSubtype="0" fill="hold" grpId="0" nodeType="withEffect">
+                                  <p:stCondLst>
+                                    <p:cond delay="0"/>
+                                  </p:stCondLst>
+                                  <p:childTnLst>
+                                    <p:set>
+                                      <p:cBhvr>
+                                        <p:cTn id="22" dur="1" fill="hold">
+                                          <p:stCondLst>
+                                            <p:cond delay="0"/>
+                                          </p:stCondLst>
+                                        </p:cTn>
+                                        <p:tgtEl>
+                                          <p:spTgt spid="14"/>
+                                        </p:tgtEl>
+                                        <p:attrNameLst>
+                                          <p:attrName>style.visibility</p:attrName>
+                                        </p:attrNameLst>
+                                      </p:cBhvr>
+                                      <p:to>
+                                        <p:strVal val="visible"/>
+                                      </p:to>
+                                    </p:set>
+                                  </p:childTnLst>
+                                </p:cTn>
+                              </p:par>
+                            </p:childTnLst>
+                          </p:cTn>
+                        </p:par>
+                      </p:childTnLst>
+                    </p:cTn>
+                  </p:par>
+                </p:childTnLst>
+              </p:cTn>
+              <p:prevCondLst>
+                <p:cond evt="onPrev" delay="0">
+                  <p:tgtEl>
+                    <p:sldTgt/>
+                  </p:tgtEl>
+                </p:cond>
+              </p:prevCondLst>
+              <p:nextCondLst>
+                <p:cond evt="onNext" delay="0">
+                  <p:tgtEl>
+                    <p:sldTgt/>
+                  </p:tgtEl>
+                </p:cond>
+              </p:nextCondLst>
+            </p:seq>
+          </p:childTnLst>
+        </p:cTn>
+      </p:par>
+    </p:tnLst>
+    <p:bldLst>
+      <p:bldP spid="9" grpId="0" animBg="1"/>
+      <p:bldP spid="10" grpId="0" animBg="1"/>
+      <p:bldP spid="11" grpId="0" animBg="1"/>
+      <p:bldP spid="12" grpId="0" animBg="1"/>
+      <p:bldP spid="13" grpId="0" animBg="1"/>
+      <p:bldP spid="14" grpId="0" animBg="1"/>
+    </p:bldLst>
+  </p:timing>
 </p:sld>
 </file>
 
@@ -20609,6 +26989,546 @@
   <p:clrMapOvr>
     <a:masterClrMapping/>
   </p:clrMapOvr>
+  <p:timing>
+    <p:tnLst>
+      <p:par>
+        <p:cTn id="1" dur="indefinite" restart="never" nodeType="tmRoot">
+          <p:childTnLst>
+            <p:seq concurrent="1" nextAc="seek">
+              <p:cTn id="2" dur="indefinite" nodeType="mainSeq">
+                <p:childTnLst>
+                  <p:par>
+                    <p:cTn id="3" fill="hold">
+                      <p:stCondLst>
+                        <p:cond delay="indefinite"/>
+                        <p:cond evt="onBegin" delay="0">
+                          <p:tn val="2"/>
+                        </p:cond>
+                      </p:stCondLst>
+                      <p:childTnLst>
+                        <p:par>
+                          <p:cTn id="4" fill="hold">
+                            <p:stCondLst>
+                              <p:cond delay="0"/>
+                            </p:stCondLst>
+                            <p:childTnLst>
+                              <p:par>
+                                <p:cTn id="5" presetID="1" presetClass="entr" presetSubtype="0" fill="hold" grpId="0" nodeType="withEffect">
+                                  <p:stCondLst>
+                                    <p:cond delay="0"/>
+                                  </p:stCondLst>
+                                  <p:childTnLst>
+                                    <p:set>
+                                      <p:cBhvr>
+                                        <p:cTn id="6" dur="1" fill="hold">
+                                          <p:stCondLst>
+                                            <p:cond delay="0"/>
+                                          </p:stCondLst>
+                                        </p:cTn>
+                                        <p:tgtEl>
+                                          <p:spTgt spid="5"/>
+                                        </p:tgtEl>
+                                        <p:attrNameLst>
+                                          <p:attrName>style.visibility</p:attrName>
+                                        </p:attrNameLst>
+                                      </p:cBhvr>
+                                      <p:to>
+                                        <p:strVal val="visible"/>
+                                      </p:to>
+                                    </p:set>
+                                  </p:childTnLst>
+                                </p:cTn>
+                              </p:par>
+                              <p:par>
+                                <p:cTn id="7" presetID="1" presetClass="entr" presetSubtype="0" fill="hold" nodeType="withEffect">
+                                  <p:stCondLst>
+                                    <p:cond delay="0"/>
+                                  </p:stCondLst>
+                                  <p:childTnLst>
+                                    <p:set>
+                                      <p:cBhvr>
+                                        <p:cTn id="8" dur="1" fill="hold">
+                                          <p:stCondLst>
+                                            <p:cond delay="0"/>
+                                          </p:stCondLst>
+                                        </p:cTn>
+                                        <p:tgtEl>
+                                          <p:spTgt spid="5">
+                                            <p:txEl>
+                                              <p:pRg st="0" end="0"/>
+                                            </p:txEl>
+                                          </p:spTgt>
+                                        </p:tgtEl>
+                                        <p:attrNameLst>
+                                          <p:attrName>style.visibility</p:attrName>
+                                        </p:attrNameLst>
+                                      </p:cBhvr>
+                                      <p:to>
+                                        <p:strVal val="visible"/>
+                                      </p:to>
+                                    </p:set>
+                                  </p:childTnLst>
+                                </p:cTn>
+                              </p:par>
+                              <p:par>
+                                <p:cTn id="9" presetID="1" presetClass="entr" presetSubtype="0" fill="hold" nodeType="withEffect">
+                                  <p:stCondLst>
+                                    <p:cond delay="0"/>
+                                  </p:stCondLst>
+                                  <p:childTnLst>
+                                    <p:set>
+                                      <p:cBhvr>
+                                        <p:cTn id="10" dur="1" fill="hold">
+                                          <p:stCondLst>
+                                            <p:cond delay="0"/>
+                                          </p:stCondLst>
+                                        </p:cTn>
+                                        <p:tgtEl>
+                                          <p:spTgt spid="5">
+                                            <p:txEl>
+                                              <p:pRg st="1" end="1"/>
+                                            </p:txEl>
+                                          </p:spTgt>
+                                        </p:tgtEl>
+                                        <p:attrNameLst>
+                                          <p:attrName>style.visibility</p:attrName>
+                                        </p:attrNameLst>
+                                      </p:cBhvr>
+                                      <p:to>
+                                        <p:strVal val="visible"/>
+                                      </p:to>
+                                    </p:set>
+                                  </p:childTnLst>
+                                </p:cTn>
+                              </p:par>
+                              <p:par>
+                                <p:cTn id="11" presetID="1" presetClass="entr" presetSubtype="0" fill="hold" nodeType="withEffect">
+                                  <p:stCondLst>
+                                    <p:cond delay="0"/>
+                                  </p:stCondLst>
+                                  <p:childTnLst>
+                                    <p:set>
+                                      <p:cBhvr>
+                                        <p:cTn id="12" dur="1" fill="hold">
+                                          <p:stCondLst>
+                                            <p:cond delay="0"/>
+                                          </p:stCondLst>
+                                        </p:cTn>
+                                        <p:tgtEl>
+                                          <p:spTgt spid="5">
+                                            <p:txEl>
+                                              <p:pRg st="2" end="2"/>
+                                            </p:txEl>
+                                          </p:spTgt>
+                                        </p:tgtEl>
+                                        <p:attrNameLst>
+                                          <p:attrName>style.visibility</p:attrName>
+                                        </p:attrNameLst>
+                                      </p:cBhvr>
+                                      <p:to>
+                                        <p:strVal val="visible"/>
+                                      </p:to>
+                                    </p:set>
+                                  </p:childTnLst>
+                                </p:cTn>
+                              </p:par>
+                            </p:childTnLst>
+                          </p:cTn>
+                        </p:par>
+                      </p:childTnLst>
+                    </p:cTn>
+                  </p:par>
+                  <p:par>
+                    <p:cTn id="13" fill="hold">
+                      <p:stCondLst>
+                        <p:cond delay="indefinite"/>
+                      </p:stCondLst>
+                      <p:childTnLst>
+                        <p:par>
+                          <p:cTn id="14" fill="hold">
+                            <p:stCondLst>
+                              <p:cond delay="0"/>
+                            </p:stCondLst>
+                            <p:childTnLst>
+                              <p:par>
+                                <p:cTn id="15" presetID="1" presetClass="entr" presetSubtype="0" fill="hold" nodeType="clickEffect">
+                                  <p:stCondLst>
+                                    <p:cond delay="0"/>
+                                  </p:stCondLst>
+                                  <p:childTnLst>
+                                    <p:set>
+                                      <p:cBhvr>
+                                        <p:cTn id="16" dur="1" fill="hold">
+                                          <p:stCondLst>
+                                            <p:cond delay="0"/>
+                                          </p:stCondLst>
+                                        </p:cTn>
+                                        <p:tgtEl>
+                                          <p:spTgt spid="5">
+                                            <p:txEl>
+                                              <p:pRg st="3" end="3"/>
+                                            </p:txEl>
+                                          </p:spTgt>
+                                        </p:tgtEl>
+                                        <p:attrNameLst>
+                                          <p:attrName>style.visibility</p:attrName>
+                                        </p:attrNameLst>
+                                      </p:cBhvr>
+                                      <p:to>
+                                        <p:strVal val="visible"/>
+                                      </p:to>
+                                    </p:set>
+                                  </p:childTnLst>
+                                </p:cTn>
+                              </p:par>
+                              <p:par>
+                                <p:cTn id="17" presetID="1" presetClass="entr" presetSubtype="0" fill="hold" nodeType="withEffect">
+                                  <p:stCondLst>
+                                    <p:cond delay="0"/>
+                                  </p:stCondLst>
+                                  <p:childTnLst>
+                                    <p:set>
+                                      <p:cBhvr>
+                                        <p:cTn id="18" dur="1" fill="hold">
+                                          <p:stCondLst>
+                                            <p:cond delay="0"/>
+                                          </p:stCondLst>
+                                        </p:cTn>
+                                        <p:tgtEl>
+                                          <p:spTgt spid="5">
+                                            <p:txEl>
+                                              <p:pRg st="4" end="4"/>
+                                            </p:txEl>
+                                          </p:spTgt>
+                                        </p:tgtEl>
+                                        <p:attrNameLst>
+                                          <p:attrName>style.visibility</p:attrName>
+                                        </p:attrNameLst>
+                                      </p:cBhvr>
+                                      <p:to>
+                                        <p:strVal val="visible"/>
+                                      </p:to>
+                                    </p:set>
+                                  </p:childTnLst>
+                                </p:cTn>
+                              </p:par>
+                              <p:par>
+                                <p:cTn id="19" presetID="1" presetClass="entr" presetSubtype="0" fill="hold" nodeType="withEffect">
+                                  <p:stCondLst>
+                                    <p:cond delay="0"/>
+                                  </p:stCondLst>
+                                  <p:childTnLst>
+                                    <p:set>
+                                      <p:cBhvr>
+                                        <p:cTn id="20" dur="1" fill="hold">
+                                          <p:stCondLst>
+                                            <p:cond delay="0"/>
+                                          </p:stCondLst>
+                                        </p:cTn>
+                                        <p:tgtEl>
+                                          <p:spTgt spid="5">
+                                            <p:txEl>
+                                              <p:pRg st="8" end="8"/>
+                                            </p:txEl>
+                                          </p:spTgt>
+                                        </p:tgtEl>
+                                        <p:attrNameLst>
+                                          <p:attrName>style.visibility</p:attrName>
+                                        </p:attrNameLst>
+                                      </p:cBhvr>
+                                      <p:to>
+                                        <p:strVal val="visible"/>
+                                      </p:to>
+                                    </p:set>
+                                  </p:childTnLst>
+                                </p:cTn>
+                              </p:par>
+                            </p:childTnLst>
+                          </p:cTn>
+                        </p:par>
+                      </p:childTnLst>
+                    </p:cTn>
+                  </p:par>
+                  <p:par>
+                    <p:cTn id="21" fill="hold">
+                      <p:stCondLst>
+                        <p:cond delay="indefinite"/>
+                      </p:stCondLst>
+                      <p:childTnLst>
+                        <p:par>
+                          <p:cTn id="22" fill="hold">
+                            <p:stCondLst>
+                              <p:cond delay="0"/>
+                            </p:stCondLst>
+                            <p:childTnLst>
+                              <p:par>
+                                <p:cTn id="23" presetID="1" presetClass="entr" presetSubtype="0" fill="hold" nodeType="clickEffect">
+                                  <p:stCondLst>
+                                    <p:cond delay="0"/>
+                                  </p:stCondLst>
+                                  <p:childTnLst>
+                                    <p:set>
+                                      <p:cBhvr>
+                                        <p:cTn id="24" dur="1" fill="hold">
+                                          <p:stCondLst>
+                                            <p:cond delay="0"/>
+                                          </p:stCondLst>
+                                        </p:cTn>
+                                        <p:tgtEl>
+                                          <p:spTgt spid="5">
+                                            <p:txEl>
+                                              <p:pRg st="5" end="5"/>
+                                            </p:txEl>
+                                          </p:spTgt>
+                                        </p:tgtEl>
+                                        <p:attrNameLst>
+                                          <p:attrName>style.visibility</p:attrName>
+                                        </p:attrNameLst>
+                                      </p:cBhvr>
+                                      <p:to>
+                                        <p:strVal val="visible"/>
+                                      </p:to>
+                                    </p:set>
+                                  </p:childTnLst>
+                                </p:cTn>
+                              </p:par>
+                              <p:par>
+                                <p:cTn id="25" presetID="1" presetClass="entr" presetSubtype="0" fill="hold" nodeType="withEffect">
+                                  <p:stCondLst>
+                                    <p:cond delay="0"/>
+                                  </p:stCondLst>
+                                  <p:childTnLst>
+                                    <p:set>
+                                      <p:cBhvr>
+                                        <p:cTn id="26" dur="1" fill="hold">
+                                          <p:stCondLst>
+                                            <p:cond delay="0"/>
+                                          </p:stCondLst>
+                                        </p:cTn>
+                                        <p:tgtEl>
+                                          <p:spTgt spid="5">
+                                            <p:txEl>
+                                              <p:pRg st="6" end="6"/>
+                                            </p:txEl>
+                                          </p:spTgt>
+                                        </p:tgtEl>
+                                        <p:attrNameLst>
+                                          <p:attrName>style.visibility</p:attrName>
+                                        </p:attrNameLst>
+                                      </p:cBhvr>
+                                      <p:to>
+                                        <p:strVal val="visible"/>
+                                      </p:to>
+                                    </p:set>
+                                  </p:childTnLst>
+                                </p:cTn>
+                              </p:par>
+                              <p:par>
+                                <p:cTn id="27" presetID="1" presetClass="entr" presetSubtype="0" fill="hold" nodeType="withEffect">
+                                  <p:stCondLst>
+                                    <p:cond delay="0"/>
+                                  </p:stCondLst>
+                                  <p:childTnLst>
+                                    <p:set>
+                                      <p:cBhvr>
+                                        <p:cTn id="28" dur="1" fill="hold">
+                                          <p:stCondLst>
+                                            <p:cond delay="0"/>
+                                          </p:stCondLst>
+                                        </p:cTn>
+                                        <p:tgtEl>
+                                          <p:spTgt spid="5">
+                                            <p:txEl>
+                                              <p:pRg st="7" end="7"/>
+                                            </p:txEl>
+                                          </p:spTgt>
+                                        </p:tgtEl>
+                                        <p:attrNameLst>
+                                          <p:attrName>style.visibility</p:attrName>
+                                        </p:attrNameLst>
+                                      </p:cBhvr>
+                                      <p:to>
+                                        <p:strVal val="visible"/>
+                                      </p:to>
+                                    </p:set>
+                                  </p:childTnLst>
+                                </p:cTn>
+                              </p:par>
+                            </p:childTnLst>
+                          </p:cTn>
+                        </p:par>
+                      </p:childTnLst>
+                    </p:cTn>
+                  </p:par>
+                  <p:par>
+                    <p:cTn id="29" fill="hold">
+                      <p:stCondLst>
+                        <p:cond delay="indefinite"/>
+                      </p:stCondLst>
+                      <p:childTnLst>
+                        <p:par>
+                          <p:cTn id="30" fill="hold">
+                            <p:stCondLst>
+                              <p:cond delay="0"/>
+                            </p:stCondLst>
+                            <p:childTnLst>
+                              <p:par>
+                                <p:cTn id="31" presetID="1" presetClass="entr" presetSubtype="0" fill="hold" nodeType="clickEffect">
+                                  <p:stCondLst>
+                                    <p:cond delay="0"/>
+                                  </p:stCondLst>
+                                  <p:childTnLst>
+                                    <p:set>
+                                      <p:cBhvr>
+                                        <p:cTn id="32" dur="1" fill="hold">
+                                          <p:stCondLst>
+                                            <p:cond delay="0"/>
+                                          </p:stCondLst>
+                                        </p:cTn>
+                                        <p:tgtEl>
+                                          <p:spTgt spid="5">
+                                            <p:txEl>
+                                              <p:pRg st="9" end="9"/>
+                                            </p:txEl>
+                                          </p:spTgt>
+                                        </p:tgtEl>
+                                        <p:attrNameLst>
+                                          <p:attrName>style.visibility</p:attrName>
+                                        </p:attrNameLst>
+                                      </p:cBhvr>
+                                      <p:to>
+                                        <p:strVal val="visible"/>
+                                      </p:to>
+                                    </p:set>
+                                  </p:childTnLst>
+                                </p:cTn>
+                              </p:par>
+                            </p:childTnLst>
+                          </p:cTn>
+                        </p:par>
+                      </p:childTnLst>
+                    </p:cTn>
+                  </p:par>
+                  <p:par>
+                    <p:cTn id="33" fill="hold">
+                      <p:stCondLst>
+                        <p:cond delay="indefinite"/>
+                      </p:stCondLst>
+                      <p:childTnLst>
+                        <p:par>
+                          <p:cTn id="34" fill="hold">
+                            <p:stCondLst>
+                              <p:cond delay="0"/>
+                            </p:stCondLst>
+                            <p:childTnLst>
+                              <p:par>
+                                <p:cTn id="35" presetID="1" presetClass="entr" presetSubtype="0" fill="hold" nodeType="clickEffect">
+                                  <p:stCondLst>
+                                    <p:cond delay="0"/>
+                                  </p:stCondLst>
+                                  <p:childTnLst>
+                                    <p:set>
+                                      <p:cBhvr>
+                                        <p:cTn id="36" dur="1" fill="hold">
+                                          <p:stCondLst>
+                                            <p:cond delay="0"/>
+                                          </p:stCondLst>
+                                        </p:cTn>
+                                        <p:tgtEl>
+                                          <p:spTgt spid="5">
+                                            <p:txEl>
+                                              <p:pRg st="10" end="10"/>
+                                            </p:txEl>
+                                          </p:spTgt>
+                                        </p:tgtEl>
+                                        <p:attrNameLst>
+                                          <p:attrName>style.visibility</p:attrName>
+                                        </p:attrNameLst>
+                                      </p:cBhvr>
+                                      <p:to>
+                                        <p:strVal val="visible"/>
+                                      </p:to>
+                                    </p:set>
+                                  </p:childTnLst>
+                                </p:cTn>
+                              </p:par>
+                            </p:childTnLst>
+                          </p:cTn>
+                        </p:par>
+                      </p:childTnLst>
+                    </p:cTn>
+                  </p:par>
+                  <p:par>
+                    <p:cTn id="37" fill="hold">
+                      <p:stCondLst>
+                        <p:cond delay="indefinite"/>
+                      </p:stCondLst>
+                      <p:childTnLst>
+                        <p:par>
+                          <p:cTn id="38" fill="hold">
+                            <p:stCondLst>
+                              <p:cond delay="0"/>
+                            </p:stCondLst>
+                            <p:childTnLst>
+                              <p:par>
+                                <p:cTn id="39" presetID="1" presetClass="entr" presetSubtype="0" fill="hold" grpId="0" nodeType="clickEffect">
+                                  <p:stCondLst>
+                                    <p:cond delay="0"/>
+                                  </p:stCondLst>
+                                  <p:childTnLst>
+                                    <p:set>
+                                      <p:cBhvr>
+                                        <p:cTn id="40" dur="1" fill="hold">
+                                          <p:stCondLst>
+                                            <p:cond delay="0"/>
+                                          </p:stCondLst>
+                                        </p:cTn>
+                                        <p:tgtEl>
+                                          <p:spTgt spid="2"/>
+                                        </p:tgtEl>
+                                        <p:attrNameLst>
+                                          <p:attrName>style.visibility</p:attrName>
+                                        </p:attrNameLst>
+                                      </p:cBhvr>
+                                      <p:to>
+                                        <p:strVal val="visible"/>
+                                      </p:to>
+                                    </p:set>
+                                  </p:childTnLst>
+                                </p:cTn>
+                              </p:par>
+                            </p:childTnLst>
+                          </p:cTn>
+                        </p:par>
+                      </p:childTnLst>
+                    </p:cTn>
+                  </p:par>
+                </p:childTnLst>
+              </p:cTn>
+              <p:prevCondLst>
+                <p:cond evt="onPrev" delay="0">
+                  <p:tgtEl>
+                    <p:sldTgt/>
+                  </p:tgtEl>
+                </p:cond>
+              </p:prevCondLst>
+              <p:nextCondLst>
+                <p:cond evt="onNext" delay="0">
+                  <p:tgtEl>
+                    <p:sldTgt/>
+                  </p:tgtEl>
+                </p:cond>
+              </p:nextCondLst>
+            </p:seq>
+          </p:childTnLst>
+        </p:cTn>
+      </p:par>
+    </p:tnLst>
+    <p:bldLst>
+      <p:bldP spid="5" grpId="0" animBg="1"/>
+      <p:bldP spid="2" grpId="0"/>
+    </p:bldLst>
+  </p:timing>
 </p:sld>
 </file>
 
@@ -20976,6 +27896,85 @@
   <p:clrMapOvr>
     <a:masterClrMapping/>
   </p:clrMapOvr>
+  <p:timing>
+    <p:tnLst>
+      <p:par>
+        <p:cTn id="1" dur="indefinite" restart="never" nodeType="tmRoot">
+          <p:childTnLst>
+            <p:seq concurrent="1" nextAc="seek">
+              <p:cTn id="2" dur="indefinite" nodeType="mainSeq">
+                <p:childTnLst>
+                  <p:par>
+                    <p:cTn id="3" fill="hold">
+                      <p:stCondLst>
+                        <p:cond delay="indefinite"/>
+                      </p:stCondLst>
+                      <p:childTnLst>
+                        <p:par>
+                          <p:cTn id="4" fill="hold">
+                            <p:stCondLst>
+                              <p:cond delay="0"/>
+                            </p:stCondLst>
+                            <p:childTnLst>
+                              <p:par>
+                                <p:cTn id="5" presetID="1" presetClass="entr" presetSubtype="0" fill="hold" nodeType="clickEffect">
+                                  <p:stCondLst>
+                                    <p:cond delay="0"/>
+                                  </p:stCondLst>
+                                  <p:childTnLst>
+                                    <p:set>
+                                      <p:cBhvr>
+                                        <p:cTn id="6" dur="1" fill="hold">
+                                          <p:stCondLst>
+                                            <p:cond delay="0"/>
+                                          </p:stCondLst>
+                                        </p:cTn>
+                                        <p:tgtEl>
+                                          <p:spTgt spid="4">
+                                            <p:txEl>
+                                              <p:pRg st="0" end="0"/>
+                                            </p:txEl>
+                                          </p:spTgt>
+                                        </p:tgtEl>
+                                        <p:attrNameLst>
+                                          <p:attrName>style.visibility</p:attrName>
+                                        </p:attrNameLst>
+                                      </p:cBhvr>
+                                      <p:to>
+                                        <p:strVal val="visible"/>
+                                      </p:to>
+                                    </p:set>
+                                  </p:childTnLst>
+                                </p:cTn>
+                              </p:par>
+                            </p:childTnLst>
+                          </p:cTn>
+                        </p:par>
+                      </p:childTnLst>
+                    </p:cTn>
+                  </p:par>
+                </p:childTnLst>
+              </p:cTn>
+              <p:prevCondLst>
+                <p:cond evt="onPrev" delay="0">
+                  <p:tgtEl>
+                    <p:sldTgt/>
+                  </p:tgtEl>
+                </p:cond>
+              </p:prevCondLst>
+              <p:nextCondLst>
+                <p:cond evt="onNext" delay="0">
+                  <p:tgtEl>
+                    <p:sldTgt/>
+                  </p:tgtEl>
+                </p:cond>
+              </p:nextCondLst>
+            </p:seq>
+          </p:childTnLst>
+        </p:cTn>
+      </p:par>
+    </p:tnLst>
+  </p:timing>
 </p:sld>
 </file>
 
